--- a/4주차(Top스크롤)/Top스크롤.pptx
+++ b/4주차(Top스크롤)/Top스크롤.pptx
@@ -1,15 +1,30 @@
 
 <file path=ppt/presentation.xml><?xml version="1.0" encoding="utf-8"?>
-<p:presentation xmlns:a="http://schemas.openxmlformats.org/drawingml/2006/main" xmlns:r="http://schemas.openxmlformats.org/officeDocument/2006/relationships" xmlns:p="http://schemas.openxmlformats.org/presentationml/2006/main" saveSubsetFonts="1">
+<p:presentation xmlns:a="http://schemas.openxmlformats.org/drawingml/2006/main" xmlns:r="http://schemas.openxmlformats.org/officeDocument/2006/relationships" xmlns:p="http://schemas.openxmlformats.org/presentationml/2006/main" embedTrueTypeFonts="1" saveSubsetFonts="1">
   <p:sldMasterIdLst>
     <p:sldMasterId id="2147483648" r:id="rId1"/>
   </p:sldMasterIdLst>
   <p:sldIdLst>
     <p:sldId id="256" r:id="rId2"/>
-    <p:sldId id="257" r:id="rId3"/>
+    <p:sldId id="258" r:id="rId3"/>
+    <p:sldId id="259" r:id="rId4"/>
+    <p:sldId id="257" r:id="rId5"/>
+    <p:sldId id="260" r:id="rId6"/>
+    <p:sldId id="261" r:id="rId7"/>
   </p:sldIdLst>
   <p:sldSz cx="9144000" cy="6858000" type="screen4x3"/>
   <p:notesSz cx="6858000" cy="9144000"/>
+  <p:embeddedFontLst>
+    <p:embeddedFont>
+      <p:font typeface="나눔스퀘어" panose="020B0600000101010101" pitchFamily="50" charset="-127"/>
+      <p:regular r:id="rId8"/>
+    </p:embeddedFont>
+    <p:embeddedFont>
+      <p:font typeface="맑은 고딕" panose="020B0503020000020004" pitchFamily="50" charset="-127"/>
+      <p:regular r:id="rId9"/>
+      <p:bold r:id="rId10"/>
+    </p:embeddedFont>
+  </p:embeddedFontLst>
   <p:defaultTextStyle>
     <a:defPPr>
       <a:defRPr lang="ko-KR"/>
@@ -105,6 +120,22 @@
       </a:defRPr>
     </a:lvl9pPr>
   </p:defaultTextStyle>
+  <p:extLst>
+    <p:ext uri="{EFAFB233-063F-42B5-8137-9DF3F51BA10A}">
+      <p15:sldGuideLst xmlns:p15="http://schemas.microsoft.com/office/powerpoint/2012/main">
+        <p15:guide id="1" orient="horz" pos="2160">
+          <p15:clr>
+            <a:srgbClr val="A4A3A4"/>
+          </p15:clr>
+        </p15:guide>
+        <p15:guide id="2" pos="2880">
+          <p15:clr>
+            <a:srgbClr val="A4A3A4"/>
+          </p15:clr>
+        </p15:guide>
+      </p15:sldGuideLst>
+    </p:ext>
+  </p:extLst>
 </p:presentation>
 </file>
 
@@ -146,10 +177,9 @@
           <a:lstStyle/>
           <a:p>
             <a:r>
-              <a:rPr lang="ko-KR" altLang="en-US" smtClean="0"/>
+              <a:rPr lang="ko-KR" altLang="en-US"/>
               <a:t>마스터 제목 스타일 편집</a:t>
             </a:r>
-            <a:endParaRPr lang="ko-KR" altLang="en-US"/>
           </a:p>
         </p:txBody>
       </p:sp>
@@ -265,10 +295,9 @@
           </a:lstStyle>
           <a:p>
             <a:r>
-              <a:rPr lang="ko-KR" altLang="en-US" smtClean="0"/>
+              <a:rPr lang="ko-KR" altLang="en-US"/>
               <a:t>마스터 부제목 스타일 편집</a:t>
             </a:r>
-            <a:endParaRPr lang="ko-KR" altLang="en-US"/>
           </a:p>
         </p:txBody>
       </p:sp>
@@ -289,7 +318,7 @@
           <a:p>
             <a:fld id="{0B2B42E6-83CF-43E3-9FE7-86C6EE891402}" type="datetimeFigureOut">
               <a:rPr lang="ko-KR" altLang="en-US" smtClean="0"/>
-              <a:t>2020-02-14</a:t>
+              <a:t>2020-02-15</a:t>
             </a:fld>
             <a:endParaRPr lang="ko-KR" altLang="en-US"/>
           </a:p>
@@ -383,10 +412,9 @@
           <a:lstStyle/>
           <a:p>
             <a:r>
-              <a:rPr lang="ko-KR" altLang="en-US" smtClean="0"/>
+              <a:rPr lang="ko-KR" altLang="en-US"/>
               <a:t>마스터 제목 스타일 편집</a:t>
             </a:r>
-            <a:endParaRPr lang="ko-KR" altLang="en-US"/>
           </a:p>
         </p:txBody>
       </p:sp>
@@ -407,38 +435,37 @@
           <a:p>
             <a:pPr lvl="0"/>
             <a:r>
-              <a:rPr lang="ko-KR" altLang="en-US" smtClean="0"/>
+              <a:rPr lang="ko-KR" altLang="en-US"/>
               <a:t>마스터 텍스트 스타일을 편집합니다</a:t>
             </a:r>
           </a:p>
           <a:p>
             <a:pPr lvl="1"/>
             <a:r>
-              <a:rPr lang="ko-KR" altLang="en-US" smtClean="0"/>
+              <a:rPr lang="ko-KR" altLang="en-US"/>
               <a:t>둘째 수준</a:t>
             </a:r>
           </a:p>
           <a:p>
             <a:pPr lvl="2"/>
             <a:r>
-              <a:rPr lang="ko-KR" altLang="en-US" smtClean="0"/>
+              <a:rPr lang="ko-KR" altLang="en-US"/>
               <a:t>셋째 수준</a:t>
             </a:r>
           </a:p>
           <a:p>
             <a:pPr lvl="3"/>
             <a:r>
-              <a:rPr lang="ko-KR" altLang="en-US" smtClean="0"/>
+              <a:rPr lang="ko-KR" altLang="en-US"/>
               <a:t>넷째 수준</a:t>
             </a:r>
           </a:p>
           <a:p>
             <a:pPr lvl="4"/>
             <a:r>
-              <a:rPr lang="ko-KR" altLang="en-US" smtClean="0"/>
+              <a:rPr lang="ko-KR" altLang="en-US"/>
               <a:t>다섯째 수준</a:t>
             </a:r>
-            <a:endParaRPr lang="ko-KR" altLang="en-US"/>
           </a:p>
         </p:txBody>
       </p:sp>
@@ -459,7 +486,7 @@
           <a:p>
             <a:fld id="{0B2B42E6-83CF-43E3-9FE7-86C6EE891402}" type="datetimeFigureOut">
               <a:rPr lang="ko-KR" altLang="en-US" smtClean="0"/>
-              <a:t>2020-02-14</a:t>
+              <a:t>2020-02-15</a:t>
             </a:fld>
             <a:endParaRPr lang="ko-KR" altLang="en-US"/>
           </a:p>
@@ -558,10 +585,9 @@
           <a:lstStyle/>
           <a:p>
             <a:r>
-              <a:rPr lang="ko-KR" altLang="en-US" smtClean="0"/>
+              <a:rPr lang="ko-KR" altLang="en-US"/>
               <a:t>마스터 제목 스타일 편집</a:t>
             </a:r>
-            <a:endParaRPr lang="ko-KR" altLang="en-US"/>
           </a:p>
         </p:txBody>
       </p:sp>
@@ -587,38 +613,37 @@
           <a:p>
             <a:pPr lvl="0"/>
             <a:r>
-              <a:rPr lang="ko-KR" altLang="en-US" smtClean="0"/>
+              <a:rPr lang="ko-KR" altLang="en-US"/>
               <a:t>마스터 텍스트 스타일을 편집합니다</a:t>
             </a:r>
           </a:p>
           <a:p>
             <a:pPr lvl="1"/>
             <a:r>
-              <a:rPr lang="ko-KR" altLang="en-US" smtClean="0"/>
+              <a:rPr lang="ko-KR" altLang="en-US"/>
               <a:t>둘째 수준</a:t>
             </a:r>
           </a:p>
           <a:p>
             <a:pPr lvl="2"/>
             <a:r>
-              <a:rPr lang="ko-KR" altLang="en-US" smtClean="0"/>
+              <a:rPr lang="ko-KR" altLang="en-US"/>
               <a:t>셋째 수준</a:t>
             </a:r>
           </a:p>
           <a:p>
             <a:pPr lvl="3"/>
             <a:r>
-              <a:rPr lang="ko-KR" altLang="en-US" smtClean="0"/>
+              <a:rPr lang="ko-KR" altLang="en-US"/>
               <a:t>넷째 수준</a:t>
             </a:r>
           </a:p>
           <a:p>
             <a:pPr lvl="4"/>
             <a:r>
-              <a:rPr lang="ko-KR" altLang="en-US" smtClean="0"/>
+              <a:rPr lang="ko-KR" altLang="en-US"/>
               <a:t>다섯째 수준</a:t>
             </a:r>
-            <a:endParaRPr lang="ko-KR" altLang="en-US"/>
           </a:p>
         </p:txBody>
       </p:sp>
@@ -639,7 +664,7 @@
           <a:p>
             <a:fld id="{0B2B42E6-83CF-43E3-9FE7-86C6EE891402}" type="datetimeFigureOut">
               <a:rPr lang="ko-KR" altLang="en-US" smtClean="0"/>
-              <a:t>2020-02-14</a:t>
+              <a:t>2020-02-15</a:t>
             </a:fld>
             <a:endParaRPr lang="ko-KR" altLang="en-US"/>
           </a:p>
@@ -733,10 +758,9 @@
           <a:lstStyle/>
           <a:p>
             <a:r>
-              <a:rPr lang="ko-KR" altLang="en-US" smtClean="0"/>
+              <a:rPr lang="ko-KR" altLang="en-US"/>
               <a:t>마스터 제목 스타일 편집</a:t>
             </a:r>
-            <a:endParaRPr lang="ko-KR" altLang="en-US"/>
           </a:p>
         </p:txBody>
       </p:sp>
@@ -757,38 +781,37 @@
           <a:p>
             <a:pPr lvl="0"/>
             <a:r>
-              <a:rPr lang="ko-KR" altLang="en-US" smtClean="0"/>
+              <a:rPr lang="ko-KR" altLang="en-US"/>
               <a:t>마스터 텍스트 스타일을 편집합니다</a:t>
             </a:r>
           </a:p>
           <a:p>
             <a:pPr lvl="1"/>
             <a:r>
-              <a:rPr lang="ko-KR" altLang="en-US" smtClean="0"/>
+              <a:rPr lang="ko-KR" altLang="en-US"/>
               <a:t>둘째 수준</a:t>
             </a:r>
           </a:p>
           <a:p>
             <a:pPr lvl="2"/>
             <a:r>
-              <a:rPr lang="ko-KR" altLang="en-US" smtClean="0"/>
+              <a:rPr lang="ko-KR" altLang="en-US"/>
               <a:t>셋째 수준</a:t>
             </a:r>
           </a:p>
           <a:p>
             <a:pPr lvl="3"/>
             <a:r>
-              <a:rPr lang="ko-KR" altLang="en-US" smtClean="0"/>
+              <a:rPr lang="ko-KR" altLang="en-US"/>
               <a:t>넷째 수준</a:t>
             </a:r>
           </a:p>
           <a:p>
             <a:pPr lvl="4"/>
             <a:r>
-              <a:rPr lang="ko-KR" altLang="en-US" smtClean="0"/>
+              <a:rPr lang="ko-KR" altLang="en-US"/>
               <a:t>다섯째 수준</a:t>
             </a:r>
-            <a:endParaRPr lang="ko-KR" altLang="en-US"/>
           </a:p>
         </p:txBody>
       </p:sp>
@@ -809,7 +832,7 @@
           <a:p>
             <a:fld id="{0B2B42E6-83CF-43E3-9FE7-86C6EE891402}" type="datetimeFigureOut">
               <a:rPr lang="ko-KR" altLang="en-US" smtClean="0"/>
-              <a:t>2020-02-14</a:t>
+              <a:t>2020-02-15</a:t>
             </a:fld>
             <a:endParaRPr lang="ko-KR" altLang="en-US"/>
           </a:p>
@@ -912,10 +935,9 @@
           </a:lstStyle>
           <a:p>
             <a:r>
-              <a:rPr lang="ko-KR" altLang="en-US" smtClean="0"/>
+              <a:rPr lang="ko-KR" altLang="en-US"/>
               <a:t>마스터 제목 스타일 편집</a:t>
             </a:r>
-            <a:endParaRPr lang="ko-KR" altLang="en-US"/>
           </a:p>
         </p:txBody>
       </p:sp>
@@ -1032,7 +1054,7 @@
           <a:p>
             <a:pPr lvl="0"/>
             <a:r>
-              <a:rPr lang="ko-KR" altLang="en-US" smtClean="0"/>
+              <a:rPr lang="ko-KR" altLang="en-US"/>
               <a:t>마스터 텍스트 스타일을 편집합니다</a:t>
             </a:r>
           </a:p>
@@ -1055,7 +1077,7 @@
           <a:p>
             <a:fld id="{0B2B42E6-83CF-43E3-9FE7-86C6EE891402}" type="datetimeFigureOut">
               <a:rPr lang="ko-KR" altLang="en-US" smtClean="0"/>
-              <a:t>2020-02-14</a:t>
+              <a:t>2020-02-15</a:t>
             </a:fld>
             <a:endParaRPr lang="ko-KR" altLang="en-US"/>
           </a:p>
@@ -1149,10 +1171,9 @@
           <a:lstStyle/>
           <a:p>
             <a:r>
-              <a:rPr lang="ko-KR" altLang="en-US" smtClean="0"/>
+              <a:rPr lang="ko-KR" altLang="en-US"/>
               <a:t>마스터 제목 스타일 편집</a:t>
             </a:r>
-            <a:endParaRPr lang="ko-KR" altLang="en-US"/>
           </a:p>
         </p:txBody>
       </p:sp>
@@ -1206,38 +1227,37 @@
           <a:p>
             <a:pPr lvl="0"/>
             <a:r>
-              <a:rPr lang="ko-KR" altLang="en-US" smtClean="0"/>
+              <a:rPr lang="ko-KR" altLang="en-US"/>
               <a:t>마스터 텍스트 스타일을 편집합니다</a:t>
             </a:r>
           </a:p>
           <a:p>
             <a:pPr lvl="1"/>
             <a:r>
-              <a:rPr lang="ko-KR" altLang="en-US" smtClean="0"/>
+              <a:rPr lang="ko-KR" altLang="en-US"/>
               <a:t>둘째 수준</a:t>
             </a:r>
           </a:p>
           <a:p>
             <a:pPr lvl="2"/>
             <a:r>
-              <a:rPr lang="ko-KR" altLang="en-US" smtClean="0"/>
+              <a:rPr lang="ko-KR" altLang="en-US"/>
               <a:t>셋째 수준</a:t>
             </a:r>
           </a:p>
           <a:p>
             <a:pPr lvl="3"/>
             <a:r>
-              <a:rPr lang="ko-KR" altLang="en-US" smtClean="0"/>
+              <a:rPr lang="ko-KR" altLang="en-US"/>
               <a:t>넷째 수준</a:t>
             </a:r>
           </a:p>
           <a:p>
             <a:pPr lvl="4"/>
             <a:r>
-              <a:rPr lang="ko-KR" altLang="en-US" smtClean="0"/>
+              <a:rPr lang="ko-KR" altLang="en-US"/>
               <a:t>다섯째 수준</a:t>
             </a:r>
-            <a:endParaRPr lang="ko-KR" altLang="en-US"/>
           </a:p>
         </p:txBody>
       </p:sp>
@@ -1291,38 +1311,37 @@
           <a:p>
             <a:pPr lvl="0"/>
             <a:r>
-              <a:rPr lang="ko-KR" altLang="en-US" smtClean="0"/>
+              <a:rPr lang="ko-KR" altLang="en-US"/>
               <a:t>마스터 텍스트 스타일을 편집합니다</a:t>
             </a:r>
           </a:p>
           <a:p>
             <a:pPr lvl="1"/>
             <a:r>
-              <a:rPr lang="ko-KR" altLang="en-US" smtClean="0"/>
+              <a:rPr lang="ko-KR" altLang="en-US"/>
               <a:t>둘째 수준</a:t>
             </a:r>
           </a:p>
           <a:p>
             <a:pPr lvl="2"/>
             <a:r>
-              <a:rPr lang="ko-KR" altLang="en-US" smtClean="0"/>
+              <a:rPr lang="ko-KR" altLang="en-US"/>
               <a:t>셋째 수준</a:t>
             </a:r>
           </a:p>
           <a:p>
             <a:pPr lvl="3"/>
             <a:r>
-              <a:rPr lang="ko-KR" altLang="en-US" smtClean="0"/>
+              <a:rPr lang="ko-KR" altLang="en-US"/>
               <a:t>넷째 수준</a:t>
             </a:r>
           </a:p>
           <a:p>
             <a:pPr lvl="4"/>
             <a:r>
-              <a:rPr lang="ko-KR" altLang="en-US" smtClean="0"/>
+              <a:rPr lang="ko-KR" altLang="en-US"/>
               <a:t>다섯째 수준</a:t>
             </a:r>
-            <a:endParaRPr lang="ko-KR" altLang="en-US"/>
           </a:p>
         </p:txBody>
       </p:sp>
@@ -1343,7 +1362,7 @@
           <a:p>
             <a:fld id="{0B2B42E6-83CF-43E3-9FE7-86C6EE891402}" type="datetimeFigureOut">
               <a:rPr lang="ko-KR" altLang="en-US" smtClean="0"/>
-              <a:t>2020-02-14</a:t>
+              <a:t>2020-02-15</a:t>
             </a:fld>
             <a:endParaRPr lang="ko-KR" altLang="en-US"/>
           </a:p>
@@ -1441,10 +1460,9 @@
           </a:lstStyle>
           <a:p>
             <a:r>
-              <a:rPr lang="ko-KR" altLang="en-US" smtClean="0"/>
+              <a:rPr lang="ko-KR" altLang="en-US"/>
               <a:t>마스터 제목 스타일 편집</a:t>
             </a:r>
-            <a:endParaRPr lang="ko-KR" altLang="en-US"/>
           </a:p>
         </p:txBody>
       </p:sp>
@@ -1507,7 +1525,7 @@
           <a:p>
             <a:pPr lvl="0"/>
             <a:r>
-              <a:rPr lang="ko-KR" altLang="en-US" smtClean="0"/>
+              <a:rPr lang="ko-KR" altLang="en-US"/>
               <a:t>마스터 텍스트 스타일을 편집합니다</a:t>
             </a:r>
           </a:p>
@@ -1563,38 +1581,37 @@
           <a:p>
             <a:pPr lvl="0"/>
             <a:r>
-              <a:rPr lang="ko-KR" altLang="en-US" smtClean="0"/>
+              <a:rPr lang="ko-KR" altLang="en-US"/>
               <a:t>마스터 텍스트 스타일을 편집합니다</a:t>
             </a:r>
           </a:p>
           <a:p>
             <a:pPr lvl="1"/>
             <a:r>
-              <a:rPr lang="ko-KR" altLang="en-US" smtClean="0"/>
+              <a:rPr lang="ko-KR" altLang="en-US"/>
               <a:t>둘째 수준</a:t>
             </a:r>
           </a:p>
           <a:p>
             <a:pPr lvl="2"/>
             <a:r>
-              <a:rPr lang="ko-KR" altLang="en-US" smtClean="0"/>
+              <a:rPr lang="ko-KR" altLang="en-US"/>
               <a:t>셋째 수준</a:t>
             </a:r>
           </a:p>
           <a:p>
             <a:pPr lvl="3"/>
             <a:r>
-              <a:rPr lang="ko-KR" altLang="en-US" smtClean="0"/>
+              <a:rPr lang="ko-KR" altLang="en-US"/>
               <a:t>넷째 수준</a:t>
             </a:r>
           </a:p>
           <a:p>
             <a:pPr lvl="4"/>
             <a:r>
-              <a:rPr lang="ko-KR" altLang="en-US" smtClean="0"/>
+              <a:rPr lang="ko-KR" altLang="en-US"/>
               <a:t>다섯째 수준</a:t>
             </a:r>
-            <a:endParaRPr lang="ko-KR" altLang="en-US"/>
           </a:p>
         </p:txBody>
       </p:sp>
@@ -1657,7 +1674,7 @@
           <a:p>
             <a:pPr lvl="0"/>
             <a:r>
-              <a:rPr lang="ko-KR" altLang="en-US" smtClean="0"/>
+              <a:rPr lang="ko-KR" altLang="en-US"/>
               <a:t>마스터 텍스트 스타일을 편집합니다</a:t>
             </a:r>
           </a:p>
@@ -1713,38 +1730,37 @@
           <a:p>
             <a:pPr lvl="0"/>
             <a:r>
-              <a:rPr lang="ko-KR" altLang="en-US" smtClean="0"/>
+              <a:rPr lang="ko-KR" altLang="en-US"/>
               <a:t>마스터 텍스트 스타일을 편집합니다</a:t>
             </a:r>
           </a:p>
           <a:p>
             <a:pPr lvl="1"/>
             <a:r>
-              <a:rPr lang="ko-KR" altLang="en-US" smtClean="0"/>
+              <a:rPr lang="ko-KR" altLang="en-US"/>
               <a:t>둘째 수준</a:t>
             </a:r>
           </a:p>
           <a:p>
             <a:pPr lvl="2"/>
             <a:r>
-              <a:rPr lang="ko-KR" altLang="en-US" smtClean="0"/>
+              <a:rPr lang="ko-KR" altLang="en-US"/>
               <a:t>셋째 수준</a:t>
             </a:r>
           </a:p>
           <a:p>
             <a:pPr lvl="3"/>
             <a:r>
-              <a:rPr lang="ko-KR" altLang="en-US" smtClean="0"/>
+              <a:rPr lang="ko-KR" altLang="en-US"/>
               <a:t>넷째 수준</a:t>
             </a:r>
           </a:p>
           <a:p>
             <a:pPr lvl="4"/>
             <a:r>
-              <a:rPr lang="ko-KR" altLang="en-US" smtClean="0"/>
+              <a:rPr lang="ko-KR" altLang="en-US"/>
               <a:t>다섯째 수준</a:t>
             </a:r>
-            <a:endParaRPr lang="ko-KR" altLang="en-US"/>
           </a:p>
         </p:txBody>
       </p:sp>
@@ -1765,7 +1781,7 @@
           <a:p>
             <a:fld id="{0B2B42E6-83CF-43E3-9FE7-86C6EE891402}" type="datetimeFigureOut">
               <a:rPr lang="ko-KR" altLang="en-US" smtClean="0"/>
-              <a:t>2020-02-14</a:t>
+              <a:t>2020-02-15</a:t>
             </a:fld>
             <a:endParaRPr lang="ko-KR" altLang="en-US"/>
           </a:p>
@@ -1859,10 +1875,9 @@
           <a:lstStyle/>
           <a:p>
             <a:r>
-              <a:rPr lang="ko-KR" altLang="en-US" smtClean="0"/>
+              <a:rPr lang="ko-KR" altLang="en-US"/>
               <a:t>마스터 제목 스타일 편집</a:t>
             </a:r>
-            <a:endParaRPr lang="ko-KR" altLang="en-US"/>
           </a:p>
         </p:txBody>
       </p:sp>
@@ -1883,7 +1898,7 @@
           <a:p>
             <a:fld id="{0B2B42E6-83CF-43E3-9FE7-86C6EE891402}" type="datetimeFigureOut">
               <a:rPr lang="ko-KR" altLang="en-US" smtClean="0"/>
-              <a:t>2020-02-14</a:t>
+              <a:t>2020-02-15</a:t>
             </a:fld>
             <a:endParaRPr lang="ko-KR" altLang="en-US"/>
           </a:p>
@@ -1978,7 +1993,7 @@
           <a:p>
             <a:fld id="{0B2B42E6-83CF-43E3-9FE7-86C6EE891402}" type="datetimeFigureOut">
               <a:rPr lang="ko-KR" altLang="en-US" smtClean="0"/>
-              <a:t>2020-02-14</a:t>
+              <a:t>2020-02-15</a:t>
             </a:fld>
             <a:endParaRPr lang="ko-KR" altLang="en-US"/>
           </a:p>
@@ -2081,10 +2096,9 @@
           </a:lstStyle>
           <a:p>
             <a:r>
-              <a:rPr lang="ko-KR" altLang="en-US" smtClean="0"/>
+              <a:rPr lang="ko-KR" altLang="en-US"/>
               <a:t>마스터 제목 스타일 편집</a:t>
             </a:r>
-            <a:endParaRPr lang="ko-KR" altLang="en-US"/>
           </a:p>
         </p:txBody>
       </p:sp>
@@ -2138,38 +2152,37 @@
           <a:p>
             <a:pPr lvl="0"/>
             <a:r>
-              <a:rPr lang="ko-KR" altLang="en-US" smtClean="0"/>
+              <a:rPr lang="ko-KR" altLang="en-US"/>
               <a:t>마스터 텍스트 스타일을 편집합니다</a:t>
             </a:r>
           </a:p>
           <a:p>
             <a:pPr lvl="1"/>
             <a:r>
-              <a:rPr lang="ko-KR" altLang="en-US" smtClean="0"/>
+              <a:rPr lang="ko-KR" altLang="en-US"/>
               <a:t>둘째 수준</a:t>
             </a:r>
           </a:p>
           <a:p>
             <a:pPr lvl="2"/>
             <a:r>
-              <a:rPr lang="ko-KR" altLang="en-US" smtClean="0"/>
+              <a:rPr lang="ko-KR" altLang="en-US"/>
               <a:t>셋째 수준</a:t>
             </a:r>
           </a:p>
           <a:p>
             <a:pPr lvl="3"/>
             <a:r>
-              <a:rPr lang="ko-KR" altLang="en-US" smtClean="0"/>
+              <a:rPr lang="ko-KR" altLang="en-US"/>
               <a:t>넷째 수준</a:t>
             </a:r>
           </a:p>
           <a:p>
             <a:pPr lvl="4"/>
             <a:r>
-              <a:rPr lang="ko-KR" altLang="en-US" smtClean="0"/>
+              <a:rPr lang="ko-KR" altLang="en-US"/>
               <a:t>다섯째 수준</a:t>
             </a:r>
-            <a:endParaRPr lang="ko-KR" altLang="en-US"/>
           </a:p>
         </p:txBody>
       </p:sp>
@@ -2232,7 +2245,7 @@
           <a:p>
             <a:pPr lvl="0"/>
             <a:r>
-              <a:rPr lang="ko-KR" altLang="en-US" smtClean="0"/>
+              <a:rPr lang="ko-KR" altLang="en-US"/>
               <a:t>마스터 텍스트 스타일을 편집합니다</a:t>
             </a:r>
           </a:p>
@@ -2255,7 +2268,7 @@
           <a:p>
             <a:fld id="{0B2B42E6-83CF-43E3-9FE7-86C6EE891402}" type="datetimeFigureOut">
               <a:rPr lang="ko-KR" altLang="en-US" smtClean="0"/>
-              <a:t>2020-02-14</a:t>
+              <a:t>2020-02-15</a:t>
             </a:fld>
             <a:endParaRPr lang="ko-KR" altLang="en-US"/>
           </a:p>
@@ -2358,10 +2371,9 @@
           </a:lstStyle>
           <a:p>
             <a:r>
-              <a:rPr lang="ko-KR" altLang="en-US" smtClean="0"/>
+              <a:rPr lang="ko-KR" altLang="en-US"/>
               <a:t>마스터 제목 스타일 편집</a:t>
             </a:r>
-            <a:endParaRPr lang="ko-KR" altLang="en-US"/>
           </a:p>
         </p:txBody>
       </p:sp>
@@ -2485,7 +2497,7 @@
           <a:p>
             <a:pPr lvl="0"/>
             <a:r>
-              <a:rPr lang="ko-KR" altLang="en-US" smtClean="0"/>
+              <a:rPr lang="ko-KR" altLang="en-US"/>
               <a:t>마스터 텍스트 스타일을 편집합니다</a:t>
             </a:r>
           </a:p>
@@ -2508,7 +2520,7 @@
           <a:p>
             <a:fld id="{0B2B42E6-83CF-43E3-9FE7-86C6EE891402}" type="datetimeFigureOut">
               <a:rPr lang="ko-KR" altLang="en-US" smtClean="0"/>
-              <a:t>2020-02-14</a:t>
+              <a:t>2020-02-15</a:t>
             </a:fld>
             <a:endParaRPr lang="ko-KR" altLang="en-US"/>
           </a:p>
@@ -2617,10 +2629,9 @@
           <a:lstStyle/>
           <a:p>
             <a:r>
-              <a:rPr lang="ko-KR" altLang="en-US" smtClean="0"/>
+              <a:rPr lang="ko-KR" altLang="en-US"/>
               <a:t>마스터 제목 스타일 편집</a:t>
             </a:r>
-            <a:endParaRPr lang="ko-KR" altLang="en-US"/>
           </a:p>
         </p:txBody>
       </p:sp>
@@ -2651,38 +2662,37 @@
           <a:p>
             <a:pPr lvl="0"/>
             <a:r>
-              <a:rPr lang="ko-KR" altLang="en-US" smtClean="0"/>
+              <a:rPr lang="ko-KR" altLang="en-US"/>
               <a:t>마스터 텍스트 스타일을 편집합니다</a:t>
             </a:r>
           </a:p>
           <a:p>
             <a:pPr lvl="1"/>
             <a:r>
-              <a:rPr lang="ko-KR" altLang="en-US" smtClean="0"/>
+              <a:rPr lang="ko-KR" altLang="en-US"/>
               <a:t>둘째 수준</a:t>
             </a:r>
           </a:p>
           <a:p>
             <a:pPr lvl="2"/>
             <a:r>
-              <a:rPr lang="ko-KR" altLang="en-US" smtClean="0"/>
+              <a:rPr lang="ko-KR" altLang="en-US"/>
               <a:t>셋째 수준</a:t>
             </a:r>
           </a:p>
           <a:p>
             <a:pPr lvl="3"/>
             <a:r>
-              <a:rPr lang="ko-KR" altLang="en-US" smtClean="0"/>
+              <a:rPr lang="ko-KR" altLang="en-US"/>
               <a:t>넷째 수준</a:t>
             </a:r>
           </a:p>
           <a:p>
             <a:pPr lvl="4"/>
             <a:r>
-              <a:rPr lang="ko-KR" altLang="en-US" smtClean="0"/>
+              <a:rPr lang="ko-KR" altLang="en-US"/>
               <a:t>다섯째 수준</a:t>
             </a:r>
-            <a:endParaRPr lang="ko-KR" altLang="en-US"/>
           </a:p>
         </p:txBody>
       </p:sp>
@@ -2721,7 +2731,7 @@
           <a:p>
             <a:fld id="{0B2B42E6-83CF-43E3-9FE7-86C6EE891402}" type="datetimeFigureOut">
               <a:rPr lang="ko-KR" altLang="en-US" smtClean="0"/>
-              <a:t>2020-02-14</a:t>
+              <a:t>2020-02-15</a:t>
             </a:fld>
             <a:endParaRPr lang="ko-KR" altLang="en-US"/>
           </a:p>
@@ -3120,54 +3130,26 @@
           <a:p>
             <a:pPr algn="ctr"/>
             <a:r>
-              <a:rPr lang="en-US" altLang="ko-KR" sz="4000" b="1" dirty="0" smtClean="0">
-                <a:solidFill>
-                  <a:schemeClr val="tx1">
-                    <a:lumMod val="95000"/>
-                    <a:lumOff val="5000"/>
-                  </a:schemeClr>
-                </a:solidFill>
+              <a:rPr lang="en-US" altLang="ko-KR" sz="4000" b="1">
                 <a:latin typeface="나눔스퀘어" pitchFamily="50" charset="-127"/>
                 <a:ea typeface="나눔스퀘어" pitchFamily="50" charset="-127"/>
               </a:rPr>
               <a:t>&lt; Back to top button </a:t>
             </a:r>
             <a:r>
-              <a:rPr lang="ko-KR" altLang="en-US" sz="4000" b="1" dirty="0" smtClean="0">
-                <a:solidFill>
-                  <a:schemeClr val="tx1">
-                    <a:lumMod val="95000"/>
-                    <a:lumOff val="5000"/>
-                  </a:schemeClr>
-                </a:solidFill>
+              <a:rPr lang="ko-KR" altLang="en-US" sz="4000" b="1">
                 <a:latin typeface="나눔스퀘어" pitchFamily="50" charset="-127"/>
                 <a:ea typeface="나눔스퀘어" pitchFamily="50" charset="-127"/>
               </a:rPr>
               <a:t>구현하기</a:t>
             </a:r>
             <a:r>
-              <a:rPr lang="en-US" altLang="ko-KR" sz="4000" b="1" dirty="0" smtClean="0">
-                <a:solidFill>
-                  <a:schemeClr val="tx1">
-                    <a:lumMod val="95000"/>
-                    <a:lumOff val="5000"/>
-                  </a:schemeClr>
-                </a:solidFill>
+              <a:rPr lang="en-US" altLang="ko-KR" sz="4000" b="1">
                 <a:latin typeface="나눔스퀘어" pitchFamily="50" charset="-127"/>
                 <a:ea typeface="나눔스퀘어" pitchFamily="50" charset="-127"/>
               </a:rPr>
               <a:t> &gt;</a:t>
             </a:r>
-            <a:endParaRPr lang="en-US" altLang="ko-KR" sz="4000" b="1" dirty="0">
-              <a:solidFill>
-                <a:schemeClr val="tx1">
-                  <a:lumMod val="95000"/>
-                  <a:lumOff val="5000"/>
-                </a:schemeClr>
-              </a:solidFill>
-              <a:latin typeface="나눔스퀘어" pitchFamily="50" charset="-127"/>
-              <a:ea typeface="나눔스퀘어" pitchFamily="50" charset="-127"/>
-            </a:endParaRPr>
           </a:p>
         </p:txBody>
       </p:sp>
@@ -3181,13 +3163,6 @@
   <p:clrMapOvr>
     <a:masterClrMapping/>
   </p:clrMapOvr>
-  <p:timing>
-    <p:tnLst>
-      <p:par>
-        <p:cTn id="1" dur="indefinite" restart="never" nodeType="tmRoot"/>
-      </p:par>
-    </p:tnLst>
-  </p:timing>
 </p:sld>
 </file>
 
@@ -3210,14 +3185,264 @@
       </p:grpSpPr>
       <p:sp>
         <p:nvSpPr>
-          <p:cNvPr id="4" name="TextBox 3"/>
+          <p:cNvPr id="2" name="직사각형 1">
+            <a:extLst>
+              <a:ext uri="{FF2B5EF4-FFF2-40B4-BE49-F238E27FC236}">
+                <a16:creationId xmlns:a16="http://schemas.microsoft.com/office/drawing/2014/main" id="{093708B9-E966-4C21-8BF8-75EBCBEC5A52}"/>
+              </a:ext>
+            </a:extLst>
+          </p:cNvPr>
+          <p:cNvSpPr/>
+          <p:nvPr/>
+        </p:nvSpPr>
+        <p:spPr>
+          <a:xfrm>
+            <a:off x="1403646" y="2189448"/>
+            <a:ext cx="2160240" cy="3528392"/>
+          </a:xfrm>
+          <a:prstGeom prst="rect">
+            <a:avLst/>
+          </a:prstGeom>
+          <a:solidFill>
+            <a:schemeClr val="bg1">
+              <a:lumMod val="85000"/>
+            </a:schemeClr>
+          </a:solidFill>
+        </p:spPr>
+        <p:style>
+          <a:lnRef idx="2">
+            <a:schemeClr val="dk1"/>
+          </a:lnRef>
+          <a:fillRef idx="1">
+            <a:schemeClr val="lt1"/>
+          </a:fillRef>
+          <a:effectRef idx="0">
+            <a:schemeClr val="dk1"/>
+          </a:effectRef>
+          <a:fontRef idx="minor">
+            <a:schemeClr val="dk1"/>
+          </a:fontRef>
+        </p:style>
+        <p:txBody>
+          <a:bodyPr rtlCol="0" anchor="ctr"/>
+          <a:lstStyle/>
+          <a:p>
+            <a:pPr algn="ctr"/>
+            <a:endParaRPr lang="ko-KR" altLang="en-US"/>
+          </a:p>
+        </p:txBody>
+      </p:sp>
+      <p:sp>
+        <p:nvSpPr>
+          <p:cNvPr id="3" name="직사각형 2">
+            <a:extLst>
+              <a:ext uri="{FF2B5EF4-FFF2-40B4-BE49-F238E27FC236}">
+                <a16:creationId xmlns:a16="http://schemas.microsoft.com/office/drawing/2014/main" id="{898F721D-3652-4CC7-A487-6A6DA76FF29B}"/>
+              </a:ext>
+            </a:extLst>
+          </p:cNvPr>
+          <p:cNvSpPr/>
+          <p:nvPr/>
+        </p:nvSpPr>
+        <p:spPr>
+          <a:xfrm>
+            <a:off x="1115614" y="2189448"/>
+            <a:ext cx="2736304" cy="720080"/>
+          </a:xfrm>
+          <a:prstGeom prst="rect">
+            <a:avLst/>
+          </a:prstGeom>
+          <a:noFill/>
+          <a:ln>
+            <a:solidFill>
+              <a:srgbClr val="FF0000"/>
+            </a:solidFill>
+          </a:ln>
+        </p:spPr>
+        <p:style>
+          <a:lnRef idx="2">
+            <a:schemeClr val="accent1">
+              <a:shade val="50000"/>
+            </a:schemeClr>
+          </a:lnRef>
+          <a:fillRef idx="1">
+            <a:schemeClr val="accent1"/>
+          </a:fillRef>
+          <a:effectRef idx="0">
+            <a:schemeClr val="accent1"/>
+          </a:effectRef>
+          <a:fontRef idx="minor">
+            <a:schemeClr val="lt1"/>
+          </a:fontRef>
+        </p:style>
+        <p:txBody>
+          <a:bodyPr rtlCol="0" anchor="ctr"/>
+          <a:lstStyle/>
+          <a:p>
+            <a:pPr algn="ctr"/>
+            <a:endParaRPr lang="ko-KR" altLang="en-US"/>
+          </a:p>
+        </p:txBody>
+      </p:sp>
+      <p:sp>
+        <p:nvSpPr>
+          <p:cNvPr id="7" name="직사각형 6">
+            <a:extLst>
+              <a:ext uri="{FF2B5EF4-FFF2-40B4-BE49-F238E27FC236}">
+                <a16:creationId xmlns:a16="http://schemas.microsoft.com/office/drawing/2014/main" id="{6982378F-7B2E-49AD-B043-2E9C2AEAA069}"/>
+              </a:ext>
+            </a:extLst>
+          </p:cNvPr>
+          <p:cNvSpPr/>
+          <p:nvPr/>
+        </p:nvSpPr>
+        <p:spPr>
+          <a:xfrm>
+            <a:off x="5076056" y="1556792"/>
+            <a:ext cx="2160240" cy="3528392"/>
+          </a:xfrm>
+          <a:prstGeom prst="rect">
+            <a:avLst/>
+          </a:prstGeom>
+          <a:solidFill>
+            <a:schemeClr val="bg1">
+              <a:lumMod val="85000"/>
+            </a:schemeClr>
+          </a:solidFill>
+        </p:spPr>
+        <p:style>
+          <a:lnRef idx="2">
+            <a:schemeClr val="dk1"/>
+          </a:lnRef>
+          <a:fillRef idx="1">
+            <a:schemeClr val="lt1"/>
+          </a:fillRef>
+          <a:effectRef idx="0">
+            <a:schemeClr val="dk1"/>
+          </a:effectRef>
+          <a:fontRef idx="minor">
+            <a:schemeClr val="dk1"/>
+          </a:fontRef>
+        </p:style>
+        <p:txBody>
+          <a:bodyPr rtlCol="0" anchor="ctr"/>
+          <a:lstStyle/>
+          <a:p>
+            <a:pPr algn="ctr"/>
+            <a:endParaRPr lang="ko-KR" altLang="en-US"/>
+          </a:p>
+        </p:txBody>
+      </p:sp>
+      <p:sp>
+        <p:nvSpPr>
+          <p:cNvPr id="8" name="직사각형 7">
+            <a:extLst>
+              <a:ext uri="{FF2B5EF4-FFF2-40B4-BE49-F238E27FC236}">
+                <a16:creationId xmlns:a16="http://schemas.microsoft.com/office/drawing/2014/main" id="{2C05A236-62AC-44A8-A320-BB19EB12E2FC}"/>
+              </a:ext>
+            </a:extLst>
+          </p:cNvPr>
+          <p:cNvSpPr/>
+          <p:nvPr/>
+        </p:nvSpPr>
+        <p:spPr>
+          <a:xfrm>
+            <a:off x="4788024" y="2189448"/>
+            <a:ext cx="2736304" cy="720080"/>
+          </a:xfrm>
+          <a:prstGeom prst="rect">
+            <a:avLst/>
+          </a:prstGeom>
+          <a:noFill/>
+          <a:ln>
+            <a:solidFill>
+              <a:srgbClr val="FF0000"/>
+            </a:solidFill>
+          </a:ln>
+        </p:spPr>
+        <p:style>
+          <a:lnRef idx="2">
+            <a:schemeClr val="accent1">
+              <a:shade val="50000"/>
+            </a:schemeClr>
+          </a:lnRef>
+          <a:fillRef idx="1">
+            <a:schemeClr val="accent1"/>
+          </a:fillRef>
+          <a:effectRef idx="0">
+            <a:schemeClr val="accent1"/>
+          </a:effectRef>
+          <a:fontRef idx="minor">
+            <a:schemeClr val="lt1"/>
+          </a:fontRef>
+        </p:style>
+        <p:txBody>
+          <a:bodyPr rtlCol="0" anchor="ctr"/>
+          <a:lstStyle/>
+          <a:p>
+            <a:pPr algn="ctr"/>
+            <a:endParaRPr lang="ko-KR" altLang="en-US"/>
+          </a:p>
+        </p:txBody>
+      </p:sp>
+      <p:cxnSp>
+        <p:nvCxnSpPr>
+          <p:cNvPr id="13" name="직선 화살표 연결선 12">
+            <a:extLst>
+              <a:ext uri="{FF2B5EF4-FFF2-40B4-BE49-F238E27FC236}">
+                <a16:creationId xmlns:a16="http://schemas.microsoft.com/office/drawing/2014/main" id="{819051F8-B0AC-4CB2-B7AC-1FAB22F4BB00}"/>
+              </a:ext>
+            </a:extLst>
+          </p:cNvPr>
+          <p:cNvCxnSpPr>
+            <a:cxnSpLocks/>
+          </p:cNvCxnSpPr>
+          <p:nvPr/>
+        </p:nvCxnSpPr>
+        <p:spPr>
+          <a:xfrm>
+            <a:off x="3707902" y="2189448"/>
+            <a:ext cx="0" cy="3528392"/>
+          </a:xfrm>
+          <a:prstGeom prst="straightConnector1">
+            <a:avLst/>
+          </a:prstGeom>
+          <a:ln w="28575">
+            <a:headEnd type="triangle"/>
+            <a:tailEnd type="triangle"/>
+          </a:ln>
+        </p:spPr>
+        <p:style>
+          <a:lnRef idx="1">
+            <a:schemeClr val="dk1"/>
+          </a:lnRef>
+          <a:fillRef idx="0">
+            <a:schemeClr val="dk1"/>
+          </a:fillRef>
+          <a:effectRef idx="0">
+            <a:schemeClr val="dk1"/>
+          </a:effectRef>
+          <a:fontRef idx="minor">
+            <a:schemeClr val="tx1"/>
+          </a:fontRef>
+        </p:style>
+      </p:cxnSp>
+      <p:sp>
+        <p:nvSpPr>
+          <p:cNvPr id="14" name="TextBox 13">
+            <a:extLst>
+              <a:ext uri="{FF2B5EF4-FFF2-40B4-BE49-F238E27FC236}">
+                <a16:creationId xmlns:a16="http://schemas.microsoft.com/office/drawing/2014/main" id="{4D946E43-B2D1-4A46-9EB9-298C76B70B34}"/>
+              </a:ext>
+            </a:extLst>
+          </p:cNvPr>
           <p:cNvSpPr txBox="1"/>
           <p:nvPr/>
         </p:nvSpPr>
         <p:spPr>
           <a:xfrm>
-            <a:off x="5700" y="1772816"/>
-            <a:ext cx="9144000" cy="2677656"/>
+            <a:off x="3707902" y="3815144"/>
+            <a:ext cx="898836" cy="276999"/>
           </a:xfrm>
           <a:prstGeom prst="rect">
             <a:avLst/>
@@ -3225,6 +3450,246 @@
           <a:noFill/>
         </p:spPr>
         <p:txBody>
+          <a:bodyPr wrap="none" rtlCol="0">
+            <a:spAutoFit/>
+          </a:bodyPr>
+          <a:lstStyle/>
+          <a:p>
+            <a:r>
+              <a:rPr lang="en-US" altLang="ko-KR" sz="1200" b="1" err="1">
+                <a:latin typeface="나눔스퀘어" panose="020B0600000101010101" pitchFamily="50" charset="-127"/>
+                <a:ea typeface="나눔스퀘어" panose="020B0600000101010101" pitchFamily="50" charset="-127"/>
+              </a:rPr>
+              <a:t>docHeight</a:t>
+            </a:r>
+            <a:endParaRPr lang="ko-KR" altLang="en-US" sz="1200" b="1">
+              <a:latin typeface="나눔스퀘어" panose="020B0600000101010101" pitchFamily="50" charset="-127"/>
+              <a:ea typeface="나눔스퀘어" panose="020B0600000101010101" pitchFamily="50" charset="-127"/>
+            </a:endParaRPr>
+          </a:p>
+        </p:txBody>
+      </p:sp>
+      <p:cxnSp>
+        <p:nvCxnSpPr>
+          <p:cNvPr id="17" name="직선 화살표 연결선 16">
+            <a:extLst>
+              <a:ext uri="{FF2B5EF4-FFF2-40B4-BE49-F238E27FC236}">
+                <a16:creationId xmlns:a16="http://schemas.microsoft.com/office/drawing/2014/main" id="{09FD2159-5582-4E91-881B-6EEDDD32A463}"/>
+              </a:ext>
+            </a:extLst>
+          </p:cNvPr>
+          <p:cNvCxnSpPr>
+            <a:cxnSpLocks/>
+          </p:cNvCxnSpPr>
+          <p:nvPr/>
+        </p:nvCxnSpPr>
+        <p:spPr>
+          <a:xfrm>
+            <a:off x="7380310" y="1556792"/>
+            <a:ext cx="0" cy="632656"/>
+          </a:xfrm>
+          <a:prstGeom prst="straightConnector1">
+            <a:avLst/>
+          </a:prstGeom>
+          <a:ln w="28575">
+            <a:headEnd type="triangle"/>
+            <a:tailEnd type="triangle"/>
+          </a:ln>
+        </p:spPr>
+        <p:style>
+          <a:lnRef idx="1">
+            <a:schemeClr val="dk1"/>
+          </a:lnRef>
+          <a:fillRef idx="0">
+            <a:schemeClr val="dk1"/>
+          </a:fillRef>
+          <a:effectRef idx="0">
+            <a:schemeClr val="dk1"/>
+          </a:effectRef>
+          <a:fontRef idx="minor">
+            <a:schemeClr val="tx1"/>
+          </a:fontRef>
+        </p:style>
+      </p:cxnSp>
+      <p:sp>
+        <p:nvSpPr>
+          <p:cNvPr id="18" name="TextBox 17">
+            <a:extLst>
+              <a:ext uri="{FF2B5EF4-FFF2-40B4-BE49-F238E27FC236}">
+                <a16:creationId xmlns:a16="http://schemas.microsoft.com/office/drawing/2014/main" id="{BF576BB0-D422-45CA-B728-ED6CC3F3C4CD}"/>
+              </a:ext>
+            </a:extLst>
+          </p:cNvPr>
+          <p:cNvSpPr txBox="1"/>
+          <p:nvPr/>
+        </p:nvSpPr>
+        <p:spPr>
+          <a:xfrm>
+            <a:off x="7380310" y="1734621"/>
+            <a:ext cx="815608" cy="276999"/>
+          </a:xfrm>
+          <a:prstGeom prst="rect">
+            <a:avLst/>
+          </a:prstGeom>
+          <a:noFill/>
+        </p:spPr>
+        <p:txBody>
+          <a:bodyPr wrap="none" rtlCol="0">
+            <a:spAutoFit/>
+          </a:bodyPr>
+          <a:lstStyle/>
+          <a:p>
+            <a:r>
+              <a:rPr lang="en-US" altLang="ko-KR" sz="1200" b="1" err="1">
+                <a:latin typeface="나눔스퀘어" panose="020B0600000101010101" pitchFamily="50" charset="-127"/>
+                <a:ea typeface="나눔스퀘어" panose="020B0600000101010101" pitchFamily="50" charset="-127"/>
+              </a:rPr>
+              <a:t>scrollPos</a:t>
+            </a:r>
+            <a:endParaRPr lang="ko-KR" altLang="en-US" sz="1200" b="1">
+              <a:latin typeface="나눔스퀘어" panose="020B0600000101010101" pitchFamily="50" charset="-127"/>
+              <a:ea typeface="나눔스퀘어" panose="020B0600000101010101" pitchFamily="50" charset="-127"/>
+            </a:endParaRPr>
+          </a:p>
+        </p:txBody>
+      </p:sp>
+      <p:cxnSp>
+        <p:nvCxnSpPr>
+          <p:cNvPr id="20" name="직선 화살표 연결선 19">
+            <a:extLst>
+              <a:ext uri="{FF2B5EF4-FFF2-40B4-BE49-F238E27FC236}">
+                <a16:creationId xmlns:a16="http://schemas.microsoft.com/office/drawing/2014/main" id="{7AA93F55-8EDF-4019-A96A-6B4EDA00AE00}"/>
+              </a:ext>
+            </a:extLst>
+          </p:cNvPr>
+          <p:cNvCxnSpPr>
+            <a:cxnSpLocks/>
+          </p:cNvCxnSpPr>
+          <p:nvPr/>
+        </p:nvCxnSpPr>
+        <p:spPr>
+          <a:xfrm>
+            <a:off x="7378688" y="4149080"/>
+            <a:ext cx="0" cy="936104"/>
+          </a:xfrm>
+          <a:prstGeom prst="straightConnector1">
+            <a:avLst/>
+          </a:prstGeom>
+          <a:ln w="28575">
+            <a:headEnd type="triangle"/>
+            <a:tailEnd type="triangle"/>
+          </a:ln>
+        </p:spPr>
+        <p:style>
+          <a:lnRef idx="1">
+            <a:schemeClr val="dk1"/>
+          </a:lnRef>
+          <a:fillRef idx="0">
+            <a:schemeClr val="dk1"/>
+          </a:fillRef>
+          <a:effectRef idx="0">
+            <a:schemeClr val="dk1"/>
+          </a:effectRef>
+          <a:fontRef idx="minor">
+            <a:schemeClr val="tx1"/>
+          </a:fontRef>
+        </p:style>
+      </p:cxnSp>
+      <p:sp>
+        <p:nvSpPr>
+          <p:cNvPr id="21" name="TextBox 20">
+            <a:extLst>
+              <a:ext uri="{FF2B5EF4-FFF2-40B4-BE49-F238E27FC236}">
+                <a16:creationId xmlns:a16="http://schemas.microsoft.com/office/drawing/2014/main" id="{1254496E-C283-43B3-BE6B-EB50651E49C3}"/>
+              </a:ext>
+            </a:extLst>
+          </p:cNvPr>
+          <p:cNvSpPr txBox="1"/>
+          <p:nvPr/>
+        </p:nvSpPr>
+        <p:spPr>
+          <a:xfrm>
+            <a:off x="7378688" y="4478632"/>
+            <a:ext cx="607859" cy="276999"/>
+          </a:xfrm>
+          <a:prstGeom prst="rect">
+            <a:avLst/>
+          </a:prstGeom>
+          <a:noFill/>
+        </p:spPr>
+        <p:txBody>
+          <a:bodyPr wrap="none" rtlCol="0">
+            <a:spAutoFit/>
+          </a:bodyPr>
+          <a:lstStyle/>
+          <a:p>
+            <a:r>
+              <a:rPr lang="en-US" altLang="ko-KR" sz="1200" b="1">
+                <a:latin typeface="나눔스퀘어" panose="020B0600000101010101" pitchFamily="50" charset="-127"/>
+                <a:ea typeface="나눔스퀘어" panose="020B0600000101010101" pitchFamily="50" charset="-127"/>
+              </a:rPr>
+              <a:t>offset</a:t>
+            </a:r>
+            <a:endParaRPr lang="ko-KR" altLang="en-US" sz="1200" b="1">
+              <a:latin typeface="나눔스퀘어" panose="020B0600000101010101" pitchFamily="50" charset="-127"/>
+              <a:ea typeface="나눔스퀘어" panose="020B0600000101010101" pitchFamily="50" charset="-127"/>
+            </a:endParaRPr>
+          </a:p>
+        </p:txBody>
+      </p:sp>
+    </p:spTree>
+    <p:extLst>
+      <p:ext uri="{BB962C8B-B14F-4D97-AF65-F5344CB8AC3E}">
+        <p14:creationId xmlns:p14="http://schemas.microsoft.com/office/powerpoint/2010/main" val="476323554"/>
+      </p:ext>
+    </p:extLst>
+  </p:cSld>
+  <p:clrMapOvr>
+    <a:masterClrMapping/>
+  </p:clrMapOvr>
+</p:sld>
+</file>
+
+<file path=ppt/slides/slide3.xml><?xml version="1.0" encoding="utf-8"?>
+<p:sld xmlns:a="http://schemas.openxmlformats.org/drawingml/2006/main" xmlns:r="http://schemas.openxmlformats.org/officeDocument/2006/relationships" xmlns:p="http://schemas.openxmlformats.org/presentationml/2006/main">
+  <p:cSld>
+    <p:spTree>
+      <p:nvGrpSpPr>
+        <p:cNvPr id="1" name=""/>
+        <p:cNvGrpSpPr/>
+        <p:nvPr/>
+      </p:nvGrpSpPr>
+      <p:grpSpPr>
+        <a:xfrm>
+          <a:off x="0" y="0"/>
+          <a:ext cx="0" cy="0"/>
+          <a:chOff x="0" y="0"/>
+          <a:chExt cx="0" cy="0"/>
+        </a:xfrm>
+      </p:grpSpPr>
+      <p:sp>
+        <p:nvSpPr>
+          <p:cNvPr id="12" name="TextBox 11">
+            <a:extLst>
+              <a:ext uri="{FF2B5EF4-FFF2-40B4-BE49-F238E27FC236}">
+                <a16:creationId xmlns:a16="http://schemas.microsoft.com/office/drawing/2014/main" id="{6B337C63-1934-4D88-B8CA-059D3B3A34AC}"/>
+              </a:ext>
+            </a:extLst>
+          </p:cNvPr>
+          <p:cNvSpPr txBox="1"/>
+          <p:nvPr/>
+        </p:nvSpPr>
+        <p:spPr>
+          <a:xfrm>
+            <a:off x="5700" y="3075057"/>
+            <a:ext cx="9144000" cy="707886"/>
+          </a:xfrm>
+          <a:prstGeom prst="rect">
+            <a:avLst/>
+          </a:prstGeom>
+          <a:noFill/>
+        </p:spPr>
+        <p:txBody>
           <a:bodyPr wrap="square" rtlCol="0">
             <a:spAutoFit/>
           </a:bodyPr>
@@ -3232,180 +3697,411 @@
           <a:p>
             <a:pPr algn="ctr"/>
             <a:r>
-              <a:rPr lang="en-US" altLang="ko-KR" sz="2000" dirty="0" err="1" smtClean="0">
-                <a:latin typeface="Roboto" pitchFamily="2" charset="0"/>
-                <a:ea typeface="Roboto" pitchFamily="2" charset="0"/>
-              </a:rPr>
-              <a:t>var</a:t>
-            </a:r>
-            <a:r>
-              <a:rPr lang="en-US" altLang="ko-KR" sz="2000" dirty="0" smtClean="0">
-                <a:latin typeface="Roboto" pitchFamily="2" charset="0"/>
-                <a:ea typeface="Roboto" pitchFamily="2" charset="0"/>
+              <a:rPr lang="en-US" altLang="ko-KR" sz="2000" b="1">
+                <a:latin typeface="나눔스퀘어" panose="020B0600000101010101" pitchFamily="50" charset="-127"/>
+                <a:ea typeface="나눔스퀘어" panose="020B0600000101010101" pitchFamily="50" charset="-127"/>
+              </a:rPr>
+              <a:t>1. </a:t>
+            </a:r>
+            <a:r>
+              <a:rPr lang="ko-KR" altLang="en-US" sz="2000" b="1">
+                <a:latin typeface="나눔스퀘어" panose="020B0600000101010101" pitchFamily="50" charset="-127"/>
+                <a:ea typeface="나눔스퀘어" panose="020B0600000101010101" pitchFamily="50" charset="-127"/>
+              </a:rPr>
+              <a:t>정해진 스크롤 양을 내리면 </a:t>
+            </a:r>
+            <a:r>
+              <a:rPr lang="en-US" altLang="ko-KR" sz="2000" b="1">
+                <a:latin typeface="나눔스퀘어" panose="020B0600000101010101" pitchFamily="50" charset="-127"/>
+                <a:ea typeface="나눔스퀘어" panose="020B0600000101010101" pitchFamily="50" charset="-127"/>
+              </a:rPr>
+              <a:t>top</a:t>
+            </a:r>
+            <a:r>
+              <a:rPr lang="ko-KR" altLang="en-US" sz="2000" b="1">
+                <a:latin typeface="나눔스퀘어" panose="020B0600000101010101" pitchFamily="50" charset="-127"/>
+                <a:ea typeface="나눔스퀘어" panose="020B0600000101010101" pitchFamily="50" charset="-127"/>
+              </a:rPr>
+              <a:t>버튼이 생성되고</a:t>
+            </a:r>
+            <a:endParaRPr lang="en-US" altLang="ko-KR" sz="2000" b="1">
+              <a:latin typeface="나눔스퀘어" panose="020B0600000101010101" pitchFamily="50" charset="-127"/>
+              <a:ea typeface="나눔스퀘어" panose="020B0600000101010101" pitchFamily="50" charset="-127"/>
+            </a:endParaRPr>
+          </a:p>
+          <a:p>
+            <a:pPr algn="ctr"/>
+            <a:r>
+              <a:rPr lang="ko-KR" altLang="en-US" sz="2000" b="1">
+                <a:latin typeface="나눔스퀘어" panose="020B0600000101010101" pitchFamily="50" charset="-127"/>
+                <a:ea typeface="나눔스퀘어" panose="020B0600000101010101" pitchFamily="50" charset="-127"/>
+              </a:rPr>
+              <a:t>올리면 </a:t>
+            </a:r>
+            <a:r>
+              <a:rPr lang="en-US" altLang="ko-KR" sz="2000" b="1">
+                <a:latin typeface="나눔스퀘어" panose="020B0600000101010101" pitchFamily="50" charset="-127"/>
+                <a:ea typeface="나눔스퀘어" panose="020B0600000101010101" pitchFamily="50" charset="-127"/>
+              </a:rPr>
+              <a:t>top</a:t>
+            </a:r>
+            <a:r>
+              <a:rPr lang="ko-KR" altLang="en-US" sz="2000" b="1">
+                <a:latin typeface="나눔스퀘어" panose="020B0600000101010101" pitchFamily="50" charset="-127"/>
+                <a:ea typeface="나눔스퀘어" panose="020B0600000101010101" pitchFamily="50" charset="-127"/>
+              </a:rPr>
+              <a:t>버튼이 사라진다</a:t>
+            </a:r>
+            <a:r>
+              <a:rPr lang="en-US" altLang="ko-KR" sz="2000" b="1">
+                <a:latin typeface="나눔스퀘어" panose="020B0600000101010101" pitchFamily="50" charset="-127"/>
+                <a:ea typeface="나눔스퀘어" panose="020B0600000101010101" pitchFamily="50" charset="-127"/>
+              </a:rPr>
+              <a:t>.</a:t>
+            </a:r>
+            <a:endParaRPr lang="en-US" altLang="ko-KR" sz="1400" b="1">
+              <a:latin typeface="나눔스퀘어" panose="020B0600000101010101" pitchFamily="50" charset="-127"/>
+              <a:ea typeface="나눔스퀘어" panose="020B0600000101010101" pitchFamily="50" charset="-127"/>
+            </a:endParaRPr>
+          </a:p>
+        </p:txBody>
+      </p:sp>
+    </p:spTree>
+    <p:extLst>
+      <p:ext uri="{BB962C8B-B14F-4D97-AF65-F5344CB8AC3E}">
+        <p14:creationId xmlns:p14="http://schemas.microsoft.com/office/powerpoint/2010/main" val="3633227662"/>
+      </p:ext>
+    </p:extLst>
+  </p:cSld>
+  <p:clrMapOvr>
+    <a:masterClrMapping/>
+  </p:clrMapOvr>
+</p:sld>
+</file>
+
+<file path=ppt/slides/slide4.xml><?xml version="1.0" encoding="utf-8"?>
+<p:sld xmlns:a="http://schemas.openxmlformats.org/drawingml/2006/main" xmlns:r="http://schemas.openxmlformats.org/officeDocument/2006/relationships" xmlns:p="http://schemas.openxmlformats.org/presentationml/2006/main">
+  <p:cSld>
+    <p:spTree>
+      <p:nvGrpSpPr>
+        <p:cNvPr id="1" name=""/>
+        <p:cNvGrpSpPr/>
+        <p:nvPr/>
+      </p:nvGrpSpPr>
+      <p:grpSpPr>
+        <a:xfrm>
+          <a:off x="0" y="0"/>
+          <a:ext cx="0" cy="0"/>
+          <a:chOff x="0" y="0"/>
+          <a:chExt cx="0" cy="0"/>
+        </a:xfrm>
+      </p:grpSpPr>
+      <p:sp>
+        <p:nvSpPr>
+          <p:cNvPr id="4" name="TextBox 3"/>
+          <p:cNvSpPr txBox="1"/>
+          <p:nvPr/>
+        </p:nvSpPr>
+        <p:spPr>
+          <a:xfrm>
+            <a:off x="5700" y="1484784"/>
+            <a:ext cx="9144000" cy="4616648"/>
+          </a:xfrm>
+          <a:prstGeom prst="rect">
+            <a:avLst/>
+          </a:prstGeom>
+          <a:noFill/>
+        </p:spPr>
+        <p:txBody>
+          <a:bodyPr wrap="square" rtlCol="0">
+            <a:spAutoFit/>
+          </a:bodyPr>
+          <a:lstStyle/>
+          <a:p>
+            <a:pPr algn="ctr"/>
+            <a:r>
+              <a:rPr lang="en-US" altLang="ko-KR" sz="2000" b="1">
+                <a:latin typeface="나눔스퀘어" panose="020B0600000101010101" pitchFamily="50" charset="-127"/>
+                <a:ea typeface="나눔스퀘어" panose="020B0600000101010101" pitchFamily="50" charset="-127"/>
+              </a:rPr>
+              <a:t>var </a:t>
+            </a:r>
+            <a:r>
+              <a:rPr lang="en-US" altLang="ko-KR" sz="2000" b="1" err="1">
+                <a:latin typeface="나눔스퀘어" panose="020B0600000101010101" pitchFamily="50" charset="-127"/>
+                <a:ea typeface="나눔스퀘어" panose="020B0600000101010101" pitchFamily="50" charset="-127"/>
+              </a:rPr>
+              <a:t>docElem</a:t>
+            </a:r>
+            <a:r>
+              <a:rPr lang="en-US" altLang="ko-KR" sz="2000" b="1">
+                <a:latin typeface="나눔스퀘어" panose="020B0600000101010101" pitchFamily="50" charset="-127"/>
+                <a:ea typeface="나눔스퀘어" panose="020B0600000101010101" pitchFamily="50" charset="-127"/>
+              </a:rPr>
+              <a:t> = </a:t>
+            </a:r>
+            <a:r>
+              <a:rPr lang="en-US" altLang="ko-KR" sz="2000" b="1" err="1">
+                <a:latin typeface="나눔스퀘어" panose="020B0600000101010101" pitchFamily="50" charset="-127"/>
+                <a:ea typeface="나눔스퀘어" panose="020B0600000101010101" pitchFamily="50" charset="-127"/>
+              </a:rPr>
+              <a:t>document.documentElement</a:t>
+            </a:r>
+            <a:endParaRPr lang="en-US" altLang="ko-KR" sz="2000" b="1">
+              <a:latin typeface="나눔스퀘어" panose="020B0600000101010101" pitchFamily="50" charset="-127"/>
+              <a:ea typeface="나눔스퀘어" panose="020B0600000101010101" pitchFamily="50" charset="-127"/>
+            </a:endParaRPr>
+          </a:p>
+          <a:p>
+            <a:pPr algn="ctr"/>
+            <a:r>
+              <a:rPr lang="en-US" altLang="ko-KR" sz="1400">
+                <a:latin typeface="나눔스퀘어" panose="020B0600000101010101" pitchFamily="50" charset="-127"/>
+                <a:ea typeface="나눔스퀘어" panose="020B0600000101010101" pitchFamily="50" charset="-127"/>
+              </a:rPr>
+              <a:t>// document</a:t>
+            </a:r>
+            <a:r>
+              <a:rPr lang="ko-KR" altLang="en-US" sz="1400">
+                <a:latin typeface="나눔스퀘어" panose="020B0600000101010101" pitchFamily="50" charset="-127"/>
+                <a:ea typeface="나눔스퀘어" panose="020B0600000101010101" pitchFamily="50" charset="-127"/>
+              </a:rPr>
+              <a:t>의 </a:t>
+            </a:r>
+            <a:r>
+              <a:rPr lang="en-US" altLang="ko-KR" sz="1400">
+                <a:latin typeface="나눔스퀘어" panose="020B0600000101010101" pitchFamily="50" charset="-127"/>
+                <a:ea typeface="나눔스퀘어" panose="020B0600000101010101" pitchFamily="50" charset="-127"/>
+              </a:rPr>
+              <a:t>Element</a:t>
+            </a:r>
+          </a:p>
+          <a:p>
+            <a:pPr algn="ctr"/>
+            <a:r>
+              <a:rPr lang="en-US" altLang="ko-KR" sz="1400">
+                <a:latin typeface="나눔스퀘어" panose="020B0600000101010101" pitchFamily="50" charset="-127"/>
+                <a:ea typeface="나눔스퀘어" panose="020B0600000101010101" pitchFamily="50" charset="-127"/>
+              </a:rPr>
+              <a:t>// console.log(document), console.log(</a:t>
+            </a:r>
+            <a:r>
+              <a:rPr lang="en-US" altLang="ko-KR" sz="1400" err="1">
+                <a:latin typeface="나눔스퀘어" panose="020B0600000101010101" pitchFamily="50" charset="-127"/>
+                <a:ea typeface="나눔스퀘어" panose="020B0600000101010101" pitchFamily="50" charset="-127"/>
+              </a:rPr>
+              <a:t>document.documentElemnet</a:t>
+            </a:r>
+            <a:r>
+              <a:rPr lang="en-US" altLang="ko-KR" sz="1400">
+                <a:latin typeface="나눔스퀘어" panose="020B0600000101010101" pitchFamily="50" charset="-127"/>
+                <a:ea typeface="나눔스퀘어" panose="020B0600000101010101" pitchFamily="50" charset="-127"/>
+              </a:rPr>
+              <a:t>)</a:t>
+            </a:r>
+          </a:p>
+          <a:p>
+            <a:pPr algn="ctr"/>
+            <a:r>
+              <a:rPr lang="en-US" altLang="ko-KR" sz="1400">
+                <a:latin typeface="나눔스퀘어" panose="020B0600000101010101" pitchFamily="50" charset="-127"/>
+                <a:ea typeface="나눔스퀘어" panose="020B0600000101010101" pitchFamily="50" charset="-127"/>
+              </a:rPr>
+              <a:t>// </a:t>
+            </a:r>
+            <a:r>
+              <a:rPr lang="en-US" altLang="ko-KR" sz="1400" err="1">
+                <a:latin typeface="나눔스퀘어" panose="020B0600000101010101" pitchFamily="50" charset="-127"/>
+                <a:ea typeface="나눔스퀘어" panose="020B0600000101010101" pitchFamily="50" charset="-127"/>
+              </a:rPr>
+              <a:t>document.getElementById</a:t>
+            </a:r>
+            <a:r>
+              <a:rPr lang="en-US" altLang="ko-KR" sz="1400">
+                <a:latin typeface="나눔스퀘어" panose="020B0600000101010101" pitchFamily="50" charset="-127"/>
+                <a:ea typeface="나눔스퀘어" panose="020B0600000101010101" pitchFamily="50" charset="-127"/>
+              </a:rPr>
+              <a:t>(</a:t>
+            </a:r>
+            <a:r>
+              <a:rPr lang="en-US" altLang="ko-KR" sz="1400" err="1">
+                <a:latin typeface="나눔스퀘어" panose="020B0600000101010101" pitchFamily="50" charset="-127"/>
+                <a:ea typeface="나눔스퀘어" panose="020B0600000101010101" pitchFamily="50" charset="-127"/>
+              </a:rPr>
+              <a:t>getElementsByClass</a:t>
+            </a:r>
+            <a:r>
+              <a:rPr lang="en-US" altLang="ko-KR" sz="1400">
+                <a:latin typeface="나눔스퀘어" panose="020B0600000101010101" pitchFamily="50" charset="-127"/>
+                <a:ea typeface="나눔스퀘어" panose="020B0600000101010101" pitchFamily="50" charset="-127"/>
+              </a:rPr>
+              <a:t>)  </a:t>
+            </a:r>
+            <a:r>
+              <a:rPr lang="ko-KR" altLang="en-US" sz="1400">
+                <a:latin typeface="나눔스퀘어" panose="020B0600000101010101" pitchFamily="50" charset="-127"/>
+                <a:ea typeface="나눔스퀘어" panose="020B0600000101010101" pitchFamily="50" charset="-127"/>
+              </a:rPr>
+              <a:t>와 같은 방식으로 접근</a:t>
+            </a:r>
+            <a:endParaRPr lang="en-US" altLang="ko-KR" sz="1400">
+              <a:latin typeface="나눔스퀘어" panose="020B0600000101010101" pitchFamily="50" charset="-127"/>
+              <a:ea typeface="나눔스퀘어" panose="020B0600000101010101" pitchFamily="50" charset="-127"/>
+            </a:endParaRPr>
+          </a:p>
+          <a:p>
+            <a:pPr algn="ctr"/>
+            <a:endParaRPr lang="en-US" altLang="ko-KR" sz="1600">
+              <a:latin typeface="나눔스퀘어" panose="020B0600000101010101" pitchFamily="50" charset="-127"/>
+              <a:ea typeface="나눔스퀘어" panose="020B0600000101010101" pitchFamily="50" charset="-127"/>
+            </a:endParaRPr>
+          </a:p>
+          <a:p>
+            <a:pPr algn="ctr"/>
+            <a:endParaRPr lang="en-US" altLang="ko-KR" sz="1600">
+              <a:latin typeface="나눔스퀘어" panose="020B0600000101010101" pitchFamily="50" charset="-127"/>
+              <a:ea typeface="나눔스퀘어" panose="020B0600000101010101" pitchFamily="50" charset="-127"/>
+            </a:endParaRPr>
+          </a:p>
+          <a:p>
+            <a:pPr algn="ctr"/>
+            <a:r>
+              <a:rPr lang="en-US" altLang="ko-KR" sz="2000" b="1" err="1">
+                <a:latin typeface="나눔스퀘어" panose="020B0600000101010101" pitchFamily="50" charset="-127"/>
+                <a:ea typeface="나눔스퀘어" panose="020B0600000101010101" pitchFamily="50" charset="-127"/>
+              </a:rPr>
+              <a:t>offsetHeight</a:t>
+            </a:r>
+            <a:r>
+              <a:rPr lang="en-US" altLang="ko-KR" sz="2000" b="1">
+                <a:latin typeface="나눔스퀘어" panose="020B0600000101010101" pitchFamily="50" charset="-127"/>
+                <a:ea typeface="나눔스퀘어" panose="020B0600000101010101" pitchFamily="50" charset="-127"/>
               </a:rPr>
               <a:t> </a:t>
             </a:r>
             <a:r>
-              <a:rPr lang="en-US" altLang="ko-KR" sz="2000" dirty="0" err="1" smtClean="0">
-                <a:latin typeface="Roboto" pitchFamily="2" charset="0"/>
-                <a:ea typeface="Roboto" pitchFamily="2" charset="0"/>
-              </a:rPr>
-              <a:t>docElem</a:t>
-            </a:r>
-            <a:r>
-              <a:rPr lang="en-US" altLang="ko-KR" sz="2000" dirty="0">
-                <a:latin typeface="Roboto" pitchFamily="2" charset="0"/>
-                <a:ea typeface="Roboto" pitchFamily="2" charset="0"/>
-              </a:rPr>
-              <a:t> = </a:t>
-            </a:r>
-            <a:r>
-              <a:rPr lang="en-US" altLang="ko-KR" sz="2000" dirty="0" err="1" smtClean="0">
-                <a:latin typeface="Roboto" pitchFamily="2" charset="0"/>
-                <a:ea typeface="Roboto" pitchFamily="2" charset="0"/>
-              </a:rPr>
-              <a:t>document.documentElement</a:t>
-            </a:r>
-            <a:endParaRPr lang="en-US" altLang="ko-KR" sz="2000" dirty="0" smtClean="0">
-              <a:latin typeface="Roboto" pitchFamily="2" charset="0"/>
-              <a:ea typeface="Roboto" pitchFamily="2" charset="0"/>
+              <a:rPr lang="ko-KR" altLang="en-US" sz="2000" b="1">
+                <a:latin typeface="나눔스퀘어" panose="020B0600000101010101" pitchFamily="50" charset="-127"/>
+                <a:ea typeface="나눔스퀘어" panose="020B0600000101010101" pitchFamily="50" charset="-127"/>
+              </a:rPr>
+              <a:t>또는 </a:t>
+            </a:r>
+            <a:r>
+              <a:rPr lang="en-US" altLang="ko-KR" sz="2000" b="1" err="1">
+                <a:latin typeface="나눔스퀘어" panose="020B0600000101010101" pitchFamily="50" charset="-127"/>
+                <a:ea typeface="나눔스퀘어" panose="020B0600000101010101" pitchFamily="50" charset="-127"/>
+              </a:rPr>
+              <a:t>scrollHeight</a:t>
+            </a:r>
+            <a:endParaRPr lang="en-US" altLang="ko-KR" sz="2000" b="1">
+              <a:latin typeface="나눔스퀘어" panose="020B0600000101010101" pitchFamily="50" charset="-127"/>
+              <a:ea typeface="나눔스퀘어" panose="020B0600000101010101" pitchFamily="50" charset="-127"/>
             </a:endParaRPr>
           </a:p>
           <a:p>
             <a:pPr algn="ctr"/>
             <a:r>
-              <a:rPr lang="en-US" altLang="ko-KR" sz="1600" b="1" dirty="0" smtClean="0">
-                <a:latin typeface="Roboto" pitchFamily="2" charset="0"/>
-                <a:ea typeface="Roboto" pitchFamily="2" charset="0"/>
+              <a:rPr lang="en-US" altLang="ko-KR" sz="1400">
+                <a:latin typeface="나눔스퀘어" panose="020B0600000101010101" pitchFamily="50" charset="-127"/>
+                <a:ea typeface="나눔스퀘어" panose="020B0600000101010101" pitchFamily="50" charset="-127"/>
               </a:rPr>
               <a:t>// document</a:t>
             </a:r>
             <a:r>
-              <a:rPr lang="ko-KR" altLang="en-US" sz="1600" b="1" dirty="0">
-                <a:latin typeface="Roboto" pitchFamily="2" charset="0"/>
-                <a:ea typeface="나눔고딕" pitchFamily="50" charset="-127"/>
-              </a:rPr>
-              <a:t>의 </a:t>
-            </a:r>
-            <a:r>
-              <a:rPr lang="en-US" altLang="ko-KR" sz="1600" b="1" dirty="0" smtClean="0">
-                <a:latin typeface="Roboto" pitchFamily="2" charset="0"/>
-                <a:ea typeface="Roboto" pitchFamily="2" charset="0"/>
-              </a:rPr>
-              <a:t>Element</a:t>
-            </a:r>
+              <a:rPr lang="ko-KR" altLang="en-US" sz="1400">
+                <a:latin typeface="나눔스퀘어" panose="020B0600000101010101" pitchFamily="50" charset="-127"/>
+                <a:ea typeface="나눔스퀘어" panose="020B0600000101010101" pitchFamily="50" charset="-127"/>
+              </a:rPr>
+              <a:t>의 높이</a:t>
+            </a:r>
+            <a:endParaRPr lang="en-US" altLang="ko-KR" sz="1400">
+              <a:latin typeface="나눔스퀘어" panose="020B0600000101010101" pitchFamily="50" charset="-127"/>
+              <a:ea typeface="나눔스퀘어" panose="020B0600000101010101" pitchFamily="50" charset="-127"/>
+            </a:endParaRPr>
           </a:p>
           <a:p>
             <a:pPr algn="ctr"/>
-            <a:endParaRPr lang="en-US" altLang="ko-KR" sz="1600" b="1" dirty="0" smtClean="0">
-              <a:latin typeface="Roboto" pitchFamily="2" charset="0"/>
-              <a:ea typeface="Roboto" pitchFamily="2" charset="0"/>
+            <a:endParaRPr lang="en-US" altLang="ko-KR" sz="1600">
+              <a:latin typeface="나눔스퀘어" panose="020B0600000101010101" pitchFamily="50" charset="-127"/>
+              <a:ea typeface="나눔스퀘어" panose="020B0600000101010101" pitchFamily="50" charset="-127"/>
             </a:endParaRPr>
           </a:p>
           <a:p>
             <a:pPr algn="ctr"/>
-            <a:endParaRPr lang="en-US" altLang="ko-KR" sz="1600" dirty="0">
-              <a:latin typeface="Roboto" pitchFamily="2" charset="0"/>
-              <a:ea typeface="Roboto" pitchFamily="2" charset="0"/>
+            <a:endParaRPr lang="en-US" altLang="ko-KR" sz="1600">
+              <a:latin typeface="나눔스퀘어" panose="020B0600000101010101" pitchFamily="50" charset="-127"/>
+              <a:ea typeface="나눔스퀘어" panose="020B0600000101010101" pitchFamily="50" charset="-127"/>
             </a:endParaRPr>
           </a:p>
           <a:p>
             <a:pPr algn="ctr"/>
-            <a:r>
-              <a:rPr lang="en-US" altLang="ko-KR" sz="2000" dirty="0" err="1" smtClean="0">
-                <a:latin typeface="Roboto" pitchFamily="2" charset="0"/>
-                <a:ea typeface="Roboto" pitchFamily="2" charset="0"/>
-              </a:rPr>
-              <a:t>offsetHeight</a:t>
-            </a:r>
-            <a:r>
-              <a:rPr lang="en-US" altLang="ko-KR" sz="2000" dirty="0" smtClean="0">
-                <a:latin typeface="Roboto" pitchFamily="2" charset="0"/>
-                <a:ea typeface="Roboto" pitchFamily="2" charset="0"/>
-              </a:rPr>
-              <a:t> </a:t>
-            </a:r>
-            <a:r>
-              <a:rPr lang="ko-KR" altLang="en-US" sz="2000" dirty="0" smtClean="0">
-                <a:latin typeface="Roboto" pitchFamily="2" charset="0"/>
-                <a:ea typeface="나눔고딕" pitchFamily="50" charset="-127"/>
-              </a:rPr>
-              <a:t>또는 </a:t>
-            </a:r>
-            <a:r>
-              <a:rPr lang="en-US" altLang="ko-KR" sz="2000" dirty="0" err="1" smtClean="0">
-                <a:latin typeface="Roboto" pitchFamily="2" charset="0"/>
-                <a:ea typeface="Roboto" pitchFamily="2" charset="0"/>
-              </a:rPr>
-              <a:t>scrollHeight</a:t>
-            </a:r>
-            <a:endParaRPr lang="en-US" altLang="ko-KR" sz="2000" dirty="0">
-              <a:latin typeface="Roboto" pitchFamily="2" charset="0"/>
-              <a:ea typeface="Roboto" pitchFamily="2" charset="0"/>
+            <a:endParaRPr lang="en-US" altLang="ko-KR" sz="1600">
+              <a:latin typeface="나눔스퀘어" panose="020B0600000101010101" pitchFamily="50" charset="-127"/>
+              <a:ea typeface="나눔스퀘어" panose="020B0600000101010101" pitchFamily="50" charset="-127"/>
             </a:endParaRPr>
           </a:p>
           <a:p>
             <a:pPr algn="ctr"/>
-            <a:r>
-              <a:rPr lang="en-US" altLang="ko-KR" sz="1600" b="1" dirty="0" smtClean="0">
-                <a:latin typeface="Roboto" pitchFamily="2" charset="0"/>
-                <a:ea typeface="Roboto" pitchFamily="2" charset="0"/>
-              </a:rPr>
-              <a:t>// document</a:t>
-            </a:r>
-            <a:r>
-              <a:rPr lang="ko-KR" altLang="en-US" sz="1600" b="1" dirty="0" smtClean="0">
-                <a:latin typeface="Roboto" pitchFamily="2" charset="0"/>
-                <a:ea typeface="나눔고딕" pitchFamily="50" charset="-127"/>
-              </a:rPr>
-              <a:t>의 높이</a:t>
-            </a:r>
-            <a:endParaRPr lang="en-US" altLang="ko-KR" sz="1600" b="1" dirty="0" smtClean="0">
-              <a:latin typeface="Roboto" pitchFamily="2" charset="0"/>
-              <a:ea typeface="Roboto" pitchFamily="2" charset="0"/>
+            <a:endParaRPr lang="en-US" altLang="ko-KR" sz="1600">
+              <a:latin typeface="나눔스퀘어" panose="020B0600000101010101" pitchFamily="50" charset="-127"/>
+              <a:ea typeface="나눔스퀘어" panose="020B0600000101010101" pitchFamily="50" charset="-127"/>
             </a:endParaRPr>
           </a:p>
           <a:p>
             <a:pPr algn="ctr"/>
-            <a:endParaRPr lang="en-US" altLang="ko-KR" sz="1600" dirty="0" smtClean="0">
-              <a:latin typeface="Roboto" pitchFamily="2" charset="0"/>
-              <a:ea typeface="Roboto" pitchFamily="2" charset="0"/>
+            <a:endParaRPr lang="en-US" altLang="ko-KR" sz="1600">
+              <a:latin typeface="나눔스퀘어" panose="020B0600000101010101" pitchFamily="50" charset="-127"/>
+              <a:ea typeface="나눔스퀘어" panose="020B0600000101010101" pitchFamily="50" charset="-127"/>
             </a:endParaRPr>
           </a:p>
           <a:p>
             <a:pPr algn="ctr"/>
-            <a:endParaRPr lang="en-US" altLang="ko-KR" sz="1600" dirty="0">
-              <a:latin typeface="Roboto" pitchFamily="2" charset="0"/>
-              <a:ea typeface="Roboto" pitchFamily="2" charset="0"/>
+            <a:endParaRPr lang="en-US" altLang="ko-KR" sz="1600">
+              <a:latin typeface="나눔스퀘어" panose="020B0600000101010101" pitchFamily="50" charset="-127"/>
+              <a:ea typeface="나눔스퀘어" panose="020B0600000101010101" pitchFamily="50" charset="-127"/>
             </a:endParaRPr>
           </a:p>
           <a:p>
             <a:pPr algn="ctr"/>
-            <a:r>
-              <a:rPr lang="en-US" altLang="ko-KR" sz="1600" dirty="0" err="1" smtClean="0">
-                <a:latin typeface="Roboto" pitchFamily="2" charset="0"/>
-                <a:ea typeface="Roboto" pitchFamily="2" charset="0"/>
+            <a:endParaRPr lang="en-US" altLang="ko-KR" sz="1600">
+              <a:latin typeface="나눔스퀘어" panose="020B0600000101010101" pitchFamily="50" charset="-127"/>
+              <a:ea typeface="나눔스퀘어" panose="020B0600000101010101" pitchFamily="50" charset="-127"/>
+            </a:endParaRPr>
+          </a:p>
+          <a:p>
+            <a:pPr algn="ctr"/>
+            <a:endParaRPr lang="en-US" altLang="ko-KR" sz="2000" b="1">
+              <a:latin typeface="나눔스퀘어" panose="020B0600000101010101" pitchFamily="50" charset="-127"/>
+              <a:ea typeface="나눔스퀘어" panose="020B0600000101010101" pitchFamily="50" charset="-127"/>
+            </a:endParaRPr>
+          </a:p>
+          <a:p>
+            <a:pPr algn="ctr"/>
+            <a:r>
+              <a:rPr lang="en-US" altLang="ko-KR" sz="2000" b="1" err="1">
+                <a:latin typeface="나눔스퀘어" panose="020B0600000101010101" pitchFamily="50" charset="-127"/>
+                <a:ea typeface="나눔스퀘어" panose="020B0600000101010101" pitchFamily="50" charset="-127"/>
               </a:rPr>
               <a:t>Math.max</a:t>
             </a:r>
             <a:r>
-              <a:rPr lang="en-US" altLang="ko-KR" sz="1600" dirty="0" smtClean="0">
-                <a:latin typeface="Roboto" pitchFamily="2" charset="0"/>
-                <a:ea typeface="Roboto" pitchFamily="2" charset="0"/>
+              <a:rPr lang="en-US" altLang="ko-KR" sz="2000" b="1">
+                <a:latin typeface="나눔스퀘어" panose="020B0600000101010101" pitchFamily="50" charset="-127"/>
+                <a:ea typeface="나눔스퀘어" panose="020B0600000101010101" pitchFamily="50" charset="-127"/>
               </a:rPr>
               <a:t>(</a:t>
             </a:r>
             <a:r>
-              <a:rPr lang="en-US" altLang="ko-KR" sz="1600" dirty="0" err="1" smtClean="0">
-                <a:latin typeface="Roboto" pitchFamily="2" charset="0"/>
-                <a:ea typeface="Roboto" pitchFamily="2" charset="0"/>
+              <a:rPr lang="en-US" altLang="ko-KR" sz="2000" b="1" err="1">
+                <a:latin typeface="나눔스퀘어" panose="020B0600000101010101" pitchFamily="50" charset="-127"/>
+                <a:ea typeface="나눔스퀘어" panose="020B0600000101010101" pitchFamily="50" charset="-127"/>
               </a:rPr>
               <a:t>a,b</a:t>
             </a:r>
             <a:r>
-              <a:rPr lang="en-US" altLang="ko-KR" sz="1600" dirty="0" smtClean="0">
-                <a:latin typeface="Roboto" pitchFamily="2" charset="0"/>
-                <a:ea typeface="Roboto" pitchFamily="2" charset="0"/>
+              <a:rPr lang="en-US" altLang="ko-KR" sz="2000" b="1">
+                <a:latin typeface="나눔스퀘어" panose="020B0600000101010101" pitchFamily="50" charset="-127"/>
+                <a:ea typeface="나눔스퀘어" panose="020B0600000101010101" pitchFamily="50" charset="-127"/>
               </a:rPr>
               <a:t>)</a:t>
             </a:r>
@@ -3413,43 +4109,103 @@
           <a:p>
             <a:pPr algn="ctr"/>
             <a:r>
-              <a:rPr lang="en-US" altLang="ko-KR" sz="1600" b="1" dirty="0" smtClean="0">
-                <a:latin typeface="Roboto" pitchFamily="2" charset="0"/>
-                <a:ea typeface="Roboto" pitchFamily="2" charset="0"/>
+              <a:rPr lang="en-US" altLang="ko-KR" sz="1400">
+                <a:latin typeface="나눔스퀘어" panose="020B0600000101010101" pitchFamily="50" charset="-127"/>
+                <a:ea typeface="나눔스퀘어" panose="020B0600000101010101" pitchFamily="50" charset="-127"/>
               </a:rPr>
               <a:t>// a</a:t>
             </a:r>
             <a:r>
-              <a:rPr lang="ko-KR" altLang="en-US" sz="1600" b="1" dirty="0" smtClean="0">
-                <a:latin typeface="Roboto" pitchFamily="2" charset="0"/>
-                <a:ea typeface="나눔고딕" pitchFamily="50" charset="-127"/>
+              <a:rPr lang="ko-KR" altLang="en-US" sz="1400">
+                <a:latin typeface="나눔스퀘어" panose="020B0600000101010101" pitchFamily="50" charset="-127"/>
+                <a:ea typeface="나눔스퀘어" panose="020B0600000101010101" pitchFamily="50" charset="-127"/>
               </a:rPr>
               <a:t>와 </a:t>
             </a:r>
             <a:r>
-              <a:rPr lang="en-US" altLang="ko-KR" sz="1600" b="1" dirty="0" smtClean="0">
-                <a:latin typeface="Roboto" pitchFamily="2" charset="0"/>
-                <a:ea typeface="Roboto" pitchFamily="2" charset="0"/>
+              <a:rPr lang="en-US" altLang="ko-KR" sz="1400">
+                <a:latin typeface="나눔스퀘어" panose="020B0600000101010101" pitchFamily="50" charset="-127"/>
+                <a:ea typeface="나눔스퀘어" panose="020B0600000101010101" pitchFamily="50" charset="-127"/>
               </a:rPr>
               <a:t>b</a:t>
             </a:r>
             <a:r>
-              <a:rPr lang="ko-KR" altLang="en-US" sz="1600" b="1" dirty="0" smtClean="0">
-                <a:latin typeface="Roboto" pitchFamily="2" charset="0"/>
-                <a:ea typeface="나눔고딕" pitchFamily="50" charset="-127"/>
+              <a:rPr lang="ko-KR" altLang="en-US" sz="1400">
+                <a:latin typeface="나눔스퀘어" panose="020B0600000101010101" pitchFamily="50" charset="-127"/>
+                <a:ea typeface="나눔스퀘어" panose="020B0600000101010101" pitchFamily="50" charset="-127"/>
               </a:rPr>
               <a:t>의 값 중 큰 값을 출력한다</a:t>
             </a:r>
             <a:r>
-              <a:rPr lang="en-US" altLang="ko-KR" sz="1600" b="1" dirty="0">
-                <a:latin typeface="Roboto" pitchFamily="2" charset="0"/>
-                <a:ea typeface="Roboto" pitchFamily="2" charset="0"/>
+              <a:rPr lang="en-US" altLang="ko-KR" sz="1400">
+                <a:latin typeface="나눔스퀘어" panose="020B0600000101010101" pitchFamily="50" charset="-127"/>
+                <a:ea typeface="나눔스퀘어" panose="020B0600000101010101" pitchFamily="50" charset="-127"/>
               </a:rPr>
               <a:t>.</a:t>
             </a:r>
           </a:p>
         </p:txBody>
       </p:sp>
+      <p:pic>
+        <p:nvPicPr>
+          <p:cNvPr id="3" name="그림 2">
+            <a:extLst>
+              <a:ext uri="{FF2B5EF4-FFF2-40B4-BE49-F238E27FC236}">
+                <a16:creationId xmlns:a16="http://schemas.microsoft.com/office/drawing/2014/main" id="{29A8A0EC-C2D3-4323-8519-099B29630C9D}"/>
+              </a:ext>
+            </a:extLst>
+          </p:cNvPr>
+          <p:cNvPicPr>
+            <a:picLocks noChangeAspect="1"/>
+          </p:cNvPicPr>
+          <p:nvPr/>
+        </p:nvPicPr>
+        <p:blipFill>
+          <a:blip r:embed="rId2"/>
+          <a:stretch>
+            <a:fillRect/>
+          </a:stretch>
+        </p:blipFill>
+        <p:spPr>
+          <a:xfrm>
+            <a:off x="606493" y="3678647"/>
+            <a:ext cx="4176414" cy="1508944"/>
+          </a:xfrm>
+          <a:prstGeom prst="rect">
+            <a:avLst/>
+          </a:prstGeom>
+        </p:spPr>
+      </p:pic>
+      <p:pic>
+        <p:nvPicPr>
+          <p:cNvPr id="5" name="그림 4">
+            <a:extLst>
+              <a:ext uri="{FF2B5EF4-FFF2-40B4-BE49-F238E27FC236}">
+                <a16:creationId xmlns:a16="http://schemas.microsoft.com/office/drawing/2014/main" id="{E3E4570F-D70A-48FF-8375-FCDD9EAF00A2}"/>
+              </a:ext>
+            </a:extLst>
+          </p:cNvPr>
+          <p:cNvPicPr>
+            <a:picLocks noChangeAspect="1"/>
+          </p:cNvPicPr>
+          <p:nvPr/>
+        </p:nvPicPr>
+        <p:blipFill>
+          <a:blip r:embed="rId3"/>
+          <a:stretch>
+            <a:fillRect/>
+          </a:stretch>
+        </p:blipFill>
+        <p:spPr>
+          <a:xfrm>
+            <a:off x="5076056" y="3933056"/>
+            <a:ext cx="3152775" cy="1000125"/>
+          </a:xfrm>
+          <a:prstGeom prst="rect">
+            <a:avLst/>
+          </a:prstGeom>
+        </p:spPr>
+      </p:pic>
     </p:spTree>
     <p:extLst>
       <p:ext uri="{BB962C8B-B14F-4D97-AF65-F5344CB8AC3E}">
@@ -3460,13 +4216,778 @@
   <p:clrMapOvr>
     <a:masterClrMapping/>
   </p:clrMapOvr>
-  <p:timing>
-    <p:tnLst>
-      <p:par>
-        <p:cTn id="1" dur="indefinite" restart="never" nodeType="tmRoot"/>
-      </p:par>
-    </p:tnLst>
-  </p:timing>
+</p:sld>
+</file>
+
+<file path=ppt/slides/slide5.xml><?xml version="1.0" encoding="utf-8"?>
+<p:sld xmlns:a="http://schemas.openxmlformats.org/drawingml/2006/main" xmlns:r="http://schemas.openxmlformats.org/officeDocument/2006/relationships" xmlns:p="http://schemas.openxmlformats.org/presentationml/2006/main">
+  <p:cSld>
+    <p:spTree>
+      <p:nvGrpSpPr>
+        <p:cNvPr id="1" name=""/>
+        <p:cNvGrpSpPr/>
+        <p:nvPr/>
+      </p:nvGrpSpPr>
+      <p:grpSpPr>
+        <a:xfrm>
+          <a:off x="0" y="0"/>
+          <a:ext cx="0" cy="0"/>
+          <a:chOff x="0" y="0"/>
+          <a:chExt cx="0" cy="0"/>
+        </a:xfrm>
+      </p:grpSpPr>
+      <p:sp>
+        <p:nvSpPr>
+          <p:cNvPr id="12" name="TextBox 11">
+            <a:extLst>
+              <a:ext uri="{FF2B5EF4-FFF2-40B4-BE49-F238E27FC236}">
+                <a16:creationId xmlns:a16="http://schemas.microsoft.com/office/drawing/2014/main" id="{6B337C63-1934-4D88-B8CA-059D3B3A34AC}"/>
+              </a:ext>
+            </a:extLst>
+          </p:cNvPr>
+          <p:cNvSpPr txBox="1"/>
+          <p:nvPr/>
+        </p:nvSpPr>
+        <p:spPr>
+          <a:xfrm>
+            <a:off x="5700" y="3228945"/>
+            <a:ext cx="9144000" cy="400110"/>
+          </a:xfrm>
+          <a:prstGeom prst="rect">
+            <a:avLst/>
+          </a:prstGeom>
+          <a:noFill/>
+        </p:spPr>
+        <p:txBody>
+          <a:bodyPr wrap="square" rtlCol="0">
+            <a:spAutoFit/>
+          </a:bodyPr>
+          <a:lstStyle/>
+          <a:p>
+            <a:pPr algn="ctr"/>
+            <a:r>
+              <a:rPr lang="en-US" altLang="ko-KR" sz="2000" b="1">
+                <a:latin typeface="나눔스퀘어" panose="020B0600000101010101" pitchFamily="50" charset="-127"/>
+                <a:ea typeface="나눔스퀘어" panose="020B0600000101010101" pitchFamily="50" charset="-127"/>
+              </a:rPr>
+              <a:t>2. Top</a:t>
+            </a:r>
+            <a:r>
+              <a:rPr lang="ko-KR" altLang="en-US" sz="2000" b="1">
+                <a:latin typeface="나눔스퀘어" panose="020B0600000101010101" pitchFamily="50" charset="-127"/>
+                <a:ea typeface="나눔스퀘어" panose="020B0600000101010101" pitchFamily="50" charset="-127"/>
+              </a:rPr>
+              <a:t>버튼을 클릭하면 페이지 최상단으로 서서히 올라간다</a:t>
+            </a:r>
+            <a:r>
+              <a:rPr lang="en-US" altLang="ko-KR" sz="2000" b="1">
+                <a:latin typeface="나눔스퀘어" panose="020B0600000101010101" pitchFamily="50" charset="-127"/>
+                <a:ea typeface="나눔스퀘어" panose="020B0600000101010101" pitchFamily="50" charset="-127"/>
+              </a:rPr>
+              <a:t>.</a:t>
+            </a:r>
+            <a:endParaRPr lang="en-US" altLang="ko-KR" sz="1400" b="1">
+              <a:latin typeface="나눔스퀘어" panose="020B0600000101010101" pitchFamily="50" charset="-127"/>
+              <a:ea typeface="나눔스퀘어" panose="020B0600000101010101" pitchFamily="50" charset="-127"/>
+            </a:endParaRPr>
+          </a:p>
+        </p:txBody>
+      </p:sp>
+    </p:spTree>
+    <p:extLst>
+      <p:ext uri="{BB962C8B-B14F-4D97-AF65-F5344CB8AC3E}">
+        <p14:creationId xmlns:p14="http://schemas.microsoft.com/office/powerpoint/2010/main" val="2290752385"/>
+      </p:ext>
+    </p:extLst>
+  </p:cSld>
+  <p:clrMapOvr>
+    <a:masterClrMapping/>
+  </p:clrMapOvr>
+</p:sld>
+</file>
+
+<file path=ppt/slides/slide6.xml><?xml version="1.0" encoding="utf-8"?>
+<p:sld xmlns:a="http://schemas.openxmlformats.org/drawingml/2006/main" xmlns:r="http://schemas.openxmlformats.org/officeDocument/2006/relationships" xmlns:p="http://schemas.openxmlformats.org/presentationml/2006/main">
+  <p:cSld>
+    <p:spTree>
+      <p:nvGrpSpPr>
+        <p:cNvPr id="1" name=""/>
+        <p:cNvGrpSpPr/>
+        <p:nvPr/>
+      </p:nvGrpSpPr>
+      <p:grpSpPr>
+        <a:xfrm>
+          <a:off x="0" y="0"/>
+          <a:ext cx="0" cy="0"/>
+          <a:chOff x="0" y="0"/>
+          <a:chExt cx="0" cy="0"/>
+        </a:xfrm>
+      </p:grpSpPr>
+      <p:sp>
+        <p:nvSpPr>
+          <p:cNvPr id="4" name="TextBox 3"/>
+          <p:cNvSpPr txBox="1"/>
+          <p:nvPr/>
+        </p:nvSpPr>
+        <p:spPr>
+          <a:xfrm>
+            <a:off x="0" y="1700808"/>
+            <a:ext cx="9144000" cy="4216539"/>
+          </a:xfrm>
+          <a:prstGeom prst="rect">
+            <a:avLst/>
+          </a:prstGeom>
+          <a:noFill/>
+        </p:spPr>
+        <p:txBody>
+          <a:bodyPr wrap="square" rtlCol="0">
+            <a:spAutoFit/>
+          </a:bodyPr>
+          <a:lstStyle/>
+          <a:p>
+            <a:pPr algn="ctr"/>
+            <a:r>
+              <a:rPr lang="en-US" altLang="ko-KR" sz="2000" b="1" err="1">
+                <a:latin typeface="나눔스퀘어" panose="020B0600000101010101" pitchFamily="50" charset="-127"/>
+                <a:ea typeface="나눔스퀘어" panose="020B0600000101010101" pitchFamily="50" charset="-127"/>
+              </a:rPr>
+              <a:t>window.addEventListener</a:t>
+            </a:r>
+            <a:r>
+              <a:rPr lang="en-US" altLang="ko-KR" sz="2000" b="1">
+                <a:latin typeface="나눔스퀘어" panose="020B0600000101010101" pitchFamily="50" charset="-127"/>
+                <a:ea typeface="나눔스퀘어" panose="020B0600000101010101" pitchFamily="50" charset="-127"/>
+              </a:rPr>
+              <a:t>(‘scroll’(</a:t>
+            </a:r>
+            <a:r>
+              <a:rPr lang="ko-KR" altLang="en-US" sz="2000" b="1">
+                <a:latin typeface="나눔스퀘어" panose="020B0600000101010101" pitchFamily="50" charset="-127"/>
+                <a:ea typeface="나눔스퀘어" panose="020B0600000101010101" pitchFamily="50" charset="-127"/>
+              </a:rPr>
+              <a:t>행동</a:t>
+            </a:r>
+            <a:r>
+              <a:rPr lang="en-US" altLang="ko-KR" sz="2000" b="1">
+                <a:latin typeface="나눔스퀘어" panose="020B0600000101010101" pitchFamily="50" charset="-127"/>
+                <a:ea typeface="나눔스퀘어" panose="020B0600000101010101" pitchFamily="50" charset="-127"/>
+              </a:rPr>
+              <a:t>), </a:t>
+            </a:r>
+            <a:r>
+              <a:rPr lang="ko-KR" altLang="en-US" sz="2000" b="1">
+                <a:latin typeface="나눔스퀘어" panose="020B0600000101010101" pitchFamily="50" charset="-127"/>
+                <a:ea typeface="나눔스퀘어" panose="020B0600000101010101" pitchFamily="50" charset="-127"/>
+              </a:rPr>
+              <a:t>할 일</a:t>
+            </a:r>
+            <a:r>
+              <a:rPr lang="en-US" altLang="ko-KR" sz="2000" b="1">
+                <a:latin typeface="나눔스퀘어" panose="020B0600000101010101" pitchFamily="50" charset="-127"/>
+                <a:ea typeface="나눔스퀘어" panose="020B0600000101010101" pitchFamily="50" charset="-127"/>
+              </a:rPr>
+              <a:t>)</a:t>
+            </a:r>
+          </a:p>
+          <a:p>
+            <a:pPr algn="ctr"/>
+            <a:r>
+              <a:rPr lang="en-US" altLang="ko-KR" sz="1400">
+                <a:latin typeface="나눔스퀘어" panose="020B0600000101010101" pitchFamily="50" charset="-127"/>
+                <a:ea typeface="나눔스퀘어" panose="020B0600000101010101" pitchFamily="50" charset="-127"/>
+              </a:rPr>
+              <a:t>// </a:t>
+            </a:r>
+            <a:r>
+              <a:rPr lang="en-US" altLang="ko-KR" sz="1400" err="1">
+                <a:latin typeface="나눔스퀘어" panose="020B0600000101010101" pitchFamily="50" charset="-127"/>
+                <a:ea typeface="나눔스퀘어" panose="020B0600000101010101" pitchFamily="50" charset="-127"/>
+              </a:rPr>
+              <a:t>scrol</a:t>
+            </a:r>
+            <a:r>
+              <a:rPr lang="ko-KR" altLang="en-US" sz="1400">
+                <a:latin typeface="나눔스퀘어" panose="020B0600000101010101" pitchFamily="50" charset="-127"/>
+                <a:ea typeface="나눔스퀘어" panose="020B0600000101010101" pitchFamily="50" charset="-127"/>
+              </a:rPr>
+              <a:t>을 할 때 할 일을 실행한다</a:t>
+            </a:r>
+            <a:r>
+              <a:rPr lang="en-US" altLang="ko-KR" sz="1400">
+                <a:latin typeface="나눔스퀘어" panose="020B0600000101010101" pitchFamily="50" charset="-127"/>
+                <a:ea typeface="나눔스퀘어" panose="020B0600000101010101" pitchFamily="50" charset="-127"/>
+              </a:rPr>
+              <a:t>.</a:t>
+            </a:r>
+          </a:p>
+          <a:p>
+            <a:pPr algn="ctr"/>
+            <a:endParaRPr lang="en-US" altLang="ko-KR" sz="2000" b="1">
+              <a:latin typeface="나눔스퀘어" panose="020B0600000101010101" pitchFamily="50" charset="-127"/>
+              <a:ea typeface="나눔스퀘어" panose="020B0600000101010101" pitchFamily="50" charset="-127"/>
+            </a:endParaRPr>
+          </a:p>
+          <a:p>
+            <a:pPr algn="ctr"/>
+            <a:r>
+              <a:rPr lang="en-US" altLang="ko-KR" sz="2000" b="1">
+                <a:latin typeface="나눔스퀘어" panose="020B0600000101010101" pitchFamily="50" charset="-127"/>
+                <a:ea typeface="나눔스퀘어" panose="020B0600000101010101" pitchFamily="50" charset="-127"/>
+              </a:rPr>
+              <a:t> </a:t>
+            </a:r>
+            <a:r>
+              <a:rPr lang="en-US" altLang="ko-KR" sz="2000" b="1" err="1">
+                <a:latin typeface="나눔스퀘어" panose="020B0600000101010101" pitchFamily="50" charset="-127"/>
+                <a:ea typeface="나눔스퀘어" panose="020B0600000101010101" pitchFamily="50" charset="-127"/>
+              </a:rPr>
+              <a:t>Element.className</a:t>
+            </a:r>
+            <a:r>
+              <a:rPr lang="en-US" altLang="ko-KR" sz="2000" b="1">
+                <a:latin typeface="나눔스퀘어" panose="020B0600000101010101" pitchFamily="50" charset="-127"/>
+                <a:ea typeface="나눔스퀘어" panose="020B0600000101010101" pitchFamily="50" charset="-127"/>
+              </a:rPr>
+              <a:t>, </a:t>
+            </a:r>
+            <a:r>
+              <a:rPr lang="en-US" altLang="ko-KR" sz="2000" b="1" err="1">
+                <a:latin typeface="나눔스퀘어" panose="020B0600000101010101" pitchFamily="50" charset="-127"/>
+                <a:ea typeface="나눔스퀘어" panose="020B0600000101010101" pitchFamily="50" charset="-127"/>
+              </a:rPr>
+              <a:t>Element.classList.add</a:t>
+            </a:r>
+            <a:r>
+              <a:rPr lang="ko-KR" altLang="en-US" sz="2000" b="1">
+                <a:latin typeface="나눔스퀘어" panose="020B0600000101010101" pitchFamily="50" charset="-127"/>
+                <a:ea typeface="나눔스퀘어" panose="020B0600000101010101" pitchFamily="50" charset="-127"/>
+              </a:rPr>
+              <a:t>의 차이점</a:t>
+            </a:r>
+            <a:endParaRPr lang="en-US" altLang="ko-KR" sz="2000" b="1">
+              <a:latin typeface="나눔스퀘어" panose="020B0600000101010101" pitchFamily="50" charset="-127"/>
+              <a:ea typeface="나눔스퀘어" panose="020B0600000101010101" pitchFamily="50" charset="-127"/>
+            </a:endParaRPr>
+          </a:p>
+          <a:p>
+            <a:pPr algn="ctr"/>
+            <a:r>
+              <a:rPr lang="en-US" altLang="ko-KR" sz="1400">
+                <a:latin typeface="나눔스퀘어" panose="020B0600000101010101" pitchFamily="50" charset="-127"/>
+                <a:ea typeface="나눔스퀘어" panose="020B0600000101010101" pitchFamily="50" charset="-127"/>
+              </a:rPr>
+              <a:t>// </a:t>
+            </a:r>
+            <a:r>
+              <a:rPr lang="en-US" altLang="ko-KR" sz="1400" err="1">
+                <a:latin typeface="나눔스퀘어" panose="020B0600000101010101" pitchFamily="50" charset="-127"/>
+                <a:ea typeface="나눔스퀘어" panose="020B0600000101010101" pitchFamily="50" charset="-127"/>
+              </a:rPr>
+              <a:t>className</a:t>
+            </a:r>
+            <a:r>
+              <a:rPr lang="ko-KR" altLang="en-US" sz="1400">
+                <a:latin typeface="나눔스퀘어" panose="020B0600000101010101" pitchFamily="50" charset="-127"/>
+                <a:ea typeface="나눔스퀘어" panose="020B0600000101010101" pitchFamily="50" charset="-127"/>
+              </a:rPr>
+              <a:t>은 </a:t>
+            </a:r>
+            <a:r>
+              <a:rPr lang="en-US" altLang="ko-KR" sz="1400">
+                <a:latin typeface="나눔스퀘어" panose="020B0600000101010101" pitchFamily="50" charset="-127"/>
+                <a:ea typeface="나눔스퀘어" panose="020B0600000101010101" pitchFamily="50" charset="-127"/>
+              </a:rPr>
+              <a:t>class </a:t>
+            </a:r>
+            <a:r>
+              <a:rPr lang="ko-KR" altLang="en-US" sz="1400">
+                <a:latin typeface="나눔스퀘어" panose="020B0600000101010101" pitchFamily="50" charset="-127"/>
+                <a:ea typeface="나눔스퀘어" panose="020B0600000101010101" pitchFamily="50" charset="-127"/>
+              </a:rPr>
+              <a:t>전체를 </a:t>
+            </a:r>
+            <a:r>
+              <a:rPr lang="en-US" altLang="ko-KR" sz="1400">
+                <a:latin typeface="나눔스퀘어" panose="020B0600000101010101" pitchFamily="50" charset="-127"/>
+                <a:ea typeface="나눔스퀘어" panose="020B0600000101010101" pitchFamily="50" charset="-127"/>
+              </a:rPr>
+              <a:t>“#”</a:t>
+            </a:r>
+            <a:r>
+              <a:rPr lang="ko-KR" altLang="en-US" sz="1400">
+                <a:latin typeface="나눔스퀘어" panose="020B0600000101010101" pitchFamily="50" charset="-127"/>
+                <a:ea typeface="나눔스퀘어" panose="020B0600000101010101" pitchFamily="50" charset="-127"/>
+              </a:rPr>
+              <a:t>으로 변경</a:t>
+            </a:r>
+            <a:endParaRPr lang="en-US" altLang="ko-KR" sz="1400">
+              <a:latin typeface="나눔스퀘어" panose="020B0600000101010101" pitchFamily="50" charset="-127"/>
+              <a:ea typeface="나눔스퀘어" panose="020B0600000101010101" pitchFamily="50" charset="-127"/>
+            </a:endParaRPr>
+          </a:p>
+          <a:p>
+            <a:pPr algn="ctr"/>
+            <a:r>
+              <a:rPr lang="en-US" altLang="ko-KR" sz="1400">
+                <a:latin typeface="나눔스퀘어" panose="020B0600000101010101" pitchFamily="50" charset="-127"/>
+                <a:ea typeface="나눔스퀘어" panose="020B0600000101010101" pitchFamily="50" charset="-127"/>
+              </a:rPr>
+              <a:t>// </a:t>
+            </a:r>
+            <a:r>
+              <a:rPr lang="en-US" altLang="ko-KR" sz="1400" err="1">
+                <a:latin typeface="나눔스퀘어" panose="020B0600000101010101" pitchFamily="50" charset="-127"/>
+                <a:ea typeface="나눔스퀘어" panose="020B0600000101010101" pitchFamily="50" charset="-127"/>
+              </a:rPr>
+              <a:t>classList.add</a:t>
+            </a:r>
+            <a:r>
+              <a:rPr lang="ko-KR" altLang="en-US" sz="1400">
+                <a:latin typeface="나눔스퀘어" panose="020B0600000101010101" pitchFamily="50" charset="-127"/>
+                <a:ea typeface="나눔스퀘어" panose="020B0600000101010101" pitchFamily="50" charset="-127"/>
+              </a:rPr>
+              <a:t>는 </a:t>
+            </a:r>
+            <a:r>
+              <a:rPr lang="en-US" altLang="ko-KR" sz="1400">
+                <a:latin typeface="나눔스퀘어" panose="020B0600000101010101" pitchFamily="50" charset="-127"/>
+                <a:ea typeface="나눔스퀘어" panose="020B0600000101010101" pitchFamily="50" charset="-127"/>
+              </a:rPr>
+              <a:t>class</a:t>
+            </a:r>
+            <a:r>
+              <a:rPr lang="ko-KR" altLang="en-US" sz="1400">
+                <a:latin typeface="나눔스퀘어" panose="020B0600000101010101" pitchFamily="50" charset="-127"/>
+                <a:ea typeface="나눔스퀘어" panose="020B0600000101010101" pitchFamily="50" charset="-127"/>
+              </a:rPr>
+              <a:t>가 존재할 때 </a:t>
+            </a:r>
+            <a:r>
+              <a:rPr lang="en-US" altLang="ko-KR" sz="1400">
+                <a:latin typeface="나눔스퀘어" panose="020B0600000101010101" pitchFamily="50" charset="-127"/>
+                <a:ea typeface="나눔스퀘어" panose="020B0600000101010101" pitchFamily="50" charset="-127"/>
+              </a:rPr>
+              <a:t>“#”</a:t>
+            </a:r>
+            <a:r>
+              <a:rPr lang="ko-KR" altLang="en-US" sz="1400">
+                <a:latin typeface="나눔스퀘어" panose="020B0600000101010101" pitchFamily="50" charset="-127"/>
+                <a:ea typeface="나눔스퀘어" panose="020B0600000101010101" pitchFamily="50" charset="-127"/>
+              </a:rPr>
+              <a:t>을 추가</a:t>
+            </a:r>
+            <a:endParaRPr lang="en-US" altLang="ko-KR" sz="1400">
+              <a:latin typeface="나눔스퀘어" panose="020B0600000101010101" pitchFamily="50" charset="-127"/>
+              <a:ea typeface="나눔스퀘어" panose="020B0600000101010101" pitchFamily="50" charset="-127"/>
+            </a:endParaRPr>
+          </a:p>
+          <a:p>
+            <a:pPr algn="ctr"/>
+            <a:endParaRPr lang="en-US" altLang="ko-KR" sz="2000" b="1">
+              <a:latin typeface="나눔스퀘어" panose="020B0600000101010101" pitchFamily="50" charset="-127"/>
+              <a:ea typeface="나눔스퀘어" panose="020B0600000101010101" pitchFamily="50" charset="-127"/>
+            </a:endParaRPr>
+          </a:p>
+          <a:p>
+            <a:pPr algn="ctr"/>
+            <a:r>
+              <a:rPr lang="en-US" altLang="ko-KR" sz="2000" b="1">
+                <a:latin typeface="나눔스퀘어" panose="020B0600000101010101" pitchFamily="50" charset="-127"/>
+                <a:ea typeface="나눔스퀘어" panose="020B0600000101010101" pitchFamily="50" charset="-127"/>
+              </a:rPr>
+              <a:t>if (</a:t>
+            </a:r>
+            <a:r>
+              <a:rPr lang="ko-KR" altLang="en-US" sz="2000" b="1">
+                <a:latin typeface="나눔스퀘어" panose="020B0600000101010101" pitchFamily="50" charset="-127"/>
+                <a:ea typeface="나눔스퀘어" panose="020B0600000101010101" pitchFamily="50" charset="-127"/>
+              </a:rPr>
+              <a:t>조건</a:t>
+            </a:r>
+            <a:r>
+              <a:rPr lang="en-US" altLang="ko-KR" sz="2000" b="1">
+                <a:latin typeface="나눔스퀘어" panose="020B0600000101010101" pitchFamily="50" charset="-127"/>
+                <a:ea typeface="나눔스퀘어" panose="020B0600000101010101" pitchFamily="50" charset="-127"/>
+              </a:rPr>
+              <a:t>) {#</a:t>
+            </a:r>
+            <a:r>
+              <a:rPr lang="ko-KR" altLang="en-US" sz="2000" b="1">
+                <a:latin typeface="나눔스퀘어" panose="020B0600000101010101" pitchFamily="50" charset="-127"/>
+                <a:ea typeface="나눔스퀘어" panose="020B0600000101010101" pitchFamily="50" charset="-127"/>
+              </a:rPr>
+              <a:t> </a:t>
+            </a:r>
+            <a:r>
+              <a:rPr lang="en-US" altLang="ko-KR" sz="2000" b="1">
+                <a:latin typeface="나눔스퀘어" panose="020B0600000101010101" pitchFamily="50" charset="-127"/>
+                <a:ea typeface="나눔스퀘어" panose="020B0600000101010101" pitchFamily="50" charset="-127"/>
+              </a:rPr>
+              <a:t>=</a:t>
+            </a:r>
+            <a:r>
+              <a:rPr lang="ko-KR" altLang="en-US" sz="2000" b="1">
+                <a:latin typeface="나눔스퀘어" panose="020B0600000101010101" pitchFamily="50" charset="-127"/>
+                <a:ea typeface="나눔스퀘어" panose="020B0600000101010101" pitchFamily="50" charset="-127"/>
+              </a:rPr>
+              <a:t> </a:t>
+            </a:r>
+            <a:r>
+              <a:rPr lang="en-US" altLang="ko-KR" sz="2000" b="1">
+                <a:latin typeface="나눔스퀘어" panose="020B0600000101010101" pitchFamily="50" charset="-127"/>
+                <a:ea typeface="나눔스퀘어" panose="020B0600000101010101" pitchFamily="50" charset="-127"/>
+              </a:rPr>
+              <a:t>a} else {# = b} </a:t>
+            </a:r>
+            <a:r>
+              <a:rPr lang="en-US" altLang="ko-KR" sz="1400">
+                <a:latin typeface="나눔스퀘어" panose="020B0600000101010101" pitchFamily="50" charset="-127"/>
+                <a:ea typeface="나눔스퀘어" panose="020B0600000101010101" pitchFamily="50" charset="-127"/>
+              </a:rPr>
+              <a:t>// </a:t>
+            </a:r>
+            <a:r>
+              <a:rPr lang="ko-KR" altLang="en-US" sz="1400">
+                <a:latin typeface="나눔스퀘어" panose="020B0600000101010101" pitchFamily="50" charset="-127"/>
+                <a:ea typeface="나눔스퀘어" panose="020B0600000101010101" pitchFamily="50" charset="-127"/>
+              </a:rPr>
+              <a:t>조건연산자</a:t>
+            </a:r>
+            <a:endParaRPr lang="en-US" altLang="ko-KR" sz="1400">
+              <a:latin typeface="나눔스퀘어" panose="020B0600000101010101" pitchFamily="50" charset="-127"/>
+              <a:ea typeface="나눔스퀘어" panose="020B0600000101010101" pitchFamily="50" charset="-127"/>
+            </a:endParaRPr>
+          </a:p>
+          <a:p>
+            <a:pPr algn="ctr"/>
+            <a:r>
+              <a:rPr lang="en-US" altLang="ko-KR" sz="2000" b="1">
+                <a:latin typeface="나눔스퀘어" panose="020B0600000101010101" pitchFamily="50" charset="-127"/>
+                <a:ea typeface="나눔스퀘어" panose="020B0600000101010101" pitchFamily="50" charset="-127"/>
+              </a:rPr>
+              <a:t># = (</a:t>
+            </a:r>
+            <a:r>
+              <a:rPr lang="ko-KR" altLang="en-US" sz="2000" b="1">
+                <a:latin typeface="나눔스퀘어" panose="020B0600000101010101" pitchFamily="50" charset="-127"/>
+                <a:ea typeface="나눔스퀘어" panose="020B0600000101010101" pitchFamily="50" charset="-127"/>
+              </a:rPr>
+              <a:t>조건</a:t>
+            </a:r>
+            <a:r>
+              <a:rPr lang="en-US" altLang="ko-KR" sz="2000" b="1">
+                <a:latin typeface="나눔스퀘어" panose="020B0600000101010101" pitchFamily="50" charset="-127"/>
+                <a:ea typeface="나눔스퀘어" panose="020B0600000101010101" pitchFamily="50" charset="-127"/>
+              </a:rPr>
+              <a:t>) ? a : b  </a:t>
+            </a:r>
+            <a:r>
+              <a:rPr lang="en-US" altLang="ko-KR" sz="1400">
+                <a:latin typeface="나눔스퀘어" panose="020B0600000101010101" pitchFamily="50" charset="-127"/>
+                <a:ea typeface="나눔스퀘어" panose="020B0600000101010101" pitchFamily="50" charset="-127"/>
+              </a:rPr>
+              <a:t>// </a:t>
+            </a:r>
+            <a:r>
+              <a:rPr lang="ko-KR" altLang="en-US" sz="1400" err="1">
+                <a:latin typeface="나눔스퀘어" panose="020B0600000101010101" pitchFamily="50" charset="-127"/>
+                <a:ea typeface="나눔스퀘어" panose="020B0600000101010101" pitchFamily="50" charset="-127"/>
+              </a:rPr>
+              <a:t>삼항조건연산자</a:t>
+            </a:r>
+            <a:endParaRPr lang="en-US" altLang="ko-KR" sz="1400">
+              <a:latin typeface="나눔스퀘어" panose="020B0600000101010101" pitchFamily="50" charset="-127"/>
+              <a:ea typeface="나눔스퀘어" panose="020B0600000101010101" pitchFamily="50" charset="-127"/>
+            </a:endParaRPr>
+          </a:p>
+          <a:p>
+            <a:pPr algn="ctr"/>
+            <a:endParaRPr lang="en-US" altLang="ko-KR" sz="2000">
+              <a:latin typeface="나눔스퀘어" panose="020B0600000101010101" pitchFamily="50" charset="-127"/>
+              <a:ea typeface="나눔스퀘어" panose="020B0600000101010101" pitchFamily="50" charset="-127"/>
+            </a:endParaRPr>
+          </a:p>
+          <a:p>
+            <a:pPr algn="ctr"/>
+            <a:r>
+              <a:rPr lang="ko-KR" altLang="en-US" sz="2000" b="1">
+                <a:latin typeface="나눔스퀘어" panose="020B0600000101010101" pitchFamily="50" charset="-127"/>
+                <a:ea typeface="나눔스퀘어" panose="020B0600000101010101" pitchFamily="50" charset="-127"/>
+              </a:rPr>
+              <a:t>변수 </a:t>
+            </a:r>
+            <a:r>
+              <a:rPr lang="en-US" altLang="ko-KR" sz="2000" b="1">
+                <a:latin typeface="나눔스퀘어" panose="020B0600000101010101" pitchFamily="50" charset="-127"/>
+                <a:ea typeface="나눔스퀘어" panose="020B0600000101010101" pitchFamily="50" charset="-127"/>
+              </a:rPr>
+              <a:t>= </a:t>
+            </a:r>
+            <a:r>
+              <a:rPr lang="en-US" altLang="ko-KR" sz="2000" b="1" err="1">
+                <a:latin typeface="나눔스퀘어" panose="020B0600000101010101" pitchFamily="50" charset="-127"/>
+                <a:ea typeface="나눔스퀘어" panose="020B0600000101010101" pitchFamily="50" charset="-127"/>
+              </a:rPr>
+              <a:t>setInterval</a:t>
+            </a:r>
+            <a:r>
+              <a:rPr lang="en-US" altLang="ko-KR" sz="2000" b="1">
+                <a:latin typeface="나눔스퀘어" panose="020B0600000101010101" pitchFamily="50" charset="-127"/>
+                <a:ea typeface="나눔스퀘어" panose="020B0600000101010101" pitchFamily="50" charset="-127"/>
+              </a:rPr>
+              <a:t>(</a:t>
+            </a:r>
+            <a:r>
+              <a:rPr lang="ko-KR" altLang="en-US" sz="2000" b="1">
+                <a:latin typeface="나눔스퀘어" panose="020B0600000101010101" pitchFamily="50" charset="-127"/>
+                <a:ea typeface="나눔스퀘어" panose="020B0600000101010101" pitchFamily="50" charset="-127"/>
+              </a:rPr>
+              <a:t>할 일</a:t>
+            </a:r>
+            <a:r>
+              <a:rPr lang="en-US" altLang="ko-KR" sz="2000" b="1">
+                <a:latin typeface="나눔스퀘어" panose="020B0600000101010101" pitchFamily="50" charset="-127"/>
+                <a:ea typeface="나눔스퀘어" panose="020B0600000101010101" pitchFamily="50" charset="-127"/>
+              </a:rPr>
+              <a:t>, Number)</a:t>
+            </a:r>
+            <a:r>
+              <a:rPr lang="en-US" altLang="ko-KR" sz="2000">
+                <a:latin typeface="나눔스퀘어" panose="020B0600000101010101" pitchFamily="50" charset="-127"/>
+                <a:ea typeface="나눔스퀘어" panose="020B0600000101010101" pitchFamily="50" charset="-127"/>
+              </a:rPr>
+              <a:t> </a:t>
+            </a:r>
+            <a:r>
+              <a:rPr lang="en-US" altLang="ko-KR" sz="1400">
+                <a:latin typeface="나눔스퀘어" panose="020B0600000101010101" pitchFamily="50" charset="-127"/>
+                <a:ea typeface="나눔스퀘어" panose="020B0600000101010101" pitchFamily="50" charset="-127"/>
+              </a:rPr>
+              <a:t>// Number(</a:t>
+            </a:r>
+            <a:r>
+              <a:rPr lang="en-US" altLang="ko-KR" sz="1400" err="1">
+                <a:latin typeface="나눔스퀘어" panose="020B0600000101010101" pitchFamily="50" charset="-127"/>
+                <a:ea typeface="나눔스퀘어" panose="020B0600000101010101" pitchFamily="50" charset="-127"/>
+              </a:rPr>
+              <a:t>ms</a:t>
+            </a:r>
+            <a:r>
+              <a:rPr lang="en-US" altLang="ko-KR" sz="1400">
+                <a:latin typeface="나눔스퀘어" panose="020B0600000101010101" pitchFamily="50" charset="-127"/>
+                <a:ea typeface="나눔스퀘어" panose="020B0600000101010101" pitchFamily="50" charset="-127"/>
+              </a:rPr>
+              <a:t>)</a:t>
+            </a:r>
+            <a:r>
+              <a:rPr lang="ko-KR" altLang="en-US" sz="1400">
+                <a:latin typeface="나눔스퀘어" panose="020B0600000101010101" pitchFamily="50" charset="-127"/>
+                <a:ea typeface="나눔스퀘어" panose="020B0600000101010101" pitchFamily="50" charset="-127"/>
+              </a:rPr>
+              <a:t>마다 할 일을 실행</a:t>
+            </a:r>
+            <a:endParaRPr lang="en-US" altLang="ko-KR" sz="1400">
+              <a:latin typeface="나눔스퀘어" panose="020B0600000101010101" pitchFamily="50" charset="-127"/>
+              <a:ea typeface="나눔스퀘어" panose="020B0600000101010101" pitchFamily="50" charset="-127"/>
+            </a:endParaRPr>
+          </a:p>
+          <a:p>
+            <a:pPr algn="ctr"/>
+            <a:r>
+              <a:rPr lang="en-US" altLang="ko-KR" sz="2000" b="1" err="1">
+                <a:latin typeface="나눔스퀘어" panose="020B0600000101010101" pitchFamily="50" charset="-127"/>
+                <a:ea typeface="나눔스퀘어" panose="020B0600000101010101" pitchFamily="50" charset="-127"/>
+              </a:rPr>
+              <a:t>clearInterval</a:t>
+            </a:r>
+            <a:r>
+              <a:rPr lang="en-US" altLang="ko-KR" sz="2000" b="1">
+                <a:latin typeface="나눔스퀘어" panose="020B0600000101010101" pitchFamily="50" charset="-127"/>
+                <a:ea typeface="나눔스퀘어" panose="020B0600000101010101" pitchFamily="50" charset="-127"/>
+              </a:rPr>
+              <a:t>(</a:t>
+            </a:r>
+            <a:r>
+              <a:rPr lang="ko-KR" altLang="en-US" sz="2000" b="1">
+                <a:latin typeface="나눔스퀘어" panose="020B0600000101010101" pitchFamily="50" charset="-127"/>
+                <a:ea typeface="나눔스퀘어" panose="020B0600000101010101" pitchFamily="50" charset="-127"/>
+              </a:rPr>
+              <a:t>변수</a:t>
+            </a:r>
+            <a:r>
+              <a:rPr lang="en-US" altLang="ko-KR" sz="2000" b="1">
+                <a:latin typeface="나눔스퀘어" panose="020B0600000101010101" pitchFamily="50" charset="-127"/>
+                <a:ea typeface="나눔스퀘어" panose="020B0600000101010101" pitchFamily="50" charset="-127"/>
+              </a:rPr>
+              <a:t>) </a:t>
+            </a:r>
+            <a:r>
+              <a:rPr lang="en-US" altLang="ko-KR" sz="1400">
+                <a:latin typeface="나눔스퀘어" panose="020B0600000101010101" pitchFamily="50" charset="-127"/>
+                <a:ea typeface="나눔스퀘어" panose="020B0600000101010101" pitchFamily="50" charset="-127"/>
+              </a:rPr>
+              <a:t>// </a:t>
+            </a:r>
+            <a:r>
+              <a:rPr lang="ko-KR" altLang="en-US" sz="1400">
+                <a:latin typeface="나눔스퀘어" panose="020B0600000101010101" pitchFamily="50" charset="-127"/>
+                <a:ea typeface="나눔스퀘어" panose="020B0600000101010101" pitchFamily="50" charset="-127"/>
+              </a:rPr>
+              <a:t>변수 안에 있는 할 일을</a:t>
+            </a:r>
+            <a:r>
+              <a:rPr lang="en-US" altLang="ko-KR" sz="1400">
+                <a:latin typeface="나눔스퀘어" panose="020B0600000101010101" pitchFamily="50" charset="-127"/>
+                <a:ea typeface="나눔스퀘어" panose="020B0600000101010101" pitchFamily="50" charset="-127"/>
+              </a:rPr>
+              <a:t> </a:t>
+            </a:r>
+            <a:r>
+              <a:rPr lang="ko-KR" altLang="en-US" sz="1400">
+                <a:latin typeface="나눔스퀘어" panose="020B0600000101010101" pitchFamily="50" charset="-127"/>
+                <a:ea typeface="나눔스퀘어" panose="020B0600000101010101" pitchFamily="50" charset="-127"/>
+              </a:rPr>
+              <a:t>중지</a:t>
+            </a:r>
+            <a:endParaRPr lang="en-US" altLang="ko-KR" sz="1400">
+              <a:latin typeface="나눔스퀘어" panose="020B0600000101010101" pitchFamily="50" charset="-127"/>
+              <a:ea typeface="나눔스퀘어" panose="020B0600000101010101" pitchFamily="50" charset="-127"/>
+            </a:endParaRPr>
+          </a:p>
+          <a:p>
+            <a:pPr algn="ctr"/>
+            <a:endParaRPr lang="en-US" altLang="ko-KR" sz="2000">
+              <a:latin typeface="나눔스퀘어" panose="020B0600000101010101" pitchFamily="50" charset="-127"/>
+              <a:ea typeface="나눔스퀘어" panose="020B0600000101010101" pitchFamily="50" charset="-127"/>
+            </a:endParaRPr>
+          </a:p>
+          <a:p>
+            <a:pPr algn="ctr"/>
+            <a:r>
+              <a:rPr lang="en-US" altLang="ko-KR" sz="2000" b="1" err="1">
+                <a:latin typeface="나눔스퀘어" panose="020B0600000101010101" pitchFamily="50" charset="-127"/>
+                <a:ea typeface="나눔스퀘어" panose="020B0600000101010101" pitchFamily="50" charset="-127"/>
+              </a:rPr>
+              <a:t>window.scrollBy</a:t>
+            </a:r>
+            <a:r>
+              <a:rPr lang="en-US" altLang="ko-KR" sz="2000" b="1">
+                <a:latin typeface="나눔스퀘어" panose="020B0600000101010101" pitchFamily="50" charset="-127"/>
+                <a:ea typeface="나눔스퀘어" panose="020B0600000101010101" pitchFamily="50" charset="-127"/>
+              </a:rPr>
+              <a:t>(</a:t>
+            </a:r>
+            <a:r>
+              <a:rPr lang="en-US" altLang="ko-KR" sz="2000" b="1" err="1">
+                <a:latin typeface="나눔스퀘어" panose="020B0600000101010101" pitchFamily="50" charset="-127"/>
+                <a:ea typeface="나눔스퀘어" panose="020B0600000101010101" pitchFamily="50" charset="-127"/>
+              </a:rPr>
+              <a:t>x,y</a:t>
+            </a:r>
+            <a:r>
+              <a:rPr lang="en-US" altLang="ko-KR" sz="2000" b="1">
+                <a:latin typeface="나눔스퀘어" panose="020B0600000101010101" pitchFamily="50" charset="-127"/>
+                <a:ea typeface="나눔스퀘어" panose="020B0600000101010101" pitchFamily="50" charset="-127"/>
+              </a:rPr>
+              <a:t>)</a:t>
+            </a:r>
+            <a:r>
+              <a:rPr lang="en-US" altLang="ko-KR" sz="2000">
+                <a:latin typeface="나눔스퀘어" panose="020B0600000101010101" pitchFamily="50" charset="-127"/>
+                <a:ea typeface="나눔스퀘어" panose="020B0600000101010101" pitchFamily="50" charset="-127"/>
+              </a:rPr>
+              <a:t> </a:t>
+            </a:r>
+            <a:r>
+              <a:rPr lang="en-US" altLang="ko-KR" sz="1400">
+                <a:latin typeface="나눔스퀘어" panose="020B0600000101010101" pitchFamily="50" charset="-127"/>
+                <a:ea typeface="나눔스퀘어" panose="020B0600000101010101" pitchFamily="50" charset="-127"/>
+              </a:rPr>
+              <a:t>// </a:t>
+            </a:r>
+            <a:r>
+              <a:rPr lang="ko-KR" altLang="en-US" sz="1400">
+                <a:latin typeface="나눔스퀘어" panose="020B0600000101010101" pitchFamily="50" charset="-127"/>
+                <a:ea typeface="나눔스퀘어" panose="020B0600000101010101" pitchFamily="50" charset="-127"/>
+              </a:rPr>
+              <a:t>윈도우 스크롤의 </a:t>
+            </a:r>
+            <a:r>
+              <a:rPr lang="en-US" altLang="ko-KR" sz="1400">
+                <a:latin typeface="나눔스퀘어" panose="020B0600000101010101" pitchFamily="50" charset="-127"/>
+                <a:ea typeface="나눔스퀘어" panose="020B0600000101010101" pitchFamily="50" charset="-127"/>
+              </a:rPr>
+              <a:t>x</a:t>
+            </a:r>
+            <a:r>
+              <a:rPr lang="ko-KR" altLang="en-US" sz="1400">
+                <a:latin typeface="나눔스퀘어" panose="020B0600000101010101" pitchFamily="50" charset="-127"/>
+                <a:ea typeface="나눔스퀘어" panose="020B0600000101010101" pitchFamily="50" charset="-127"/>
+              </a:rPr>
+              <a:t>축을 </a:t>
+            </a:r>
+            <a:r>
+              <a:rPr lang="en-US" altLang="ko-KR" sz="1400">
+                <a:latin typeface="나눔스퀘어" panose="020B0600000101010101" pitchFamily="50" charset="-127"/>
+                <a:ea typeface="나눔스퀘어" panose="020B0600000101010101" pitchFamily="50" charset="-127"/>
+              </a:rPr>
+              <a:t>x</a:t>
+            </a:r>
+            <a:r>
+              <a:rPr lang="ko-KR" altLang="en-US" sz="1400">
+                <a:latin typeface="나눔스퀘어" panose="020B0600000101010101" pitchFamily="50" charset="-127"/>
+                <a:ea typeface="나눔스퀘어" panose="020B0600000101010101" pitchFamily="50" charset="-127"/>
+              </a:rPr>
+              <a:t>만큼</a:t>
+            </a:r>
+            <a:r>
+              <a:rPr lang="en-US" altLang="ko-KR" sz="1400">
+                <a:latin typeface="나눔스퀘어" panose="020B0600000101010101" pitchFamily="50" charset="-127"/>
+                <a:ea typeface="나눔스퀘어" panose="020B0600000101010101" pitchFamily="50" charset="-127"/>
+              </a:rPr>
+              <a:t>, y</a:t>
+            </a:r>
+            <a:r>
+              <a:rPr lang="ko-KR" altLang="en-US" sz="1400">
+                <a:latin typeface="나눔스퀘어" panose="020B0600000101010101" pitchFamily="50" charset="-127"/>
+                <a:ea typeface="나눔스퀘어" panose="020B0600000101010101" pitchFamily="50" charset="-127"/>
+              </a:rPr>
+              <a:t>축을 </a:t>
+            </a:r>
+            <a:r>
+              <a:rPr lang="en-US" altLang="ko-KR" sz="1400">
+                <a:latin typeface="나눔스퀘어" panose="020B0600000101010101" pitchFamily="50" charset="-127"/>
+                <a:ea typeface="나눔스퀘어" panose="020B0600000101010101" pitchFamily="50" charset="-127"/>
+              </a:rPr>
+              <a:t>y</a:t>
+            </a:r>
+            <a:r>
+              <a:rPr lang="ko-KR" altLang="en-US" sz="1400">
+                <a:latin typeface="나눔스퀘어" panose="020B0600000101010101" pitchFamily="50" charset="-127"/>
+                <a:ea typeface="나눔스퀘어" panose="020B0600000101010101" pitchFamily="50" charset="-127"/>
+              </a:rPr>
+              <a:t>만큼 움직인다</a:t>
+            </a:r>
+            <a:r>
+              <a:rPr lang="en-US" altLang="ko-KR" sz="1400">
+                <a:latin typeface="나눔스퀘어" panose="020B0600000101010101" pitchFamily="50" charset="-127"/>
+                <a:ea typeface="나눔스퀘어" panose="020B0600000101010101" pitchFamily="50" charset="-127"/>
+              </a:rPr>
+              <a:t>.</a:t>
+            </a:r>
+          </a:p>
+        </p:txBody>
+      </p:sp>
+    </p:spTree>
+    <p:extLst>
+      <p:ext uri="{BB962C8B-B14F-4D97-AF65-F5344CB8AC3E}">
+        <p14:creationId xmlns:p14="http://schemas.microsoft.com/office/powerpoint/2010/main" val="3695588798"/>
+      </p:ext>
+    </p:extLst>
+  </p:cSld>
+  <p:clrMapOvr>
+    <a:masterClrMapping/>
+  </p:clrMapOvr>
 </p:sld>
 </file>
 

--- a/4주차(Top스크롤)/Top스크롤.pptx
+++ b/4주차(Top스크롤)/Top스크롤.pptx
@@ -9,20 +9,21 @@
     <p:sldId id="258" r:id="rId3"/>
     <p:sldId id="259" r:id="rId4"/>
     <p:sldId id="257" r:id="rId5"/>
-    <p:sldId id="260" r:id="rId6"/>
-    <p:sldId id="261" r:id="rId7"/>
+    <p:sldId id="261" r:id="rId6"/>
+    <p:sldId id="260" r:id="rId7"/>
+    <p:sldId id="262" r:id="rId8"/>
   </p:sldIdLst>
   <p:sldSz cx="9144000" cy="6858000" type="screen4x3"/>
   <p:notesSz cx="6858000" cy="9144000"/>
   <p:embeddedFontLst>
     <p:embeddedFont>
       <p:font typeface="나눔스퀘어" panose="020B0600000101010101" pitchFamily="50" charset="-127"/>
-      <p:regular r:id="rId8"/>
+      <p:regular r:id="rId9"/>
     </p:embeddedFont>
     <p:embeddedFont>
       <p:font typeface="맑은 고딕" panose="020B0503020000020004" pitchFamily="50" charset="-127"/>
-      <p:regular r:id="rId9"/>
-      <p:bold r:id="rId10"/>
+      <p:regular r:id="rId10"/>
+      <p:bold r:id="rId11"/>
     </p:embeddedFont>
   </p:embeddedFontLst>
   <p:defaultTextStyle>
@@ -318,7 +319,7 @@
           <a:p>
             <a:fld id="{0B2B42E6-83CF-43E3-9FE7-86C6EE891402}" type="datetimeFigureOut">
               <a:rPr lang="ko-KR" altLang="en-US" smtClean="0"/>
-              <a:t>2020-02-15</a:t>
+              <a:t>2020-02-16</a:t>
             </a:fld>
             <a:endParaRPr lang="ko-KR" altLang="en-US"/>
           </a:p>
@@ -486,7 +487,7 @@
           <a:p>
             <a:fld id="{0B2B42E6-83CF-43E3-9FE7-86C6EE891402}" type="datetimeFigureOut">
               <a:rPr lang="ko-KR" altLang="en-US" smtClean="0"/>
-              <a:t>2020-02-15</a:t>
+              <a:t>2020-02-16</a:t>
             </a:fld>
             <a:endParaRPr lang="ko-KR" altLang="en-US"/>
           </a:p>
@@ -664,7 +665,7 @@
           <a:p>
             <a:fld id="{0B2B42E6-83CF-43E3-9FE7-86C6EE891402}" type="datetimeFigureOut">
               <a:rPr lang="ko-KR" altLang="en-US" smtClean="0"/>
-              <a:t>2020-02-15</a:t>
+              <a:t>2020-02-16</a:t>
             </a:fld>
             <a:endParaRPr lang="ko-KR" altLang="en-US"/>
           </a:p>
@@ -832,7 +833,7 @@
           <a:p>
             <a:fld id="{0B2B42E6-83CF-43E3-9FE7-86C6EE891402}" type="datetimeFigureOut">
               <a:rPr lang="ko-KR" altLang="en-US" smtClean="0"/>
-              <a:t>2020-02-15</a:t>
+              <a:t>2020-02-16</a:t>
             </a:fld>
             <a:endParaRPr lang="ko-KR" altLang="en-US"/>
           </a:p>
@@ -1077,7 +1078,7 @@
           <a:p>
             <a:fld id="{0B2B42E6-83CF-43E3-9FE7-86C6EE891402}" type="datetimeFigureOut">
               <a:rPr lang="ko-KR" altLang="en-US" smtClean="0"/>
-              <a:t>2020-02-15</a:t>
+              <a:t>2020-02-16</a:t>
             </a:fld>
             <a:endParaRPr lang="ko-KR" altLang="en-US"/>
           </a:p>
@@ -1362,7 +1363,7 @@
           <a:p>
             <a:fld id="{0B2B42E6-83CF-43E3-9FE7-86C6EE891402}" type="datetimeFigureOut">
               <a:rPr lang="ko-KR" altLang="en-US" smtClean="0"/>
-              <a:t>2020-02-15</a:t>
+              <a:t>2020-02-16</a:t>
             </a:fld>
             <a:endParaRPr lang="ko-KR" altLang="en-US"/>
           </a:p>
@@ -1781,7 +1782,7 @@
           <a:p>
             <a:fld id="{0B2B42E6-83CF-43E3-9FE7-86C6EE891402}" type="datetimeFigureOut">
               <a:rPr lang="ko-KR" altLang="en-US" smtClean="0"/>
-              <a:t>2020-02-15</a:t>
+              <a:t>2020-02-16</a:t>
             </a:fld>
             <a:endParaRPr lang="ko-KR" altLang="en-US"/>
           </a:p>
@@ -1898,7 +1899,7 @@
           <a:p>
             <a:fld id="{0B2B42E6-83CF-43E3-9FE7-86C6EE891402}" type="datetimeFigureOut">
               <a:rPr lang="ko-KR" altLang="en-US" smtClean="0"/>
-              <a:t>2020-02-15</a:t>
+              <a:t>2020-02-16</a:t>
             </a:fld>
             <a:endParaRPr lang="ko-KR" altLang="en-US"/>
           </a:p>
@@ -1993,7 +1994,7 @@
           <a:p>
             <a:fld id="{0B2B42E6-83CF-43E3-9FE7-86C6EE891402}" type="datetimeFigureOut">
               <a:rPr lang="ko-KR" altLang="en-US" smtClean="0"/>
-              <a:t>2020-02-15</a:t>
+              <a:t>2020-02-16</a:t>
             </a:fld>
             <a:endParaRPr lang="ko-KR" altLang="en-US"/>
           </a:p>
@@ -2268,7 +2269,7 @@
           <a:p>
             <a:fld id="{0B2B42E6-83CF-43E3-9FE7-86C6EE891402}" type="datetimeFigureOut">
               <a:rPr lang="ko-KR" altLang="en-US" smtClean="0"/>
-              <a:t>2020-02-15</a:t>
+              <a:t>2020-02-16</a:t>
             </a:fld>
             <a:endParaRPr lang="ko-KR" altLang="en-US"/>
           </a:p>
@@ -2520,7 +2521,7 @@
           <a:p>
             <a:fld id="{0B2B42E6-83CF-43E3-9FE7-86C6EE891402}" type="datetimeFigureOut">
               <a:rPr lang="ko-KR" altLang="en-US" smtClean="0"/>
-              <a:t>2020-02-15</a:t>
+              <a:t>2020-02-16</a:t>
             </a:fld>
             <a:endParaRPr lang="ko-KR" altLang="en-US"/>
           </a:p>
@@ -2731,7 +2732,7 @@
           <a:p>
             <a:fld id="{0B2B42E6-83CF-43E3-9FE7-86C6EE891402}" type="datetimeFigureOut">
               <a:rPr lang="ko-KR" altLang="en-US" smtClean="0"/>
-              <a:t>2020-02-15</a:t>
+              <a:t>2020-02-16</a:t>
             </a:fld>
             <a:endParaRPr lang="ko-KR" altLang="en-US"/>
           </a:p>
@@ -3441,8 +3442,8 @@
         </p:nvSpPr>
         <p:spPr>
           <a:xfrm>
-            <a:off x="3707902" y="3815144"/>
-            <a:ext cx="898836" cy="276999"/>
+            <a:off x="1371087" y="5877272"/>
+            <a:ext cx="2394566" cy="646331"/>
           </a:xfrm>
           <a:prstGeom prst="rect">
             <a:avLst/>
@@ -3456,13 +3457,60 @@
           <a:lstStyle/>
           <a:p>
             <a:r>
-              <a:rPr lang="en-US" altLang="ko-KR" sz="1200" b="1" err="1">
+              <a:rPr lang="en-US" altLang="ko-KR" sz="1200" b="1" dirty="0" err="1">
                 <a:latin typeface="나눔스퀘어" panose="020B0600000101010101" pitchFamily="50" charset="-127"/>
                 <a:ea typeface="나눔스퀘어" panose="020B0600000101010101" pitchFamily="50" charset="-127"/>
               </a:rPr>
               <a:t>docHeight</a:t>
             </a:r>
-            <a:endParaRPr lang="ko-KR" altLang="en-US" sz="1200" b="1">
+            <a:endParaRPr lang="en-US" altLang="ko-KR" sz="1200" b="1" dirty="0">
+              <a:latin typeface="나눔스퀘어" panose="020B0600000101010101" pitchFamily="50" charset="-127"/>
+              <a:ea typeface="나눔스퀘어" panose="020B0600000101010101" pitchFamily="50" charset="-127"/>
+            </a:endParaRPr>
+          </a:p>
+          <a:p>
+            <a:endParaRPr lang="en-US" altLang="ko-KR" sz="1200" b="1" dirty="0">
+              <a:latin typeface="나눔스퀘어" panose="020B0600000101010101" pitchFamily="50" charset="-127"/>
+              <a:ea typeface="나눔스퀘어" panose="020B0600000101010101" pitchFamily="50" charset="-127"/>
+            </a:endParaRPr>
+          </a:p>
+          <a:p>
+            <a:r>
+              <a:rPr lang="en-US" altLang="ko-KR" sz="1200" b="1" dirty="0">
+                <a:latin typeface="나눔스퀘어" panose="020B0600000101010101" pitchFamily="50" charset="-127"/>
+                <a:ea typeface="나눔스퀘어" panose="020B0600000101010101" pitchFamily="50" charset="-127"/>
+              </a:rPr>
+              <a:t>= </a:t>
+            </a:r>
+            <a:r>
+              <a:rPr lang="en-US" altLang="ko-KR" sz="1200" b="1" dirty="0" err="1">
+                <a:latin typeface="나눔스퀘어" panose="020B0600000101010101" pitchFamily="50" charset="-127"/>
+                <a:ea typeface="나눔스퀘어" panose="020B0600000101010101" pitchFamily="50" charset="-127"/>
+              </a:rPr>
+              <a:t>offsetHeight</a:t>
+            </a:r>
+            <a:r>
+              <a:rPr lang="en-US" altLang="ko-KR" sz="1200" b="1" dirty="0">
+                <a:latin typeface="나눔스퀘어" panose="020B0600000101010101" pitchFamily="50" charset="-127"/>
+                <a:ea typeface="나눔스퀘어" panose="020B0600000101010101" pitchFamily="50" charset="-127"/>
+              </a:rPr>
+              <a:t> </a:t>
+            </a:r>
+            <a:r>
+              <a:rPr lang="ko-KR" altLang="en-US" sz="1200" b="1" dirty="0">
+                <a:latin typeface="나눔스퀘어" panose="020B0600000101010101" pitchFamily="50" charset="-127"/>
+                <a:ea typeface="나눔스퀘어" panose="020B0600000101010101" pitchFamily="50" charset="-127"/>
+              </a:rPr>
+              <a:t>또는 </a:t>
+            </a:r>
+            <a:r>
+              <a:rPr lang="en-US" altLang="ko-KR" sz="1200" b="1" dirty="0" err="1">
+                <a:latin typeface="나눔스퀘어" panose="020B0600000101010101" pitchFamily="50" charset="-127"/>
+                <a:ea typeface="나눔스퀘어" panose="020B0600000101010101" pitchFamily="50" charset="-127"/>
+              </a:rPr>
+              <a:t>scrollHeight</a:t>
+            </a:r>
+            <a:endParaRPr lang="ko-KR" altLang="en-US" sz="1200" b="1" dirty="0">
               <a:latin typeface="나눔스퀘어" panose="020B0600000101010101" pitchFamily="50" charset="-127"/>
               <a:ea typeface="나눔스퀘어" panose="020B0600000101010101" pitchFamily="50" charset="-127"/>
             </a:endParaRPr>
@@ -3525,8 +3573,8 @@
         </p:nvSpPr>
         <p:spPr>
           <a:xfrm>
-            <a:off x="7380310" y="1734621"/>
-            <a:ext cx="815608" cy="276999"/>
+            <a:off x="7524325" y="1556792"/>
+            <a:ext cx="1656179" cy="646331"/>
           </a:xfrm>
           <a:prstGeom prst="rect">
             <a:avLst/>
@@ -3534,22 +3582,42 @@
           <a:noFill/>
         </p:spPr>
         <p:txBody>
-          <a:bodyPr wrap="none" rtlCol="0">
+          <a:bodyPr wrap="square" rtlCol="0">
             <a:spAutoFit/>
           </a:bodyPr>
           <a:lstStyle/>
           <a:p>
             <a:r>
-              <a:rPr lang="en-US" altLang="ko-KR" sz="1200" b="1" err="1">
+              <a:rPr lang="en-US" altLang="ko-KR" sz="1200" b="1" dirty="0" err="1">
                 <a:latin typeface="나눔스퀘어" panose="020B0600000101010101" pitchFamily="50" charset="-127"/>
                 <a:ea typeface="나눔스퀘어" panose="020B0600000101010101" pitchFamily="50" charset="-127"/>
               </a:rPr>
               <a:t>scrollPos</a:t>
             </a:r>
-            <a:endParaRPr lang="ko-KR" altLang="en-US" sz="1200" b="1">
+            <a:endParaRPr lang="en-US" altLang="ko-KR" sz="1200" b="1" dirty="0">
               <a:latin typeface="나눔스퀘어" panose="020B0600000101010101" pitchFamily="50" charset="-127"/>
               <a:ea typeface="나눔스퀘어" panose="020B0600000101010101" pitchFamily="50" charset="-127"/>
             </a:endParaRPr>
+          </a:p>
+          <a:p>
+            <a:endParaRPr lang="en-US" altLang="ko-KR" sz="1200" b="1" dirty="0">
+              <a:latin typeface="나눔스퀘어" panose="020B0600000101010101" pitchFamily="50" charset="-127"/>
+              <a:ea typeface="나눔스퀘어" panose="020B0600000101010101" pitchFamily="50" charset="-127"/>
+            </a:endParaRPr>
+          </a:p>
+          <a:p>
+            <a:r>
+              <a:rPr lang="en-US" altLang="ko-KR" sz="1200" b="1" dirty="0">
+                <a:latin typeface="나눔스퀘어" panose="020B0600000101010101" pitchFamily="50" charset="-127"/>
+                <a:ea typeface="나눔스퀘어" panose="020B0600000101010101" pitchFamily="50" charset="-127"/>
+              </a:rPr>
+              <a:t>= </a:t>
+            </a:r>
+            <a:r>
+              <a:rPr lang="en-US" altLang="ko-KR" sz="1200" dirty="0" err="1"/>
+              <a:t>docElem.scrollTop</a:t>
+            </a:r>
+            <a:endParaRPr lang="en-US" altLang="ko-KR" sz="1200" dirty="0"/>
           </a:p>
         </p:txBody>
       </p:sp>
@@ -3697,34 +3765,34 @@
           <a:p>
             <a:pPr algn="ctr"/>
             <a:r>
-              <a:rPr lang="en-US" altLang="ko-KR" sz="2000" b="1">
+              <a:rPr lang="en-US" altLang="ko-KR" sz="2000" b="1" dirty="0">
                 <a:latin typeface="나눔스퀘어" panose="020B0600000101010101" pitchFamily="50" charset="-127"/>
                 <a:ea typeface="나눔스퀘어" panose="020B0600000101010101" pitchFamily="50" charset="-127"/>
               </a:rPr>
               <a:t>1. </a:t>
             </a:r>
             <a:r>
-              <a:rPr lang="ko-KR" altLang="en-US" sz="2000" b="1">
+              <a:rPr lang="ko-KR" altLang="en-US" sz="2000" b="1" dirty="0">
                 <a:latin typeface="나눔스퀘어" panose="020B0600000101010101" pitchFamily="50" charset="-127"/>
                 <a:ea typeface="나눔스퀘어" panose="020B0600000101010101" pitchFamily="50" charset="-127"/>
               </a:rPr>
               <a:t>정해진 스크롤 양을 내리면 </a:t>
             </a:r>
             <a:r>
-              <a:rPr lang="en-US" altLang="ko-KR" sz="2000" b="1">
+              <a:rPr lang="en-US" altLang="ko-KR" sz="2000" b="1" dirty="0">
                 <a:latin typeface="나눔스퀘어" panose="020B0600000101010101" pitchFamily="50" charset="-127"/>
                 <a:ea typeface="나눔스퀘어" panose="020B0600000101010101" pitchFamily="50" charset="-127"/>
               </a:rPr>
               <a:t>top</a:t>
             </a:r>
             <a:r>
-              <a:rPr lang="ko-KR" altLang="en-US" sz="2000" b="1">
+              <a:rPr lang="ko-KR" altLang="en-US" sz="2000" b="1" dirty="0">
                 <a:latin typeface="나눔스퀘어" panose="020B0600000101010101" pitchFamily="50" charset="-127"/>
                 <a:ea typeface="나눔스퀘어" panose="020B0600000101010101" pitchFamily="50" charset="-127"/>
               </a:rPr>
               <a:t>버튼이 생성되고</a:t>
             </a:r>
-            <a:endParaRPr lang="en-US" altLang="ko-KR" sz="2000" b="1">
+            <a:endParaRPr lang="en-US" altLang="ko-KR" sz="2000" b="1" dirty="0">
               <a:latin typeface="나눔스퀘어" panose="020B0600000101010101" pitchFamily="50" charset="-127"/>
               <a:ea typeface="나눔스퀘어" panose="020B0600000101010101" pitchFamily="50" charset="-127"/>
             </a:endParaRPr>
@@ -3732,34 +3800,34 @@
           <a:p>
             <a:pPr algn="ctr"/>
             <a:r>
-              <a:rPr lang="ko-KR" altLang="en-US" sz="2000" b="1">
+              <a:rPr lang="ko-KR" altLang="en-US" sz="2000" b="1" dirty="0">
                 <a:latin typeface="나눔스퀘어" panose="020B0600000101010101" pitchFamily="50" charset="-127"/>
                 <a:ea typeface="나눔스퀘어" panose="020B0600000101010101" pitchFamily="50" charset="-127"/>
               </a:rPr>
               <a:t>올리면 </a:t>
             </a:r>
             <a:r>
-              <a:rPr lang="en-US" altLang="ko-KR" sz="2000" b="1">
+              <a:rPr lang="en-US" altLang="ko-KR" sz="2000" b="1" dirty="0">
                 <a:latin typeface="나눔스퀘어" panose="020B0600000101010101" pitchFamily="50" charset="-127"/>
                 <a:ea typeface="나눔스퀘어" panose="020B0600000101010101" pitchFamily="50" charset="-127"/>
               </a:rPr>
               <a:t>top</a:t>
             </a:r>
             <a:r>
-              <a:rPr lang="ko-KR" altLang="en-US" sz="2000" b="1">
+              <a:rPr lang="ko-KR" altLang="en-US" sz="2000" b="1" dirty="0">
                 <a:latin typeface="나눔스퀘어" panose="020B0600000101010101" pitchFamily="50" charset="-127"/>
                 <a:ea typeface="나눔스퀘어" panose="020B0600000101010101" pitchFamily="50" charset="-127"/>
               </a:rPr>
               <a:t>버튼이 사라진다</a:t>
             </a:r>
             <a:r>
-              <a:rPr lang="en-US" altLang="ko-KR" sz="2000" b="1">
+              <a:rPr lang="en-US" altLang="ko-KR" sz="2000" b="1" dirty="0">
                 <a:latin typeface="나눔스퀘어" panose="020B0600000101010101" pitchFamily="50" charset="-127"/>
                 <a:ea typeface="나눔스퀘어" panose="020B0600000101010101" pitchFamily="50" charset="-127"/>
               </a:rPr>
               <a:t>.</a:t>
             </a:r>
-            <a:endParaRPr lang="en-US" altLang="ko-KR" sz="1400" b="1">
+            <a:endParaRPr lang="en-US" altLang="ko-KR" sz="1400" b="1" dirty="0">
               <a:latin typeface="나눔스퀘어" panose="020B0600000101010101" pitchFamily="50" charset="-127"/>
               <a:ea typeface="나눔스퀘어" panose="020B0600000101010101" pitchFamily="50" charset="-127"/>
             </a:endParaRPr>
@@ -3804,7 +3872,7 @@
         </p:nvSpPr>
         <p:spPr>
           <a:xfrm>
-            <a:off x="5700" y="1484784"/>
+            <a:off x="5700" y="1370323"/>
             <a:ext cx="9144000" cy="4616648"/>
           </a:xfrm>
           <a:prstGeom prst="rect">
@@ -3820,34 +3888,34 @@
           <a:p>
             <a:pPr algn="ctr"/>
             <a:r>
-              <a:rPr lang="en-US" altLang="ko-KR" sz="2000" b="1">
+              <a:rPr lang="en-US" altLang="ko-KR" sz="2000" b="1" dirty="0">
                 <a:latin typeface="나눔스퀘어" panose="020B0600000101010101" pitchFamily="50" charset="-127"/>
                 <a:ea typeface="나눔스퀘어" panose="020B0600000101010101" pitchFamily="50" charset="-127"/>
               </a:rPr>
               <a:t>var </a:t>
             </a:r>
             <a:r>
-              <a:rPr lang="en-US" altLang="ko-KR" sz="2000" b="1" err="1">
+              <a:rPr lang="en-US" altLang="ko-KR" sz="2000" b="1" dirty="0" err="1">
                 <a:latin typeface="나눔스퀘어" panose="020B0600000101010101" pitchFamily="50" charset="-127"/>
                 <a:ea typeface="나눔스퀘어" panose="020B0600000101010101" pitchFamily="50" charset="-127"/>
               </a:rPr>
               <a:t>docElem</a:t>
             </a:r>
             <a:r>
-              <a:rPr lang="en-US" altLang="ko-KR" sz="2000" b="1">
+              <a:rPr lang="en-US" altLang="ko-KR" sz="2000" b="1" dirty="0">
                 <a:latin typeface="나눔스퀘어" panose="020B0600000101010101" pitchFamily="50" charset="-127"/>
                 <a:ea typeface="나눔스퀘어" panose="020B0600000101010101" pitchFamily="50" charset="-127"/>
               </a:rPr>
               <a:t> = </a:t>
             </a:r>
             <a:r>
-              <a:rPr lang="en-US" altLang="ko-KR" sz="2000" b="1" err="1">
+              <a:rPr lang="en-US" altLang="ko-KR" sz="2000" b="1" dirty="0" err="1">
                 <a:latin typeface="나눔스퀘어" panose="020B0600000101010101" pitchFamily="50" charset="-127"/>
                 <a:ea typeface="나눔스퀘어" panose="020B0600000101010101" pitchFamily="50" charset="-127"/>
               </a:rPr>
               <a:t>document.documentElement</a:t>
             </a:r>
-            <a:endParaRPr lang="en-US" altLang="ko-KR" sz="2000" b="1">
+            <a:endParaRPr lang="en-US" altLang="ko-KR" sz="2000" b="1" dirty="0">
               <a:latin typeface="나눔스퀘어" panose="020B0600000101010101" pitchFamily="50" charset="-127"/>
               <a:ea typeface="나눔스퀘어" panose="020B0600000101010101" pitchFamily="50" charset="-127"/>
             </a:endParaRPr>
@@ -3855,21 +3923,21 @@
           <a:p>
             <a:pPr algn="ctr"/>
             <a:r>
-              <a:rPr lang="en-US" altLang="ko-KR" sz="1400">
+              <a:rPr lang="en-US" altLang="ko-KR" sz="1400" dirty="0">
                 <a:latin typeface="나눔스퀘어" panose="020B0600000101010101" pitchFamily="50" charset="-127"/>
                 <a:ea typeface="나눔스퀘어" panose="020B0600000101010101" pitchFamily="50" charset="-127"/>
               </a:rPr>
               <a:t>// document</a:t>
             </a:r>
             <a:r>
-              <a:rPr lang="ko-KR" altLang="en-US" sz="1400">
+              <a:rPr lang="ko-KR" altLang="en-US" sz="1400" dirty="0">
                 <a:latin typeface="나눔스퀘어" panose="020B0600000101010101" pitchFamily="50" charset="-127"/>
                 <a:ea typeface="나눔스퀘어" panose="020B0600000101010101" pitchFamily="50" charset="-127"/>
               </a:rPr>
               <a:t>의 </a:t>
             </a:r>
             <a:r>
-              <a:rPr lang="en-US" altLang="ko-KR" sz="1400">
+              <a:rPr lang="en-US" altLang="ko-KR" sz="1400" dirty="0">
                 <a:latin typeface="나눔스퀘어" panose="020B0600000101010101" pitchFamily="50" charset="-127"/>
                 <a:ea typeface="나눔스퀘어" panose="020B0600000101010101" pitchFamily="50" charset="-127"/>
               </a:rPr>
@@ -3879,21 +3947,21 @@
           <a:p>
             <a:pPr algn="ctr"/>
             <a:r>
-              <a:rPr lang="en-US" altLang="ko-KR" sz="1400">
+              <a:rPr lang="en-US" altLang="ko-KR" sz="1400" dirty="0">
                 <a:latin typeface="나눔스퀘어" panose="020B0600000101010101" pitchFamily="50" charset="-127"/>
                 <a:ea typeface="나눔스퀘어" panose="020B0600000101010101" pitchFamily="50" charset="-127"/>
               </a:rPr>
               <a:t>// console.log(document), console.log(</a:t>
             </a:r>
             <a:r>
-              <a:rPr lang="en-US" altLang="ko-KR" sz="1400" err="1">
+              <a:rPr lang="en-US" altLang="ko-KR" sz="1400" dirty="0" err="1">
                 <a:latin typeface="나눔스퀘어" panose="020B0600000101010101" pitchFamily="50" charset="-127"/>
                 <a:ea typeface="나눔스퀘어" panose="020B0600000101010101" pitchFamily="50" charset="-127"/>
               </a:rPr>
               <a:t>document.documentElemnet</a:t>
             </a:r>
             <a:r>
-              <a:rPr lang="en-US" altLang="ko-KR" sz="1400">
+              <a:rPr lang="en-US" altLang="ko-KR" sz="1400" dirty="0">
                 <a:latin typeface="나눔스퀘어" panose="020B0600000101010101" pitchFamily="50" charset="-127"/>
                 <a:ea typeface="나눔스퀘어" panose="020B0600000101010101" pitchFamily="50" charset="-127"/>
               </a:rPr>
@@ -3903,62 +3971,62 @@
           <a:p>
             <a:pPr algn="ctr"/>
             <a:r>
-              <a:rPr lang="en-US" altLang="ko-KR" sz="1400">
+              <a:rPr lang="en-US" altLang="ko-KR" sz="1400" dirty="0">
                 <a:latin typeface="나눔스퀘어" panose="020B0600000101010101" pitchFamily="50" charset="-127"/>
                 <a:ea typeface="나눔스퀘어" panose="020B0600000101010101" pitchFamily="50" charset="-127"/>
               </a:rPr>
               <a:t>// </a:t>
             </a:r>
             <a:r>
-              <a:rPr lang="en-US" altLang="ko-KR" sz="1400" err="1">
+              <a:rPr lang="en-US" altLang="ko-KR" sz="1400" dirty="0" err="1">
                 <a:latin typeface="나눔스퀘어" panose="020B0600000101010101" pitchFamily="50" charset="-127"/>
                 <a:ea typeface="나눔스퀘어" panose="020B0600000101010101" pitchFamily="50" charset="-127"/>
               </a:rPr>
               <a:t>document.getElementById</a:t>
             </a:r>
             <a:r>
-              <a:rPr lang="en-US" altLang="ko-KR" sz="1400">
+              <a:rPr lang="en-US" altLang="ko-KR" sz="1400" dirty="0">
                 <a:latin typeface="나눔스퀘어" panose="020B0600000101010101" pitchFamily="50" charset="-127"/>
                 <a:ea typeface="나눔스퀘어" panose="020B0600000101010101" pitchFamily="50" charset="-127"/>
               </a:rPr>
               <a:t>(</a:t>
             </a:r>
             <a:r>
-              <a:rPr lang="en-US" altLang="ko-KR" sz="1400" err="1">
+              <a:rPr lang="en-US" altLang="ko-KR" sz="1400" dirty="0" err="1">
                 <a:latin typeface="나눔스퀘어" panose="020B0600000101010101" pitchFamily="50" charset="-127"/>
                 <a:ea typeface="나눔스퀘어" panose="020B0600000101010101" pitchFamily="50" charset="-127"/>
               </a:rPr>
               <a:t>getElementsByClass</a:t>
             </a:r>
             <a:r>
-              <a:rPr lang="en-US" altLang="ko-KR" sz="1400">
+              <a:rPr lang="en-US" altLang="ko-KR" sz="1400" dirty="0">
                 <a:latin typeface="나눔스퀘어" panose="020B0600000101010101" pitchFamily="50" charset="-127"/>
                 <a:ea typeface="나눔스퀘어" panose="020B0600000101010101" pitchFamily="50" charset="-127"/>
               </a:rPr>
               <a:t>)  </a:t>
             </a:r>
             <a:r>
-              <a:rPr lang="ko-KR" altLang="en-US" sz="1400">
+              <a:rPr lang="ko-KR" altLang="en-US" sz="1400" dirty="0">
                 <a:latin typeface="나눔스퀘어" panose="020B0600000101010101" pitchFamily="50" charset="-127"/>
                 <a:ea typeface="나눔스퀘어" panose="020B0600000101010101" pitchFamily="50" charset="-127"/>
               </a:rPr>
               <a:t>와 같은 방식으로 접근</a:t>
             </a:r>
-            <a:endParaRPr lang="en-US" altLang="ko-KR" sz="1400">
+            <a:endParaRPr lang="en-US" altLang="ko-KR" sz="1400" dirty="0">
               <a:latin typeface="나눔스퀘어" panose="020B0600000101010101" pitchFamily="50" charset="-127"/>
               <a:ea typeface="나눔스퀘어" panose="020B0600000101010101" pitchFamily="50" charset="-127"/>
             </a:endParaRPr>
           </a:p>
           <a:p>
             <a:pPr algn="ctr"/>
-            <a:endParaRPr lang="en-US" altLang="ko-KR" sz="1600">
+            <a:endParaRPr lang="en-US" altLang="ko-KR" sz="1600" dirty="0">
               <a:latin typeface="나눔스퀘어" panose="020B0600000101010101" pitchFamily="50" charset="-127"/>
               <a:ea typeface="나눔스퀘어" panose="020B0600000101010101" pitchFamily="50" charset="-127"/>
             </a:endParaRPr>
           </a:p>
           <a:p>
             <a:pPr algn="ctr"/>
-            <a:endParaRPr lang="en-US" altLang="ko-KR" sz="1600">
+            <a:endParaRPr lang="en-US" altLang="ko-KR" sz="1600" dirty="0">
               <a:latin typeface="나눔스퀘어" panose="020B0600000101010101" pitchFamily="50" charset="-127"/>
               <a:ea typeface="나눔스퀘어" panose="020B0600000101010101" pitchFamily="50" charset="-127"/>
             </a:endParaRPr>
@@ -3966,34 +4034,34 @@
           <a:p>
             <a:pPr algn="ctr"/>
             <a:r>
-              <a:rPr lang="en-US" altLang="ko-KR" sz="2000" b="1" err="1">
+              <a:rPr lang="en-US" altLang="ko-KR" sz="2000" b="1" dirty="0" err="1">
                 <a:latin typeface="나눔스퀘어" panose="020B0600000101010101" pitchFamily="50" charset="-127"/>
                 <a:ea typeface="나눔스퀘어" panose="020B0600000101010101" pitchFamily="50" charset="-127"/>
               </a:rPr>
               <a:t>offsetHeight</a:t>
             </a:r>
             <a:r>
-              <a:rPr lang="en-US" altLang="ko-KR" sz="2000" b="1">
+              <a:rPr lang="en-US" altLang="ko-KR" sz="2000" b="1" dirty="0">
                 <a:latin typeface="나눔스퀘어" panose="020B0600000101010101" pitchFamily="50" charset="-127"/>
                 <a:ea typeface="나눔스퀘어" panose="020B0600000101010101" pitchFamily="50" charset="-127"/>
               </a:rPr>
               <a:t> </a:t>
             </a:r>
             <a:r>
-              <a:rPr lang="ko-KR" altLang="en-US" sz="2000" b="1">
+              <a:rPr lang="ko-KR" altLang="en-US" sz="2000" b="1" dirty="0">
                 <a:latin typeface="나눔스퀘어" panose="020B0600000101010101" pitchFamily="50" charset="-127"/>
                 <a:ea typeface="나눔스퀘어" panose="020B0600000101010101" pitchFamily="50" charset="-127"/>
               </a:rPr>
               <a:t>또는 </a:t>
             </a:r>
             <a:r>
-              <a:rPr lang="en-US" altLang="ko-KR" sz="2000" b="1" err="1">
+              <a:rPr lang="en-US" altLang="ko-KR" sz="2000" b="1" dirty="0" err="1">
                 <a:latin typeface="나눔스퀘어" panose="020B0600000101010101" pitchFamily="50" charset="-127"/>
                 <a:ea typeface="나눔스퀘어" panose="020B0600000101010101" pitchFamily="50" charset="-127"/>
               </a:rPr>
               <a:t>scrollHeight</a:t>
             </a:r>
-            <a:endParaRPr lang="en-US" altLang="ko-KR" sz="2000" b="1">
+            <a:endParaRPr lang="en-US" altLang="ko-KR" sz="2000" b="1" dirty="0">
               <a:latin typeface="나눔스퀘어" panose="020B0600000101010101" pitchFamily="50" charset="-127"/>
               <a:ea typeface="나눔스퀘어" panose="020B0600000101010101" pitchFamily="50" charset="-127"/>
             </a:endParaRPr>
@@ -4001,76 +4069,76 @@
           <a:p>
             <a:pPr algn="ctr"/>
             <a:r>
-              <a:rPr lang="en-US" altLang="ko-KR" sz="1400">
+              <a:rPr lang="en-US" altLang="ko-KR" sz="1400" dirty="0">
                 <a:latin typeface="나눔스퀘어" panose="020B0600000101010101" pitchFamily="50" charset="-127"/>
                 <a:ea typeface="나눔스퀘어" panose="020B0600000101010101" pitchFamily="50" charset="-127"/>
               </a:rPr>
               <a:t>// document</a:t>
             </a:r>
             <a:r>
-              <a:rPr lang="ko-KR" altLang="en-US" sz="1400">
+              <a:rPr lang="ko-KR" altLang="en-US" sz="1400" dirty="0">
                 <a:latin typeface="나눔스퀘어" panose="020B0600000101010101" pitchFamily="50" charset="-127"/>
                 <a:ea typeface="나눔스퀘어" panose="020B0600000101010101" pitchFamily="50" charset="-127"/>
               </a:rPr>
               <a:t>의 높이</a:t>
             </a:r>
-            <a:endParaRPr lang="en-US" altLang="ko-KR" sz="1400">
+            <a:endParaRPr lang="en-US" altLang="ko-KR" sz="1400" dirty="0">
               <a:latin typeface="나눔스퀘어" panose="020B0600000101010101" pitchFamily="50" charset="-127"/>
               <a:ea typeface="나눔스퀘어" panose="020B0600000101010101" pitchFamily="50" charset="-127"/>
             </a:endParaRPr>
           </a:p>
           <a:p>
             <a:pPr algn="ctr"/>
-            <a:endParaRPr lang="en-US" altLang="ko-KR" sz="1600">
+            <a:endParaRPr lang="en-US" altLang="ko-KR" sz="1600" dirty="0">
               <a:latin typeface="나눔스퀘어" panose="020B0600000101010101" pitchFamily="50" charset="-127"/>
               <a:ea typeface="나눔스퀘어" panose="020B0600000101010101" pitchFamily="50" charset="-127"/>
             </a:endParaRPr>
           </a:p>
           <a:p>
             <a:pPr algn="ctr"/>
-            <a:endParaRPr lang="en-US" altLang="ko-KR" sz="1600">
+            <a:endParaRPr lang="en-US" altLang="ko-KR" sz="1600" dirty="0">
               <a:latin typeface="나눔스퀘어" panose="020B0600000101010101" pitchFamily="50" charset="-127"/>
               <a:ea typeface="나눔스퀘어" panose="020B0600000101010101" pitchFamily="50" charset="-127"/>
             </a:endParaRPr>
           </a:p>
           <a:p>
             <a:pPr algn="ctr"/>
-            <a:endParaRPr lang="en-US" altLang="ko-KR" sz="1600">
+            <a:endParaRPr lang="en-US" altLang="ko-KR" sz="1600" dirty="0">
               <a:latin typeface="나눔스퀘어" panose="020B0600000101010101" pitchFamily="50" charset="-127"/>
               <a:ea typeface="나눔스퀘어" panose="020B0600000101010101" pitchFamily="50" charset="-127"/>
             </a:endParaRPr>
           </a:p>
           <a:p>
             <a:pPr algn="ctr"/>
-            <a:endParaRPr lang="en-US" altLang="ko-KR" sz="1600">
+            <a:endParaRPr lang="en-US" altLang="ko-KR" sz="1600" dirty="0">
               <a:latin typeface="나눔스퀘어" panose="020B0600000101010101" pitchFamily="50" charset="-127"/>
               <a:ea typeface="나눔스퀘어" panose="020B0600000101010101" pitchFamily="50" charset="-127"/>
             </a:endParaRPr>
           </a:p>
           <a:p>
             <a:pPr algn="ctr"/>
-            <a:endParaRPr lang="en-US" altLang="ko-KR" sz="1600">
+            <a:endParaRPr lang="en-US" altLang="ko-KR" sz="1600" dirty="0">
               <a:latin typeface="나눔스퀘어" panose="020B0600000101010101" pitchFamily="50" charset="-127"/>
               <a:ea typeface="나눔스퀘어" panose="020B0600000101010101" pitchFamily="50" charset="-127"/>
             </a:endParaRPr>
           </a:p>
           <a:p>
             <a:pPr algn="ctr"/>
-            <a:endParaRPr lang="en-US" altLang="ko-KR" sz="1600">
+            <a:endParaRPr lang="en-US" altLang="ko-KR" sz="1600" dirty="0">
               <a:latin typeface="나눔스퀘어" panose="020B0600000101010101" pitchFamily="50" charset="-127"/>
               <a:ea typeface="나눔스퀘어" panose="020B0600000101010101" pitchFamily="50" charset="-127"/>
             </a:endParaRPr>
           </a:p>
           <a:p>
             <a:pPr algn="ctr"/>
-            <a:endParaRPr lang="en-US" altLang="ko-KR" sz="1600">
+            <a:endParaRPr lang="en-US" altLang="ko-KR" sz="1600" dirty="0">
               <a:latin typeface="나눔스퀘어" panose="020B0600000101010101" pitchFamily="50" charset="-127"/>
               <a:ea typeface="나눔스퀘어" panose="020B0600000101010101" pitchFamily="50" charset="-127"/>
             </a:endParaRPr>
           </a:p>
           <a:p>
             <a:pPr algn="ctr"/>
-            <a:endParaRPr lang="en-US" altLang="ko-KR" sz="2000" b="1">
+            <a:endParaRPr lang="en-US" altLang="ko-KR" sz="2000" b="1" dirty="0">
               <a:latin typeface="나눔스퀘어" panose="020B0600000101010101" pitchFamily="50" charset="-127"/>
               <a:ea typeface="나눔스퀘어" panose="020B0600000101010101" pitchFamily="50" charset="-127"/>
             </a:endParaRPr>
@@ -4078,28 +4146,28 @@
           <a:p>
             <a:pPr algn="ctr"/>
             <a:r>
-              <a:rPr lang="en-US" altLang="ko-KR" sz="2000" b="1" err="1">
+              <a:rPr lang="en-US" altLang="ko-KR" sz="2000" b="1" dirty="0" err="1">
                 <a:latin typeface="나눔스퀘어" panose="020B0600000101010101" pitchFamily="50" charset="-127"/>
                 <a:ea typeface="나눔스퀘어" panose="020B0600000101010101" pitchFamily="50" charset="-127"/>
               </a:rPr>
               <a:t>Math.max</a:t>
             </a:r>
             <a:r>
-              <a:rPr lang="en-US" altLang="ko-KR" sz="2000" b="1">
+              <a:rPr lang="en-US" altLang="ko-KR" sz="2000" b="1" dirty="0">
                 <a:latin typeface="나눔스퀘어" panose="020B0600000101010101" pitchFamily="50" charset="-127"/>
                 <a:ea typeface="나눔스퀘어" panose="020B0600000101010101" pitchFamily="50" charset="-127"/>
               </a:rPr>
               <a:t>(</a:t>
             </a:r>
             <a:r>
-              <a:rPr lang="en-US" altLang="ko-KR" sz="2000" b="1" err="1">
+              <a:rPr lang="en-US" altLang="ko-KR" sz="2000" b="1" dirty="0" err="1">
                 <a:latin typeface="나눔스퀘어" panose="020B0600000101010101" pitchFamily="50" charset="-127"/>
                 <a:ea typeface="나눔스퀘어" panose="020B0600000101010101" pitchFamily="50" charset="-127"/>
               </a:rPr>
               <a:t>a,b</a:t>
             </a:r>
             <a:r>
-              <a:rPr lang="en-US" altLang="ko-KR" sz="2000" b="1">
+              <a:rPr lang="en-US" altLang="ko-KR" sz="2000" b="1" dirty="0">
                 <a:latin typeface="나눔스퀘어" panose="020B0600000101010101" pitchFamily="50" charset="-127"/>
                 <a:ea typeface="나눔스퀘어" panose="020B0600000101010101" pitchFamily="50" charset="-127"/>
               </a:rPr>
@@ -4109,35 +4177,35 @@
           <a:p>
             <a:pPr algn="ctr"/>
             <a:r>
-              <a:rPr lang="en-US" altLang="ko-KR" sz="1400">
+              <a:rPr lang="en-US" altLang="ko-KR" sz="1400" dirty="0">
                 <a:latin typeface="나눔스퀘어" panose="020B0600000101010101" pitchFamily="50" charset="-127"/>
                 <a:ea typeface="나눔스퀘어" panose="020B0600000101010101" pitchFamily="50" charset="-127"/>
               </a:rPr>
               <a:t>// a</a:t>
             </a:r>
             <a:r>
-              <a:rPr lang="ko-KR" altLang="en-US" sz="1400">
+              <a:rPr lang="ko-KR" altLang="en-US" sz="1400" dirty="0">
                 <a:latin typeface="나눔스퀘어" panose="020B0600000101010101" pitchFamily="50" charset="-127"/>
                 <a:ea typeface="나눔스퀘어" panose="020B0600000101010101" pitchFamily="50" charset="-127"/>
               </a:rPr>
               <a:t>와 </a:t>
             </a:r>
             <a:r>
-              <a:rPr lang="en-US" altLang="ko-KR" sz="1400">
+              <a:rPr lang="en-US" altLang="ko-KR" sz="1400" dirty="0">
                 <a:latin typeface="나눔스퀘어" panose="020B0600000101010101" pitchFamily="50" charset="-127"/>
                 <a:ea typeface="나눔스퀘어" panose="020B0600000101010101" pitchFamily="50" charset="-127"/>
               </a:rPr>
               <a:t>b</a:t>
             </a:r>
             <a:r>
-              <a:rPr lang="ko-KR" altLang="en-US" sz="1400">
+              <a:rPr lang="ko-KR" altLang="en-US" sz="1400" dirty="0">
                 <a:latin typeface="나눔스퀘어" panose="020B0600000101010101" pitchFamily="50" charset="-127"/>
                 <a:ea typeface="나눔스퀘어" panose="020B0600000101010101" pitchFamily="50" charset="-127"/>
               </a:rPr>
               <a:t>의 값 중 큰 값을 출력한다</a:t>
             </a:r>
             <a:r>
-              <a:rPr lang="en-US" altLang="ko-KR" sz="1400">
+              <a:rPr lang="en-US" altLang="ko-KR" sz="1400" dirty="0">
                 <a:latin typeface="나눔스퀘어" panose="020B0600000101010101" pitchFamily="50" charset="-127"/>
                 <a:ea typeface="나눔스퀘어" panose="020B0600000101010101" pitchFamily="50" charset="-127"/>
               </a:rPr>
@@ -4238,20 +4306,14 @@
       </p:grpSpPr>
       <p:sp>
         <p:nvSpPr>
-          <p:cNvPr id="12" name="TextBox 11">
-            <a:extLst>
-              <a:ext uri="{FF2B5EF4-FFF2-40B4-BE49-F238E27FC236}">
-                <a16:creationId xmlns:a16="http://schemas.microsoft.com/office/drawing/2014/main" id="{6B337C63-1934-4D88-B8CA-059D3B3A34AC}"/>
-              </a:ext>
-            </a:extLst>
-          </p:cNvPr>
+          <p:cNvPr id="4" name="TextBox 3"/>
           <p:cNvSpPr txBox="1"/>
           <p:nvPr/>
         </p:nvSpPr>
         <p:spPr>
           <a:xfrm>
-            <a:off x="5700" y="3228945"/>
-            <a:ext cx="9144000" cy="400110"/>
+            <a:off x="2960" y="2136338"/>
+            <a:ext cx="9144000" cy="2585323"/>
           </a:xfrm>
           <a:prstGeom prst="rect">
             <a:avLst/>
@@ -4266,37 +4328,358 @@
           <a:p>
             <a:pPr algn="ctr"/>
             <a:r>
-              <a:rPr lang="en-US" altLang="ko-KR" sz="2000" b="1">
-                <a:latin typeface="나눔스퀘어" panose="020B0600000101010101" pitchFamily="50" charset="-127"/>
-                <a:ea typeface="나눔스퀘어" panose="020B0600000101010101" pitchFamily="50" charset="-127"/>
-              </a:rPr>
-              <a:t>2. Top</a:t>
-            </a:r>
-            <a:r>
-              <a:rPr lang="ko-KR" altLang="en-US" sz="2000" b="1">
-                <a:latin typeface="나눔스퀘어" panose="020B0600000101010101" pitchFamily="50" charset="-127"/>
-                <a:ea typeface="나눔스퀘어" panose="020B0600000101010101" pitchFamily="50" charset="-127"/>
-              </a:rPr>
-              <a:t>버튼을 클릭하면 페이지 최상단으로 서서히 올라간다</a:t>
-            </a:r>
-            <a:r>
-              <a:rPr lang="en-US" altLang="ko-KR" sz="2000" b="1">
+              <a:rPr lang="en-US" altLang="ko-KR" sz="2000" b="1" dirty="0" err="1">
+                <a:latin typeface="나눔스퀘어" panose="020B0600000101010101" pitchFamily="50" charset="-127"/>
+                <a:ea typeface="나눔스퀘어" panose="020B0600000101010101" pitchFamily="50" charset="-127"/>
+              </a:rPr>
+              <a:t>window.addEventListener</a:t>
+            </a:r>
+            <a:r>
+              <a:rPr lang="en-US" altLang="ko-KR" sz="2000" b="1" dirty="0">
+                <a:latin typeface="나눔스퀘어" panose="020B0600000101010101" pitchFamily="50" charset="-127"/>
+                <a:ea typeface="나눔스퀘어" panose="020B0600000101010101" pitchFamily="50" charset="-127"/>
+              </a:rPr>
+              <a:t>(‘scroll’(</a:t>
+            </a:r>
+            <a:r>
+              <a:rPr lang="ko-KR" altLang="en-US" sz="2000" b="1" dirty="0">
+                <a:latin typeface="나눔스퀘어" panose="020B0600000101010101" pitchFamily="50" charset="-127"/>
+                <a:ea typeface="나눔스퀘어" panose="020B0600000101010101" pitchFamily="50" charset="-127"/>
+              </a:rPr>
+              <a:t>행동</a:t>
+            </a:r>
+            <a:r>
+              <a:rPr lang="en-US" altLang="ko-KR" sz="2000" b="1" dirty="0">
+                <a:latin typeface="나눔스퀘어" panose="020B0600000101010101" pitchFamily="50" charset="-127"/>
+                <a:ea typeface="나눔스퀘어" panose="020B0600000101010101" pitchFamily="50" charset="-127"/>
+              </a:rPr>
+              <a:t>), </a:t>
+            </a:r>
+            <a:r>
+              <a:rPr lang="ko-KR" altLang="en-US" sz="2000" b="1" dirty="0">
+                <a:latin typeface="나눔스퀘어" panose="020B0600000101010101" pitchFamily="50" charset="-127"/>
+                <a:ea typeface="나눔스퀘어" panose="020B0600000101010101" pitchFamily="50" charset="-127"/>
+              </a:rPr>
+              <a:t>할 일</a:t>
+            </a:r>
+            <a:r>
+              <a:rPr lang="en-US" altLang="ko-KR" sz="2000" b="1" dirty="0">
+                <a:latin typeface="나눔스퀘어" panose="020B0600000101010101" pitchFamily="50" charset="-127"/>
+                <a:ea typeface="나눔스퀘어" panose="020B0600000101010101" pitchFamily="50" charset="-127"/>
+              </a:rPr>
+              <a:t>)</a:t>
+            </a:r>
+          </a:p>
+          <a:p>
+            <a:pPr algn="ctr"/>
+            <a:r>
+              <a:rPr lang="en-US" altLang="ko-KR" sz="1400" dirty="0">
+                <a:latin typeface="나눔스퀘어" panose="020B0600000101010101" pitchFamily="50" charset="-127"/>
+                <a:ea typeface="나눔스퀘어" panose="020B0600000101010101" pitchFamily="50" charset="-127"/>
+              </a:rPr>
+              <a:t>// scroll</a:t>
+            </a:r>
+            <a:r>
+              <a:rPr lang="ko-KR" altLang="en-US" sz="1400" dirty="0">
+                <a:latin typeface="나눔스퀘어" panose="020B0600000101010101" pitchFamily="50" charset="-127"/>
+                <a:ea typeface="나눔스퀘어" panose="020B0600000101010101" pitchFamily="50" charset="-127"/>
+              </a:rPr>
+              <a:t> 할 때 할 일을 실행한다</a:t>
+            </a:r>
+            <a:r>
+              <a:rPr lang="en-US" altLang="ko-KR" sz="1400" dirty="0">
                 <a:latin typeface="나눔스퀘어" panose="020B0600000101010101" pitchFamily="50" charset="-127"/>
                 <a:ea typeface="나눔스퀘어" panose="020B0600000101010101" pitchFamily="50" charset="-127"/>
               </a:rPr>
               <a:t>.</a:t>
             </a:r>
-            <a:endParaRPr lang="en-US" altLang="ko-KR" sz="1400" b="1">
+          </a:p>
+          <a:p>
+            <a:pPr algn="ctr"/>
+            <a:endParaRPr lang="en-US" altLang="ko-KR" sz="2000" b="1" dirty="0">
               <a:latin typeface="나눔스퀘어" panose="020B0600000101010101" pitchFamily="50" charset="-127"/>
               <a:ea typeface="나눔스퀘어" panose="020B0600000101010101" pitchFamily="50" charset="-127"/>
             </a:endParaRPr>
           </a:p>
+          <a:p>
+            <a:pPr algn="ctr"/>
+            <a:r>
+              <a:rPr lang="en-US" altLang="ko-KR" sz="2000" b="1" dirty="0">
+                <a:latin typeface="나눔스퀘어" panose="020B0600000101010101" pitchFamily="50" charset="-127"/>
+                <a:ea typeface="나눔스퀘어" panose="020B0600000101010101" pitchFamily="50" charset="-127"/>
+              </a:rPr>
+              <a:t> </a:t>
+            </a:r>
+            <a:r>
+              <a:rPr lang="en-US" altLang="ko-KR" sz="2000" b="1" dirty="0" err="1">
+                <a:latin typeface="나눔스퀘어" panose="020B0600000101010101" pitchFamily="50" charset="-127"/>
+                <a:ea typeface="나눔스퀘어" panose="020B0600000101010101" pitchFamily="50" charset="-127"/>
+              </a:rPr>
+              <a:t>Element.className</a:t>
+            </a:r>
+            <a:r>
+              <a:rPr lang="en-US" altLang="ko-KR" sz="2000" b="1" dirty="0">
+                <a:latin typeface="나눔스퀘어" panose="020B0600000101010101" pitchFamily="50" charset="-127"/>
+                <a:ea typeface="나눔스퀘어" panose="020B0600000101010101" pitchFamily="50" charset="-127"/>
+              </a:rPr>
+              <a:t>, </a:t>
+            </a:r>
+            <a:r>
+              <a:rPr lang="en-US" altLang="ko-KR" sz="2000" b="1" dirty="0" err="1">
+                <a:latin typeface="나눔스퀘어" panose="020B0600000101010101" pitchFamily="50" charset="-127"/>
+                <a:ea typeface="나눔스퀘어" panose="020B0600000101010101" pitchFamily="50" charset="-127"/>
+              </a:rPr>
+              <a:t>Element.classList.add</a:t>
+            </a:r>
+            <a:r>
+              <a:rPr lang="ko-KR" altLang="en-US" sz="2000" b="1" dirty="0">
+                <a:latin typeface="나눔스퀘어" panose="020B0600000101010101" pitchFamily="50" charset="-127"/>
+                <a:ea typeface="나눔스퀘어" panose="020B0600000101010101" pitchFamily="50" charset="-127"/>
+              </a:rPr>
+              <a:t>의 차이점</a:t>
+            </a:r>
+            <a:endParaRPr lang="en-US" altLang="ko-KR" sz="2000" b="1" dirty="0">
+              <a:latin typeface="나눔스퀘어" panose="020B0600000101010101" pitchFamily="50" charset="-127"/>
+              <a:ea typeface="나눔스퀘어" panose="020B0600000101010101" pitchFamily="50" charset="-127"/>
+            </a:endParaRPr>
+          </a:p>
+          <a:p>
+            <a:pPr algn="ctr"/>
+            <a:r>
+              <a:rPr lang="en-US" altLang="ko-KR" sz="1400" dirty="0">
+                <a:latin typeface="나눔스퀘어" panose="020B0600000101010101" pitchFamily="50" charset="-127"/>
+                <a:ea typeface="나눔스퀘어" panose="020B0600000101010101" pitchFamily="50" charset="-127"/>
+              </a:rPr>
+              <a:t>// </a:t>
+            </a:r>
+            <a:r>
+              <a:rPr lang="en-US" altLang="ko-KR" sz="1400" dirty="0" err="1">
+                <a:latin typeface="나눔스퀘어" panose="020B0600000101010101" pitchFamily="50" charset="-127"/>
+                <a:ea typeface="나눔스퀘어" panose="020B0600000101010101" pitchFamily="50" charset="-127"/>
+              </a:rPr>
+              <a:t>className</a:t>
+            </a:r>
+            <a:r>
+              <a:rPr lang="ko-KR" altLang="en-US" sz="1400" dirty="0">
+                <a:latin typeface="나눔스퀘어" panose="020B0600000101010101" pitchFamily="50" charset="-127"/>
+                <a:ea typeface="나눔스퀘어" panose="020B0600000101010101" pitchFamily="50" charset="-127"/>
+              </a:rPr>
+              <a:t>은 </a:t>
+            </a:r>
+            <a:r>
+              <a:rPr lang="en-US" altLang="ko-KR" sz="1400" dirty="0">
+                <a:latin typeface="나눔스퀘어" panose="020B0600000101010101" pitchFamily="50" charset="-127"/>
+                <a:ea typeface="나눔스퀘어" panose="020B0600000101010101" pitchFamily="50" charset="-127"/>
+              </a:rPr>
+              <a:t>class </a:t>
+            </a:r>
+            <a:r>
+              <a:rPr lang="ko-KR" altLang="en-US" sz="1400" dirty="0">
+                <a:latin typeface="나눔스퀘어" panose="020B0600000101010101" pitchFamily="50" charset="-127"/>
+                <a:ea typeface="나눔스퀘어" panose="020B0600000101010101" pitchFamily="50" charset="-127"/>
+              </a:rPr>
+              <a:t>전체를 </a:t>
+            </a:r>
+            <a:r>
+              <a:rPr lang="en-US" altLang="ko-KR" sz="1400" dirty="0">
+                <a:latin typeface="나눔스퀘어" panose="020B0600000101010101" pitchFamily="50" charset="-127"/>
+                <a:ea typeface="나눔스퀘어" panose="020B0600000101010101" pitchFamily="50" charset="-127"/>
+              </a:rPr>
+              <a:t>“#”</a:t>
+            </a:r>
+            <a:r>
+              <a:rPr lang="ko-KR" altLang="en-US" sz="1400" dirty="0">
+                <a:latin typeface="나눔스퀘어" panose="020B0600000101010101" pitchFamily="50" charset="-127"/>
+                <a:ea typeface="나눔스퀘어" panose="020B0600000101010101" pitchFamily="50" charset="-127"/>
+              </a:rPr>
+              <a:t>으로 변경</a:t>
+            </a:r>
+            <a:endParaRPr lang="en-US" altLang="ko-KR" sz="1400" dirty="0">
+              <a:latin typeface="나눔스퀘어" panose="020B0600000101010101" pitchFamily="50" charset="-127"/>
+              <a:ea typeface="나눔스퀘어" panose="020B0600000101010101" pitchFamily="50" charset="-127"/>
+            </a:endParaRPr>
+          </a:p>
+          <a:p>
+            <a:pPr algn="ctr"/>
+            <a:r>
+              <a:rPr lang="en-US" altLang="ko-KR" sz="1400" dirty="0">
+                <a:latin typeface="나눔스퀘어" panose="020B0600000101010101" pitchFamily="50" charset="-127"/>
+                <a:ea typeface="나눔스퀘어" panose="020B0600000101010101" pitchFamily="50" charset="-127"/>
+              </a:rPr>
+              <a:t>// </a:t>
+            </a:r>
+            <a:r>
+              <a:rPr lang="en-US" altLang="ko-KR" sz="1400" dirty="0" err="1">
+                <a:latin typeface="나눔스퀘어" panose="020B0600000101010101" pitchFamily="50" charset="-127"/>
+                <a:ea typeface="나눔스퀘어" panose="020B0600000101010101" pitchFamily="50" charset="-127"/>
+              </a:rPr>
+              <a:t>classList.add</a:t>
+            </a:r>
+            <a:r>
+              <a:rPr lang="ko-KR" altLang="en-US" sz="1400" dirty="0">
+                <a:latin typeface="나눔스퀘어" panose="020B0600000101010101" pitchFamily="50" charset="-127"/>
+                <a:ea typeface="나눔스퀘어" panose="020B0600000101010101" pitchFamily="50" charset="-127"/>
+              </a:rPr>
+              <a:t>는 </a:t>
+            </a:r>
+            <a:r>
+              <a:rPr lang="en-US" altLang="ko-KR" sz="1400" dirty="0">
+                <a:latin typeface="나눔스퀘어" panose="020B0600000101010101" pitchFamily="50" charset="-127"/>
+                <a:ea typeface="나눔스퀘어" panose="020B0600000101010101" pitchFamily="50" charset="-127"/>
+              </a:rPr>
+              <a:t>class</a:t>
+            </a:r>
+            <a:r>
+              <a:rPr lang="ko-KR" altLang="en-US" sz="1400" dirty="0">
+                <a:latin typeface="나눔스퀘어" panose="020B0600000101010101" pitchFamily="50" charset="-127"/>
+                <a:ea typeface="나눔스퀘어" panose="020B0600000101010101" pitchFamily="50" charset="-127"/>
+              </a:rPr>
+              <a:t>가 존재할 때 </a:t>
+            </a:r>
+            <a:r>
+              <a:rPr lang="en-US" altLang="ko-KR" sz="1400" dirty="0">
+                <a:latin typeface="나눔스퀘어" panose="020B0600000101010101" pitchFamily="50" charset="-127"/>
+                <a:ea typeface="나눔스퀘어" panose="020B0600000101010101" pitchFamily="50" charset="-127"/>
+              </a:rPr>
+              <a:t>“#”</a:t>
+            </a:r>
+            <a:r>
+              <a:rPr lang="ko-KR" altLang="en-US" sz="1400" dirty="0">
+                <a:latin typeface="나눔스퀘어" panose="020B0600000101010101" pitchFamily="50" charset="-127"/>
+                <a:ea typeface="나눔스퀘어" panose="020B0600000101010101" pitchFamily="50" charset="-127"/>
+              </a:rPr>
+              <a:t>을 추가</a:t>
+            </a:r>
+            <a:endParaRPr lang="en-US" altLang="ko-KR" sz="1400" dirty="0">
+              <a:latin typeface="나눔스퀘어" panose="020B0600000101010101" pitchFamily="50" charset="-127"/>
+              <a:ea typeface="나눔스퀘어" panose="020B0600000101010101" pitchFamily="50" charset="-127"/>
+            </a:endParaRPr>
+          </a:p>
+          <a:p>
+            <a:pPr algn="ctr"/>
+            <a:endParaRPr lang="en-US" altLang="ko-KR" sz="2000" b="1" dirty="0">
+              <a:latin typeface="나눔스퀘어" panose="020B0600000101010101" pitchFamily="50" charset="-127"/>
+              <a:ea typeface="나눔스퀘어" panose="020B0600000101010101" pitchFamily="50" charset="-127"/>
+            </a:endParaRPr>
+          </a:p>
+          <a:p>
+            <a:pPr algn="ctr"/>
+            <a:r>
+              <a:rPr lang="en-US" altLang="ko-KR" sz="2000" b="1" dirty="0">
+                <a:latin typeface="나눔스퀘어" panose="020B0600000101010101" pitchFamily="50" charset="-127"/>
+                <a:ea typeface="나눔스퀘어" panose="020B0600000101010101" pitchFamily="50" charset="-127"/>
+              </a:rPr>
+              <a:t>if (</a:t>
+            </a:r>
+            <a:r>
+              <a:rPr lang="ko-KR" altLang="en-US" sz="2000" b="1" dirty="0">
+                <a:latin typeface="나눔스퀘어" panose="020B0600000101010101" pitchFamily="50" charset="-127"/>
+                <a:ea typeface="나눔스퀘어" panose="020B0600000101010101" pitchFamily="50" charset="-127"/>
+              </a:rPr>
+              <a:t>조건</a:t>
+            </a:r>
+            <a:r>
+              <a:rPr lang="en-US" altLang="ko-KR" sz="2000" b="1" dirty="0">
+                <a:latin typeface="나눔스퀘어" panose="020B0600000101010101" pitchFamily="50" charset="-127"/>
+                <a:ea typeface="나눔스퀘어" panose="020B0600000101010101" pitchFamily="50" charset="-127"/>
+              </a:rPr>
+              <a:t>) {#</a:t>
+            </a:r>
+            <a:r>
+              <a:rPr lang="ko-KR" altLang="en-US" sz="2000" b="1" dirty="0">
+                <a:latin typeface="나눔스퀘어" panose="020B0600000101010101" pitchFamily="50" charset="-127"/>
+                <a:ea typeface="나눔스퀘어" panose="020B0600000101010101" pitchFamily="50" charset="-127"/>
+              </a:rPr>
+              <a:t> </a:t>
+            </a:r>
+            <a:r>
+              <a:rPr lang="en-US" altLang="ko-KR" sz="2000" b="1" dirty="0">
+                <a:latin typeface="나눔스퀘어" panose="020B0600000101010101" pitchFamily="50" charset="-127"/>
+                <a:ea typeface="나눔스퀘어" panose="020B0600000101010101" pitchFamily="50" charset="-127"/>
+              </a:rPr>
+              <a:t>=</a:t>
+            </a:r>
+            <a:r>
+              <a:rPr lang="ko-KR" altLang="en-US" sz="2000" b="1" dirty="0">
+                <a:latin typeface="나눔스퀘어" panose="020B0600000101010101" pitchFamily="50" charset="-127"/>
+                <a:ea typeface="나눔스퀘어" panose="020B0600000101010101" pitchFamily="50" charset="-127"/>
+              </a:rPr>
+              <a:t> </a:t>
+            </a:r>
+            <a:r>
+              <a:rPr lang="en-US" altLang="ko-KR" sz="2000" b="1" dirty="0">
+                <a:latin typeface="나눔스퀘어" panose="020B0600000101010101" pitchFamily="50" charset="-127"/>
+                <a:ea typeface="나눔스퀘어" panose="020B0600000101010101" pitchFamily="50" charset="-127"/>
+              </a:rPr>
+              <a:t>a} else {# = b} </a:t>
+            </a:r>
+            <a:r>
+              <a:rPr lang="en-US" altLang="ko-KR" sz="1400" dirty="0">
+                <a:latin typeface="나눔스퀘어" panose="020B0600000101010101" pitchFamily="50" charset="-127"/>
+                <a:ea typeface="나눔스퀘어" panose="020B0600000101010101" pitchFamily="50" charset="-127"/>
+              </a:rPr>
+              <a:t>// </a:t>
+            </a:r>
+            <a:r>
+              <a:rPr lang="ko-KR" altLang="en-US" sz="1400" dirty="0">
+                <a:latin typeface="나눔스퀘어" panose="020B0600000101010101" pitchFamily="50" charset="-127"/>
+                <a:ea typeface="나눔스퀘어" panose="020B0600000101010101" pitchFamily="50" charset="-127"/>
+              </a:rPr>
+              <a:t>조건연산자</a:t>
+            </a:r>
+            <a:endParaRPr lang="en-US" altLang="ko-KR" sz="1400" dirty="0">
+              <a:latin typeface="나눔스퀘어" panose="020B0600000101010101" pitchFamily="50" charset="-127"/>
+              <a:ea typeface="나눔스퀘어" panose="020B0600000101010101" pitchFamily="50" charset="-127"/>
+            </a:endParaRPr>
+          </a:p>
+          <a:p>
+            <a:pPr algn="ctr"/>
+            <a:r>
+              <a:rPr lang="en-US" altLang="ko-KR" sz="2000" b="1" dirty="0">
+                <a:latin typeface="나눔스퀘어" panose="020B0600000101010101" pitchFamily="50" charset="-127"/>
+                <a:ea typeface="나눔스퀘어" panose="020B0600000101010101" pitchFamily="50" charset="-127"/>
+              </a:rPr>
+              <a:t># = (</a:t>
+            </a:r>
+            <a:r>
+              <a:rPr lang="ko-KR" altLang="en-US" sz="2000" b="1" dirty="0">
+                <a:latin typeface="나눔스퀘어" panose="020B0600000101010101" pitchFamily="50" charset="-127"/>
+                <a:ea typeface="나눔스퀘어" panose="020B0600000101010101" pitchFamily="50" charset="-127"/>
+              </a:rPr>
+              <a:t>조건</a:t>
+            </a:r>
+            <a:r>
+              <a:rPr lang="en-US" altLang="ko-KR" sz="2000" b="1" dirty="0">
+                <a:latin typeface="나눔스퀘어" panose="020B0600000101010101" pitchFamily="50" charset="-127"/>
+                <a:ea typeface="나눔스퀘어" panose="020B0600000101010101" pitchFamily="50" charset="-127"/>
+              </a:rPr>
+              <a:t>) ? a : b  </a:t>
+            </a:r>
+            <a:r>
+              <a:rPr lang="en-US" altLang="ko-KR" sz="1400" dirty="0">
+                <a:latin typeface="나눔스퀘어" panose="020B0600000101010101" pitchFamily="50" charset="-127"/>
+                <a:ea typeface="나눔스퀘어" panose="020B0600000101010101" pitchFamily="50" charset="-127"/>
+              </a:rPr>
+              <a:t>// </a:t>
+            </a:r>
+            <a:r>
+              <a:rPr lang="ko-KR" altLang="en-US" sz="1400" dirty="0" err="1">
+                <a:latin typeface="나눔스퀘어" panose="020B0600000101010101" pitchFamily="50" charset="-127"/>
+                <a:ea typeface="나눔스퀘어" panose="020B0600000101010101" pitchFamily="50" charset="-127"/>
+              </a:rPr>
+              <a:t>삼항조건연산자</a:t>
+            </a:r>
+            <a:endParaRPr lang="en-US" altLang="ko-KR" sz="1400" dirty="0">
+              <a:latin typeface="나눔스퀘어" panose="020B0600000101010101" pitchFamily="50" charset="-127"/>
+              <a:ea typeface="나눔스퀘어" panose="020B0600000101010101" pitchFamily="50" charset="-127"/>
+            </a:endParaRPr>
+          </a:p>
         </p:txBody>
       </p:sp>
     </p:spTree>
     <p:extLst>
       <p:ext uri="{BB962C8B-B14F-4D97-AF65-F5344CB8AC3E}">
-        <p14:creationId xmlns:p14="http://schemas.microsoft.com/office/powerpoint/2010/main" val="2290752385"/>
+        <p14:creationId xmlns:p14="http://schemas.microsoft.com/office/powerpoint/2010/main" val="3695588798"/>
       </p:ext>
     </p:extLst>
   </p:cSld>
@@ -4325,14 +4708,20 @@
       </p:grpSpPr>
       <p:sp>
         <p:nvSpPr>
-          <p:cNvPr id="4" name="TextBox 3"/>
+          <p:cNvPr id="12" name="TextBox 11">
+            <a:extLst>
+              <a:ext uri="{FF2B5EF4-FFF2-40B4-BE49-F238E27FC236}">
+                <a16:creationId xmlns:a16="http://schemas.microsoft.com/office/drawing/2014/main" id="{6B337C63-1934-4D88-B8CA-059D3B3A34AC}"/>
+              </a:ext>
+            </a:extLst>
+          </p:cNvPr>
           <p:cNvSpPr txBox="1"/>
           <p:nvPr/>
         </p:nvSpPr>
         <p:spPr>
           <a:xfrm>
-            <a:off x="0" y="1700808"/>
-            <a:ext cx="9144000" cy="4216539"/>
+            <a:off x="5700" y="3228945"/>
+            <a:ext cx="9144000" cy="400110"/>
           </a:xfrm>
           <a:prstGeom prst="rect">
             <a:avLst/>
@@ -4347,124 +4736,87 @@
           <a:p>
             <a:pPr algn="ctr"/>
             <a:r>
-              <a:rPr lang="en-US" altLang="ko-KR" sz="2000" b="1" err="1">
-                <a:latin typeface="나눔스퀘어" panose="020B0600000101010101" pitchFamily="50" charset="-127"/>
-                <a:ea typeface="나눔스퀘어" panose="020B0600000101010101" pitchFamily="50" charset="-127"/>
-              </a:rPr>
-              <a:t>window.addEventListener</a:t>
-            </a:r>
-            <a:r>
               <a:rPr lang="en-US" altLang="ko-KR" sz="2000" b="1">
                 <a:latin typeface="나눔스퀘어" panose="020B0600000101010101" pitchFamily="50" charset="-127"/>
                 <a:ea typeface="나눔스퀘어" panose="020B0600000101010101" pitchFamily="50" charset="-127"/>
               </a:rPr>
-              <a:t>(‘scroll’(</a:t>
+              <a:t>2. Top</a:t>
             </a:r>
             <a:r>
               <a:rPr lang="ko-KR" altLang="en-US" sz="2000" b="1">
                 <a:latin typeface="나눔스퀘어" panose="020B0600000101010101" pitchFamily="50" charset="-127"/>
                 <a:ea typeface="나눔스퀘어" panose="020B0600000101010101" pitchFamily="50" charset="-127"/>
               </a:rPr>
-              <a:t>행동</a:t>
+              <a:t>버튼을 클릭하면 페이지 최상단으로 서서히 올라간다</a:t>
             </a:r>
             <a:r>
               <a:rPr lang="en-US" altLang="ko-KR" sz="2000" b="1">
                 <a:latin typeface="나눔스퀘어" panose="020B0600000101010101" pitchFamily="50" charset="-127"/>
                 <a:ea typeface="나눔스퀘어" panose="020B0600000101010101" pitchFamily="50" charset="-127"/>
               </a:rPr>
-              <a:t>), </a:t>
-            </a:r>
-            <a:r>
-              <a:rPr lang="ko-KR" altLang="en-US" sz="2000" b="1">
-                <a:latin typeface="나눔스퀘어" panose="020B0600000101010101" pitchFamily="50" charset="-127"/>
-                <a:ea typeface="나눔스퀘어" panose="020B0600000101010101" pitchFamily="50" charset="-127"/>
-              </a:rPr>
-              <a:t>할 일</a:t>
-            </a:r>
-            <a:r>
-              <a:rPr lang="en-US" altLang="ko-KR" sz="2000" b="1">
-                <a:latin typeface="나눔스퀘어" panose="020B0600000101010101" pitchFamily="50" charset="-127"/>
-                <a:ea typeface="나눔스퀘어" panose="020B0600000101010101" pitchFamily="50" charset="-127"/>
-              </a:rPr>
-              <a:t>)</a:t>
-            </a:r>
-          </a:p>
-          <a:p>
-            <a:pPr algn="ctr"/>
-            <a:r>
-              <a:rPr lang="en-US" altLang="ko-KR" sz="1400">
-                <a:latin typeface="나눔스퀘어" panose="020B0600000101010101" pitchFamily="50" charset="-127"/>
-                <a:ea typeface="나눔스퀘어" panose="020B0600000101010101" pitchFamily="50" charset="-127"/>
-              </a:rPr>
-              <a:t>// </a:t>
-            </a:r>
-            <a:r>
-              <a:rPr lang="en-US" altLang="ko-KR" sz="1400" err="1">
-                <a:latin typeface="나눔스퀘어" panose="020B0600000101010101" pitchFamily="50" charset="-127"/>
-                <a:ea typeface="나눔스퀘어" panose="020B0600000101010101" pitchFamily="50" charset="-127"/>
-              </a:rPr>
-              <a:t>scrol</a:t>
-            </a:r>
-            <a:r>
-              <a:rPr lang="ko-KR" altLang="en-US" sz="1400">
-                <a:latin typeface="나눔스퀘어" panose="020B0600000101010101" pitchFamily="50" charset="-127"/>
-                <a:ea typeface="나눔스퀘어" panose="020B0600000101010101" pitchFamily="50" charset="-127"/>
-              </a:rPr>
-              <a:t>을 할 때 할 일을 실행한다</a:t>
-            </a:r>
-            <a:r>
-              <a:rPr lang="en-US" altLang="ko-KR" sz="1400">
-                <a:latin typeface="나눔스퀘어" panose="020B0600000101010101" pitchFamily="50" charset="-127"/>
-                <a:ea typeface="나눔스퀘어" panose="020B0600000101010101" pitchFamily="50" charset="-127"/>
-              </a:rPr>
               <a:t>.</a:t>
             </a:r>
-          </a:p>
-          <a:p>
-            <a:pPr algn="ctr"/>
-            <a:endParaRPr lang="en-US" altLang="ko-KR" sz="2000" b="1">
+            <a:endParaRPr lang="en-US" altLang="ko-KR" sz="1400" b="1">
               <a:latin typeface="나눔스퀘어" panose="020B0600000101010101" pitchFamily="50" charset="-127"/>
               <a:ea typeface="나눔스퀘어" panose="020B0600000101010101" pitchFamily="50" charset="-127"/>
             </a:endParaRPr>
           </a:p>
+        </p:txBody>
+      </p:sp>
+    </p:spTree>
+    <p:extLst>
+      <p:ext uri="{BB962C8B-B14F-4D97-AF65-F5344CB8AC3E}">
+        <p14:creationId xmlns:p14="http://schemas.microsoft.com/office/powerpoint/2010/main" val="2290752385"/>
+      </p:ext>
+    </p:extLst>
+  </p:cSld>
+  <p:clrMapOvr>
+    <a:masterClrMapping/>
+  </p:clrMapOvr>
+</p:sld>
+</file>
+
+<file path=ppt/slides/slide7.xml><?xml version="1.0" encoding="utf-8"?>
+<p:sld xmlns:a="http://schemas.openxmlformats.org/drawingml/2006/main" xmlns:r="http://schemas.openxmlformats.org/officeDocument/2006/relationships" xmlns:p="http://schemas.openxmlformats.org/presentationml/2006/main">
+  <p:cSld>
+    <p:spTree>
+      <p:nvGrpSpPr>
+        <p:cNvPr id="1" name=""/>
+        <p:cNvGrpSpPr/>
+        <p:nvPr/>
+      </p:nvGrpSpPr>
+      <p:grpSpPr>
+        <a:xfrm>
+          <a:off x="0" y="0"/>
+          <a:ext cx="0" cy="0"/>
+          <a:chOff x="0" y="0"/>
+          <a:chExt cx="0" cy="0"/>
+        </a:xfrm>
+      </p:grpSpPr>
+      <p:sp>
+        <p:nvSpPr>
+          <p:cNvPr id="4" name="TextBox 3"/>
+          <p:cNvSpPr txBox="1"/>
+          <p:nvPr/>
+        </p:nvSpPr>
+        <p:spPr>
+          <a:xfrm>
+            <a:off x="0" y="2613392"/>
+            <a:ext cx="9144000" cy="1631216"/>
+          </a:xfrm>
+          <a:prstGeom prst="rect">
+            <a:avLst/>
+          </a:prstGeom>
+          <a:noFill/>
+        </p:spPr>
+        <p:txBody>
+          <a:bodyPr wrap="square" rtlCol="0">
+            <a:spAutoFit/>
+          </a:bodyPr>
+          <a:lstStyle/>
           <a:p>
             <a:pPr algn="ctr"/>
-            <a:r>
-              <a:rPr lang="en-US" altLang="ko-KR" sz="2000" b="1">
-                <a:latin typeface="나눔스퀘어" panose="020B0600000101010101" pitchFamily="50" charset="-127"/>
-                <a:ea typeface="나눔스퀘어" panose="020B0600000101010101" pitchFamily="50" charset="-127"/>
-              </a:rPr>
-              <a:t> </a:t>
-            </a:r>
-            <a:r>
-              <a:rPr lang="en-US" altLang="ko-KR" sz="2000" b="1" err="1">
-                <a:latin typeface="나눔스퀘어" panose="020B0600000101010101" pitchFamily="50" charset="-127"/>
-                <a:ea typeface="나눔스퀘어" panose="020B0600000101010101" pitchFamily="50" charset="-127"/>
-              </a:rPr>
-              <a:t>Element.className</a:t>
-            </a:r>
-            <a:r>
-              <a:rPr lang="en-US" altLang="ko-KR" sz="2000" b="1">
-                <a:latin typeface="나눔스퀘어" panose="020B0600000101010101" pitchFamily="50" charset="-127"/>
-                <a:ea typeface="나눔스퀘어" panose="020B0600000101010101" pitchFamily="50" charset="-127"/>
-              </a:rPr>
-              <a:t>, </a:t>
-            </a:r>
-            <a:r>
-              <a:rPr lang="en-US" altLang="ko-KR" sz="2000" b="1" err="1">
-                <a:latin typeface="나눔스퀘어" panose="020B0600000101010101" pitchFamily="50" charset="-127"/>
-                <a:ea typeface="나눔스퀘어" panose="020B0600000101010101" pitchFamily="50" charset="-127"/>
-              </a:rPr>
-              <a:t>Element.classList.add</a:t>
-            </a:r>
-            <a:r>
-              <a:rPr lang="ko-KR" altLang="en-US" sz="2000" b="1">
-                <a:latin typeface="나눔스퀘어" panose="020B0600000101010101" pitchFamily="50" charset="-127"/>
-                <a:ea typeface="나눔스퀘어" panose="020B0600000101010101" pitchFamily="50" charset="-127"/>
-              </a:rPr>
-              <a:t>의 차이점</a:t>
-            </a:r>
-            <a:endParaRPr lang="en-US" altLang="ko-KR" sz="2000" b="1">
+            <a:endParaRPr lang="en-US" altLang="ko-KR" sz="2000" dirty="0">
               <a:latin typeface="나눔스퀘어" panose="020B0600000101010101" pitchFamily="50" charset="-127"/>
               <a:ea typeface="나눔스퀘어" panose="020B0600000101010101" pitchFamily="50" charset="-127"/>
             </a:endParaRPr>
@@ -4472,55 +4824,90 @@
           <a:p>
             <a:pPr algn="ctr"/>
             <a:r>
-              <a:rPr lang="en-US" altLang="ko-KR" sz="1400">
-                <a:latin typeface="나눔스퀘어" panose="020B0600000101010101" pitchFamily="50" charset="-127"/>
-                <a:ea typeface="나눔스퀘어" panose="020B0600000101010101" pitchFamily="50" charset="-127"/>
-              </a:rPr>
-              <a:t>// </a:t>
-            </a:r>
-            <a:r>
-              <a:rPr lang="en-US" altLang="ko-KR" sz="1400" err="1">
-                <a:latin typeface="나눔스퀘어" panose="020B0600000101010101" pitchFamily="50" charset="-127"/>
-                <a:ea typeface="나눔스퀘어" panose="020B0600000101010101" pitchFamily="50" charset="-127"/>
-              </a:rPr>
-              <a:t>className</a:t>
-            </a:r>
-            <a:r>
-              <a:rPr lang="ko-KR" altLang="en-US" sz="1400">
-                <a:latin typeface="나눔스퀘어" panose="020B0600000101010101" pitchFamily="50" charset="-127"/>
-                <a:ea typeface="나눔스퀘어" panose="020B0600000101010101" pitchFamily="50" charset="-127"/>
-              </a:rPr>
-              <a:t>은 </a:t>
-            </a:r>
-            <a:r>
-              <a:rPr lang="en-US" altLang="ko-KR" sz="1400">
-                <a:latin typeface="나눔스퀘어" panose="020B0600000101010101" pitchFamily="50" charset="-127"/>
-                <a:ea typeface="나눔스퀘어" panose="020B0600000101010101" pitchFamily="50" charset="-127"/>
-              </a:rPr>
-              <a:t>class </a:t>
-            </a:r>
-            <a:r>
-              <a:rPr lang="ko-KR" altLang="en-US" sz="1400">
-                <a:latin typeface="나눔스퀘어" panose="020B0600000101010101" pitchFamily="50" charset="-127"/>
-                <a:ea typeface="나눔스퀘어" panose="020B0600000101010101" pitchFamily="50" charset="-127"/>
-              </a:rPr>
-              <a:t>전체를 </a:t>
-            </a:r>
-            <a:r>
-              <a:rPr lang="en-US" altLang="ko-KR" sz="1400">
-                <a:latin typeface="나눔스퀘어" panose="020B0600000101010101" pitchFamily="50" charset="-127"/>
-                <a:ea typeface="나눔스퀘어" panose="020B0600000101010101" pitchFamily="50" charset="-127"/>
-              </a:rPr>
-              <a:t>“#”</a:t>
-            </a:r>
-            <a:r>
-              <a:rPr lang="ko-KR" altLang="en-US" sz="1400">
-                <a:latin typeface="나눔스퀘어" panose="020B0600000101010101" pitchFamily="50" charset="-127"/>
-                <a:ea typeface="나눔스퀘어" panose="020B0600000101010101" pitchFamily="50" charset="-127"/>
-              </a:rPr>
-              <a:t>으로 변경</a:t>
-            </a:r>
-            <a:endParaRPr lang="en-US" altLang="ko-KR" sz="1400">
+              <a:rPr lang="en-US" altLang="ko-KR" b="1" dirty="0" err="1">
+                <a:latin typeface="나눔스퀘어" panose="020B0600000101010101" pitchFamily="50" charset="-127"/>
+                <a:ea typeface="나눔스퀘어" panose="020B0600000101010101" pitchFamily="50" charset="-127"/>
+              </a:rPr>
+              <a:t>scrollInterval</a:t>
+            </a:r>
+            <a:r>
+              <a:rPr lang="ko-KR" altLang="en-US" sz="2000" b="1" dirty="0">
+                <a:latin typeface="나눔스퀘어" panose="020B0600000101010101" pitchFamily="50" charset="-127"/>
+                <a:ea typeface="나눔스퀘어" panose="020B0600000101010101" pitchFamily="50" charset="-127"/>
+              </a:rPr>
+              <a:t> </a:t>
+            </a:r>
+            <a:r>
+              <a:rPr lang="en-US" altLang="ko-KR" sz="2000" b="1" dirty="0">
+                <a:latin typeface="나눔스퀘어" panose="020B0600000101010101" pitchFamily="50" charset="-127"/>
+                <a:ea typeface="나눔스퀘어" panose="020B0600000101010101" pitchFamily="50" charset="-127"/>
+              </a:rPr>
+              <a:t>= </a:t>
+            </a:r>
+            <a:r>
+              <a:rPr lang="en-US" altLang="ko-KR" sz="2000" b="1" dirty="0" err="1">
+                <a:latin typeface="나눔스퀘어" panose="020B0600000101010101" pitchFamily="50" charset="-127"/>
+                <a:ea typeface="나눔스퀘어" panose="020B0600000101010101" pitchFamily="50" charset="-127"/>
+              </a:rPr>
+              <a:t>setInterval</a:t>
+            </a:r>
+            <a:r>
+              <a:rPr lang="en-US" altLang="ko-KR" sz="2000" b="1" dirty="0">
+                <a:latin typeface="나눔스퀘어" panose="020B0600000101010101" pitchFamily="50" charset="-127"/>
+                <a:ea typeface="나눔스퀘어" panose="020B0600000101010101" pitchFamily="50" charset="-127"/>
+              </a:rPr>
+              <a:t>(function() {</a:t>
+            </a:r>
+            <a:r>
+              <a:rPr lang="ko-KR" altLang="en-US" sz="2000" b="1" dirty="0">
+                <a:latin typeface="나눔스퀘어" panose="020B0600000101010101" pitchFamily="50" charset="-127"/>
+                <a:ea typeface="나눔스퀘어" panose="020B0600000101010101" pitchFamily="50" charset="-127"/>
+              </a:rPr>
+              <a:t>할 일</a:t>
+            </a:r>
+            <a:r>
+              <a:rPr lang="en-US" altLang="ko-KR" sz="2000" b="1" dirty="0">
+                <a:latin typeface="나눔스퀘어" panose="020B0600000101010101" pitchFamily="50" charset="-127"/>
+                <a:ea typeface="나눔스퀘어" panose="020B0600000101010101" pitchFamily="50" charset="-127"/>
+              </a:rPr>
+              <a:t>}, 15)</a:t>
+            </a:r>
+            <a:r>
+              <a:rPr lang="en-US" altLang="ko-KR" sz="2000" dirty="0">
+                <a:latin typeface="나눔스퀘어" panose="020B0600000101010101" pitchFamily="50" charset="-127"/>
+                <a:ea typeface="나눔스퀘어" panose="020B0600000101010101" pitchFamily="50" charset="-127"/>
+              </a:rPr>
+              <a:t> </a:t>
+            </a:r>
+            <a:r>
+              <a:rPr lang="en-US" altLang="ko-KR" sz="1400" dirty="0">
+                <a:latin typeface="나눔스퀘어" panose="020B0600000101010101" pitchFamily="50" charset="-127"/>
+                <a:ea typeface="나눔스퀘어" panose="020B0600000101010101" pitchFamily="50" charset="-127"/>
+              </a:rPr>
+              <a:t>// Number(</a:t>
+            </a:r>
+            <a:r>
+              <a:rPr lang="en-US" altLang="ko-KR" sz="1400" dirty="0" err="1">
+                <a:latin typeface="나눔스퀘어" panose="020B0600000101010101" pitchFamily="50" charset="-127"/>
+                <a:ea typeface="나눔스퀘어" panose="020B0600000101010101" pitchFamily="50" charset="-127"/>
+              </a:rPr>
+              <a:t>ms</a:t>
+            </a:r>
+            <a:r>
+              <a:rPr lang="en-US" altLang="ko-KR" sz="1400" dirty="0">
+                <a:latin typeface="나눔스퀘어" panose="020B0600000101010101" pitchFamily="50" charset="-127"/>
+                <a:ea typeface="나눔스퀘어" panose="020B0600000101010101" pitchFamily="50" charset="-127"/>
+              </a:rPr>
+              <a:t>)</a:t>
+            </a:r>
+            <a:r>
+              <a:rPr lang="ko-KR" altLang="en-US" sz="1400" dirty="0">
+                <a:latin typeface="나눔스퀘어" panose="020B0600000101010101" pitchFamily="50" charset="-127"/>
+                <a:ea typeface="나눔스퀘어" panose="020B0600000101010101" pitchFamily="50" charset="-127"/>
+              </a:rPr>
+              <a:t>마다 할 일을 실행</a:t>
+            </a:r>
+            <a:endParaRPr lang="en-US" altLang="ko-KR" sz="1400" dirty="0">
               <a:latin typeface="나눔스퀘어" panose="020B0600000101010101" pitchFamily="50" charset="-127"/>
               <a:ea typeface="나눔스퀘어" panose="020B0600000101010101" pitchFamily="50" charset="-127"/>
             </a:endParaRPr>
@@ -4528,62 +4915,69 @@
           <a:p>
             <a:pPr algn="ctr"/>
             <a:r>
-              <a:rPr lang="en-US" altLang="ko-KR" sz="1400">
+              <a:rPr lang="en-US" altLang="ko-KR" sz="2000" b="1" dirty="0" err="1">
+                <a:latin typeface="나눔스퀘어" panose="020B0600000101010101" pitchFamily="50" charset="-127"/>
+                <a:ea typeface="나눔스퀘어" panose="020B0600000101010101" pitchFamily="50" charset="-127"/>
+              </a:rPr>
+              <a:t>clearInterval</a:t>
+            </a:r>
+            <a:r>
+              <a:rPr lang="en-US" altLang="ko-KR" sz="2000" b="1" dirty="0">
+                <a:latin typeface="나눔스퀘어" panose="020B0600000101010101" pitchFamily="50" charset="-127"/>
+                <a:ea typeface="나눔스퀘어" panose="020B0600000101010101" pitchFamily="50" charset="-127"/>
+              </a:rPr>
+              <a:t>(</a:t>
+            </a:r>
+            <a:r>
+              <a:rPr lang="en-US" altLang="ko-KR" sz="2000" b="1" dirty="0" err="1">
+                <a:latin typeface="나눔스퀘어" panose="020B0600000101010101" pitchFamily="50" charset="-127"/>
+                <a:ea typeface="나눔스퀘어" panose="020B0600000101010101" pitchFamily="50" charset="-127"/>
+              </a:rPr>
+              <a:t>scrollInterval</a:t>
+            </a:r>
+            <a:r>
+              <a:rPr lang="en-US" altLang="ko-KR" sz="2000" b="1" dirty="0">
+                <a:latin typeface="나눔스퀘어" panose="020B0600000101010101" pitchFamily="50" charset="-127"/>
+                <a:ea typeface="나눔스퀘어" panose="020B0600000101010101" pitchFamily="50" charset="-127"/>
+              </a:rPr>
+              <a:t>) </a:t>
+            </a:r>
+            <a:r>
+              <a:rPr lang="en-US" altLang="ko-KR" sz="1400" dirty="0">
                 <a:latin typeface="나눔스퀘어" panose="020B0600000101010101" pitchFamily="50" charset="-127"/>
                 <a:ea typeface="나눔스퀘어" panose="020B0600000101010101" pitchFamily="50" charset="-127"/>
               </a:rPr>
               <a:t>// </a:t>
             </a:r>
             <a:r>
-              <a:rPr lang="en-US" altLang="ko-KR" sz="1400" err="1">
-                <a:latin typeface="나눔스퀘어" panose="020B0600000101010101" pitchFamily="50" charset="-127"/>
-                <a:ea typeface="나눔스퀘어" panose="020B0600000101010101" pitchFamily="50" charset="-127"/>
-              </a:rPr>
-              <a:t>classList.add</a:t>
-            </a:r>
-            <a:r>
-              <a:rPr lang="ko-KR" altLang="en-US" sz="1400">
-                <a:latin typeface="나눔스퀘어" panose="020B0600000101010101" pitchFamily="50" charset="-127"/>
-                <a:ea typeface="나눔스퀘어" panose="020B0600000101010101" pitchFamily="50" charset="-127"/>
-              </a:rPr>
-              <a:t>는 </a:t>
-            </a:r>
-            <a:r>
-              <a:rPr lang="en-US" altLang="ko-KR" sz="1400">
-                <a:latin typeface="나눔스퀘어" panose="020B0600000101010101" pitchFamily="50" charset="-127"/>
-                <a:ea typeface="나눔스퀘어" panose="020B0600000101010101" pitchFamily="50" charset="-127"/>
-              </a:rPr>
-              <a:t>class</a:t>
-            </a:r>
-            <a:r>
-              <a:rPr lang="ko-KR" altLang="en-US" sz="1400">
-                <a:latin typeface="나눔스퀘어" panose="020B0600000101010101" pitchFamily="50" charset="-127"/>
-                <a:ea typeface="나눔스퀘어" panose="020B0600000101010101" pitchFamily="50" charset="-127"/>
-              </a:rPr>
-              <a:t>가 존재할 때 </a:t>
-            </a:r>
-            <a:r>
-              <a:rPr lang="en-US" altLang="ko-KR" sz="1400">
-                <a:latin typeface="나눔스퀘어" panose="020B0600000101010101" pitchFamily="50" charset="-127"/>
-                <a:ea typeface="나눔스퀘어" panose="020B0600000101010101" pitchFamily="50" charset="-127"/>
-              </a:rPr>
-              <a:t>“#”</a:t>
-            </a:r>
-            <a:r>
-              <a:rPr lang="ko-KR" altLang="en-US" sz="1400">
-                <a:latin typeface="나눔스퀘어" panose="020B0600000101010101" pitchFamily="50" charset="-127"/>
-                <a:ea typeface="나눔스퀘어" panose="020B0600000101010101" pitchFamily="50" charset="-127"/>
-              </a:rPr>
-              <a:t>을 추가</a:t>
-            </a:r>
-            <a:endParaRPr lang="en-US" altLang="ko-KR" sz="1400">
+              <a:rPr lang="ko-KR" altLang="en-US" sz="1400" dirty="0">
+                <a:latin typeface="나눔스퀘어" panose="020B0600000101010101" pitchFamily="50" charset="-127"/>
+                <a:ea typeface="나눔스퀘어" panose="020B0600000101010101" pitchFamily="50" charset="-127"/>
+              </a:rPr>
+              <a:t>변수 안에 있는 할 일을</a:t>
+            </a:r>
+            <a:r>
+              <a:rPr lang="en-US" altLang="ko-KR" sz="1400" dirty="0">
+                <a:latin typeface="나눔스퀘어" panose="020B0600000101010101" pitchFamily="50" charset="-127"/>
+                <a:ea typeface="나눔스퀘어" panose="020B0600000101010101" pitchFamily="50" charset="-127"/>
+              </a:rPr>
+              <a:t> </a:t>
+            </a:r>
+            <a:r>
+              <a:rPr lang="ko-KR" altLang="en-US" sz="1400" dirty="0">
+                <a:latin typeface="나눔스퀘어" panose="020B0600000101010101" pitchFamily="50" charset="-127"/>
+                <a:ea typeface="나눔스퀘어" panose="020B0600000101010101" pitchFamily="50" charset="-127"/>
+              </a:rPr>
+              <a:t>중지</a:t>
+            </a:r>
+            <a:endParaRPr lang="en-US" altLang="ko-KR" sz="1400" dirty="0">
               <a:latin typeface="나눔스퀘어" panose="020B0600000101010101" pitchFamily="50" charset="-127"/>
               <a:ea typeface="나눔스퀘어" panose="020B0600000101010101" pitchFamily="50" charset="-127"/>
             </a:endParaRPr>
           </a:p>
           <a:p>
             <a:pPr algn="ctr"/>
-            <a:endParaRPr lang="en-US" altLang="ko-KR" sz="2000" b="1">
+            <a:endParaRPr lang="en-US" altLang="ko-KR" sz="2000" dirty="0">
               <a:latin typeface="나눔스퀘어" panose="020B0600000101010101" pitchFamily="50" charset="-127"/>
               <a:ea typeface="나눔스퀘어" panose="020B0600000101010101" pitchFamily="50" charset="-127"/>
             </a:endParaRPr>
@@ -4591,385 +4985,98 @@
           <a:p>
             <a:pPr algn="ctr"/>
             <a:r>
-              <a:rPr lang="en-US" altLang="ko-KR" sz="2000" b="1">
-                <a:latin typeface="나눔스퀘어" panose="020B0600000101010101" pitchFamily="50" charset="-127"/>
-                <a:ea typeface="나눔스퀘어" panose="020B0600000101010101" pitchFamily="50" charset="-127"/>
-              </a:rPr>
-              <a:t>if (</a:t>
-            </a:r>
-            <a:r>
-              <a:rPr lang="ko-KR" altLang="en-US" sz="2000" b="1">
-                <a:latin typeface="나눔스퀘어" panose="020B0600000101010101" pitchFamily="50" charset="-127"/>
-                <a:ea typeface="나눔스퀘어" panose="020B0600000101010101" pitchFamily="50" charset="-127"/>
-              </a:rPr>
-              <a:t>조건</a:t>
-            </a:r>
-            <a:r>
-              <a:rPr lang="en-US" altLang="ko-KR" sz="2000" b="1">
-                <a:latin typeface="나눔스퀘어" panose="020B0600000101010101" pitchFamily="50" charset="-127"/>
-                <a:ea typeface="나눔스퀘어" panose="020B0600000101010101" pitchFamily="50" charset="-127"/>
-              </a:rPr>
-              <a:t>) {#</a:t>
-            </a:r>
-            <a:r>
-              <a:rPr lang="ko-KR" altLang="en-US" sz="2000" b="1">
+              <a:rPr lang="en-US" altLang="ko-KR" sz="2000" b="1" dirty="0" err="1">
+                <a:latin typeface="나눔스퀘어" panose="020B0600000101010101" pitchFamily="50" charset="-127"/>
+                <a:ea typeface="나눔스퀘어" panose="020B0600000101010101" pitchFamily="50" charset="-127"/>
+              </a:rPr>
+              <a:t>window.scrollBy</a:t>
+            </a:r>
+            <a:r>
+              <a:rPr lang="en-US" altLang="ko-KR" sz="2000" b="1" dirty="0">
+                <a:latin typeface="나눔스퀘어" panose="020B0600000101010101" pitchFamily="50" charset="-127"/>
+                <a:ea typeface="나눔스퀘어" panose="020B0600000101010101" pitchFamily="50" charset="-127"/>
+              </a:rPr>
+              <a:t>(x,-50)</a:t>
+            </a:r>
+            <a:r>
+              <a:rPr lang="en-US" altLang="ko-KR" sz="2000" dirty="0">
                 <a:latin typeface="나눔스퀘어" panose="020B0600000101010101" pitchFamily="50" charset="-127"/>
                 <a:ea typeface="나눔스퀘어" panose="020B0600000101010101" pitchFamily="50" charset="-127"/>
               </a:rPr>
               <a:t> </a:t>
             </a:r>
             <a:r>
-              <a:rPr lang="en-US" altLang="ko-KR" sz="2000" b="1">
-                <a:latin typeface="나눔스퀘어" panose="020B0600000101010101" pitchFamily="50" charset="-127"/>
-                <a:ea typeface="나눔스퀘어" panose="020B0600000101010101" pitchFamily="50" charset="-127"/>
-              </a:rPr>
-              <a:t>=</a:t>
-            </a:r>
-            <a:r>
-              <a:rPr lang="ko-KR" altLang="en-US" sz="2000" b="1">
-                <a:latin typeface="나눔스퀘어" panose="020B0600000101010101" pitchFamily="50" charset="-127"/>
-                <a:ea typeface="나눔스퀘어" panose="020B0600000101010101" pitchFamily="50" charset="-127"/>
-              </a:rPr>
-              <a:t> </a:t>
-            </a:r>
-            <a:r>
-              <a:rPr lang="en-US" altLang="ko-KR" sz="2000" b="1">
-                <a:latin typeface="나눔스퀘어" panose="020B0600000101010101" pitchFamily="50" charset="-127"/>
-                <a:ea typeface="나눔스퀘어" panose="020B0600000101010101" pitchFamily="50" charset="-127"/>
-              </a:rPr>
-              <a:t>a} else {# = b} </a:t>
-            </a:r>
-            <a:r>
-              <a:rPr lang="en-US" altLang="ko-KR" sz="1400">
+              <a:rPr lang="en-US" altLang="ko-KR" sz="1400" dirty="0">
                 <a:latin typeface="나눔스퀘어" panose="020B0600000101010101" pitchFamily="50" charset="-127"/>
                 <a:ea typeface="나눔스퀘어" panose="020B0600000101010101" pitchFamily="50" charset="-127"/>
               </a:rPr>
               <a:t>// </a:t>
             </a:r>
             <a:r>
-              <a:rPr lang="ko-KR" altLang="en-US" sz="1400">
-                <a:latin typeface="나눔스퀘어" panose="020B0600000101010101" pitchFamily="50" charset="-127"/>
-                <a:ea typeface="나눔스퀘어" panose="020B0600000101010101" pitchFamily="50" charset="-127"/>
-              </a:rPr>
-              <a:t>조건연산자</a:t>
-            </a:r>
-            <a:endParaRPr lang="en-US" altLang="ko-KR" sz="1400">
-              <a:latin typeface="나눔스퀘어" panose="020B0600000101010101" pitchFamily="50" charset="-127"/>
-              <a:ea typeface="나눔스퀘어" panose="020B0600000101010101" pitchFamily="50" charset="-127"/>
-            </a:endParaRPr>
-          </a:p>
-          <a:p>
-            <a:pPr algn="ctr"/>
-            <a:r>
-              <a:rPr lang="en-US" altLang="ko-KR" sz="2000" b="1">
-                <a:latin typeface="나눔스퀘어" panose="020B0600000101010101" pitchFamily="50" charset="-127"/>
-                <a:ea typeface="나눔스퀘어" panose="020B0600000101010101" pitchFamily="50" charset="-127"/>
-              </a:rPr>
-              <a:t># = (</a:t>
-            </a:r>
-            <a:r>
-              <a:rPr lang="ko-KR" altLang="en-US" sz="2000" b="1">
-                <a:latin typeface="나눔스퀘어" panose="020B0600000101010101" pitchFamily="50" charset="-127"/>
-                <a:ea typeface="나눔스퀘어" panose="020B0600000101010101" pitchFamily="50" charset="-127"/>
-              </a:rPr>
-              <a:t>조건</a:t>
-            </a:r>
-            <a:r>
-              <a:rPr lang="en-US" altLang="ko-KR" sz="2000" b="1">
-                <a:latin typeface="나눔스퀘어" panose="020B0600000101010101" pitchFamily="50" charset="-127"/>
-                <a:ea typeface="나눔스퀘어" panose="020B0600000101010101" pitchFamily="50" charset="-127"/>
-              </a:rPr>
-              <a:t>) ? a : b  </a:t>
-            </a:r>
-            <a:r>
-              <a:rPr lang="en-US" altLang="ko-KR" sz="1400">
-                <a:latin typeface="나눔스퀘어" panose="020B0600000101010101" pitchFamily="50" charset="-127"/>
-                <a:ea typeface="나눔스퀘어" panose="020B0600000101010101" pitchFamily="50" charset="-127"/>
-              </a:rPr>
-              <a:t>// </a:t>
-            </a:r>
-            <a:r>
-              <a:rPr lang="ko-KR" altLang="en-US" sz="1400" err="1">
-                <a:latin typeface="나눔스퀘어" panose="020B0600000101010101" pitchFamily="50" charset="-127"/>
-                <a:ea typeface="나눔스퀘어" panose="020B0600000101010101" pitchFamily="50" charset="-127"/>
-              </a:rPr>
-              <a:t>삼항조건연산자</a:t>
-            </a:r>
-            <a:endParaRPr lang="en-US" altLang="ko-KR" sz="1400">
-              <a:latin typeface="나눔스퀘어" panose="020B0600000101010101" pitchFamily="50" charset="-127"/>
-              <a:ea typeface="나눔스퀘어" panose="020B0600000101010101" pitchFamily="50" charset="-127"/>
-            </a:endParaRPr>
-          </a:p>
-          <a:p>
-            <a:pPr algn="ctr"/>
-            <a:endParaRPr lang="en-US" altLang="ko-KR" sz="2000">
-              <a:latin typeface="나눔스퀘어" panose="020B0600000101010101" pitchFamily="50" charset="-127"/>
-              <a:ea typeface="나눔스퀘어" panose="020B0600000101010101" pitchFamily="50" charset="-127"/>
-            </a:endParaRPr>
-          </a:p>
-          <a:p>
-            <a:pPr algn="ctr"/>
-            <a:r>
-              <a:rPr lang="ko-KR" altLang="en-US" sz="2000" b="1">
-                <a:latin typeface="나눔스퀘어" panose="020B0600000101010101" pitchFamily="50" charset="-127"/>
-                <a:ea typeface="나눔스퀘어" panose="020B0600000101010101" pitchFamily="50" charset="-127"/>
-              </a:rPr>
-              <a:t>변수 </a:t>
-            </a:r>
-            <a:r>
-              <a:rPr lang="en-US" altLang="ko-KR" sz="2000" b="1">
-                <a:latin typeface="나눔스퀘어" panose="020B0600000101010101" pitchFamily="50" charset="-127"/>
-                <a:ea typeface="나눔스퀘어" panose="020B0600000101010101" pitchFamily="50" charset="-127"/>
-              </a:rPr>
-              <a:t>= </a:t>
-            </a:r>
-            <a:r>
-              <a:rPr lang="en-US" altLang="ko-KR" sz="2000" b="1" err="1">
-                <a:latin typeface="나눔스퀘어" panose="020B0600000101010101" pitchFamily="50" charset="-127"/>
-                <a:ea typeface="나눔스퀘어" panose="020B0600000101010101" pitchFamily="50" charset="-127"/>
-              </a:rPr>
-              <a:t>setInterval</a:t>
-            </a:r>
-            <a:r>
-              <a:rPr lang="en-US" altLang="ko-KR" sz="2000" b="1">
-                <a:latin typeface="나눔스퀘어" panose="020B0600000101010101" pitchFamily="50" charset="-127"/>
-                <a:ea typeface="나눔스퀘어" panose="020B0600000101010101" pitchFamily="50" charset="-127"/>
-              </a:rPr>
-              <a:t>(</a:t>
-            </a:r>
-            <a:r>
-              <a:rPr lang="ko-KR" altLang="en-US" sz="2000" b="1">
-                <a:latin typeface="나눔스퀘어" panose="020B0600000101010101" pitchFamily="50" charset="-127"/>
-                <a:ea typeface="나눔스퀘어" panose="020B0600000101010101" pitchFamily="50" charset="-127"/>
-              </a:rPr>
-              <a:t>할 일</a:t>
-            </a:r>
-            <a:r>
-              <a:rPr lang="en-US" altLang="ko-KR" sz="2000" b="1">
-                <a:latin typeface="나눔스퀘어" panose="020B0600000101010101" pitchFamily="50" charset="-127"/>
-                <a:ea typeface="나눔스퀘어" panose="020B0600000101010101" pitchFamily="50" charset="-127"/>
-              </a:rPr>
-              <a:t>, Number)</a:t>
-            </a:r>
-            <a:r>
-              <a:rPr lang="en-US" altLang="ko-KR" sz="2000">
-                <a:latin typeface="나눔스퀘어" panose="020B0600000101010101" pitchFamily="50" charset="-127"/>
-                <a:ea typeface="나눔스퀘어" panose="020B0600000101010101" pitchFamily="50" charset="-127"/>
-              </a:rPr>
-              <a:t> </a:t>
-            </a:r>
-            <a:r>
-              <a:rPr lang="en-US" altLang="ko-KR" sz="1400">
-                <a:latin typeface="나눔스퀘어" panose="020B0600000101010101" pitchFamily="50" charset="-127"/>
-                <a:ea typeface="나눔스퀘어" panose="020B0600000101010101" pitchFamily="50" charset="-127"/>
-              </a:rPr>
-              <a:t>// Number(</a:t>
-            </a:r>
-            <a:r>
-              <a:rPr lang="en-US" altLang="ko-KR" sz="1400" err="1">
-                <a:latin typeface="나눔스퀘어" panose="020B0600000101010101" pitchFamily="50" charset="-127"/>
-                <a:ea typeface="나눔스퀘어" panose="020B0600000101010101" pitchFamily="50" charset="-127"/>
-              </a:rPr>
-              <a:t>ms</a:t>
-            </a:r>
-            <a:r>
-              <a:rPr lang="en-US" altLang="ko-KR" sz="1400">
-                <a:latin typeface="나눔스퀘어" panose="020B0600000101010101" pitchFamily="50" charset="-127"/>
-                <a:ea typeface="나눔스퀘어" panose="020B0600000101010101" pitchFamily="50" charset="-127"/>
-              </a:rPr>
-              <a:t>)</a:t>
-            </a:r>
-            <a:r>
-              <a:rPr lang="ko-KR" altLang="en-US" sz="1400">
-                <a:latin typeface="나눔스퀘어" panose="020B0600000101010101" pitchFamily="50" charset="-127"/>
-                <a:ea typeface="나눔스퀘어" panose="020B0600000101010101" pitchFamily="50" charset="-127"/>
-              </a:rPr>
-              <a:t>마다 할 일을 실행</a:t>
-            </a:r>
-            <a:endParaRPr lang="en-US" altLang="ko-KR" sz="1400">
-              <a:latin typeface="나눔스퀘어" panose="020B0600000101010101" pitchFamily="50" charset="-127"/>
-              <a:ea typeface="나눔스퀘어" panose="020B0600000101010101" pitchFamily="50" charset="-127"/>
-            </a:endParaRPr>
-          </a:p>
-          <a:p>
-            <a:pPr algn="ctr"/>
-            <a:r>
-              <a:rPr lang="en-US" altLang="ko-KR" sz="2000" b="1" err="1">
-                <a:latin typeface="나눔스퀘어" panose="020B0600000101010101" pitchFamily="50" charset="-127"/>
-                <a:ea typeface="나눔스퀘어" panose="020B0600000101010101" pitchFamily="50" charset="-127"/>
-              </a:rPr>
-              <a:t>clearInterval</a:t>
-            </a:r>
-            <a:r>
-              <a:rPr lang="en-US" altLang="ko-KR" sz="2000" b="1">
-                <a:latin typeface="나눔스퀘어" panose="020B0600000101010101" pitchFamily="50" charset="-127"/>
-                <a:ea typeface="나눔스퀘어" panose="020B0600000101010101" pitchFamily="50" charset="-127"/>
-              </a:rPr>
-              <a:t>(</a:t>
-            </a:r>
-            <a:r>
-              <a:rPr lang="ko-KR" altLang="en-US" sz="2000" b="1">
-                <a:latin typeface="나눔스퀘어" panose="020B0600000101010101" pitchFamily="50" charset="-127"/>
-                <a:ea typeface="나눔스퀘어" panose="020B0600000101010101" pitchFamily="50" charset="-127"/>
-              </a:rPr>
-              <a:t>변수</a:t>
-            </a:r>
-            <a:r>
-              <a:rPr lang="en-US" altLang="ko-KR" sz="2000" b="1">
-                <a:latin typeface="나눔스퀘어" panose="020B0600000101010101" pitchFamily="50" charset="-127"/>
-                <a:ea typeface="나눔스퀘어" panose="020B0600000101010101" pitchFamily="50" charset="-127"/>
-              </a:rPr>
-              <a:t>) </a:t>
-            </a:r>
-            <a:r>
-              <a:rPr lang="en-US" altLang="ko-KR" sz="1400">
-                <a:latin typeface="나눔스퀘어" panose="020B0600000101010101" pitchFamily="50" charset="-127"/>
-                <a:ea typeface="나눔스퀘어" panose="020B0600000101010101" pitchFamily="50" charset="-127"/>
-              </a:rPr>
-              <a:t>// </a:t>
-            </a:r>
-            <a:r>
-              <a:rPr lang="ko-KR" altLang="en-US" sz="1400">
-                <a:latin typeface="나눔스퀘어" panose="020B0600000101010101" pitchFamily="50" charset="-127"/>
-                <a:ea typeface="나눔스퀘어" panose="020B0600000101010101" pitchFamily="50" charset="-127"/>
-              </a:rPr>
-              <a:t>변수 안에 있는 할 일을</a:t>
-            </a:r>
-            <a:r>
-              <a:rPr lang="en-US" altLang="ko-KR" sz="1400">
-                <a:latin typeface="나눔스퀘어" panose="020B0600000101010101" pitchFamily="50" charset="-127"/>
-                <a:ea typeface="나눔스퀘어" panose="020B0600000101010101" pitchFamily="50" charset="-127"/>
-              </a:rPr>
-              <a:t> </a:t>
-            </a:r>
-            <a:r>
-              <a:rPr lang="ko-KR" altLang="en-US" sz="1400">
-                <a:latin typeface="나눔스퀘어" panose="020B0600000101010101" pitchFamily="50" charset="-127"/>
-                <a:ea typeface="나눔스퀘어" panose="020B0600000101010101" pitchFamily="50" charset="-127"/>
-              </a:rPr>
-              <a:t>중지</a:t>
-            </a:r>
-            <a:endParaRPr lang="en-US" altLang="ko-KR" sz="1400">
-              <a:latin typeface="나눔스퀘어" panose="020B0600000101010101" pitchFamily="50" charset="-127"/>
-              <a:ea typeface="나눔스퀘어" panose="020B0600000101010101" pitchFamily="50" charset="-127"/>
-            </a:endParaRPr>
-          </a:p>
-          <a:p>
-            <a:pPr algn="ctr"/>
-            <a:endParaRPr lang="en-US" altLang="ko-KR" sz="2000">
-              <a:latin typeface="나눔스퀘어" panose="020B0600000101010101" pitchFamily="50" charset="-127"/>
-              <a:ea typeface="나눔스퀘어" panose="020B0600000101010101" pitchFamily="50" charset="-127"/>
-            </a:endParaRPr>
-          </a:p>
-          <a:p>
-            <a:pPr algn="ctr"/>
-            <a:r>
-              <a:rPr lang="en-US" altLang="ko-KR" sz="2000" b="1" err="1">
-                <a:latin typeface="나눔스퀘어" panose="020B0600000101010101" pitchFamily="50" charset="-127"/>
-                <a:ea typeface="나눔스퀘어" panose="020B0600000101010101" pitchFamily="50" charset="-127"/>
-              </a:rPr>
-              <a:t>window.scrollBy</a:t>
-            </a:r>
-            <a:r>
-              <a:rPr lang="en-US" altLang="ko-KR" sz="2000" b="1">
-                <a:latin typeface="나눔스퀘어" panose="020B0600000101010101" pitchFamily="50" charset="-127"/>
-                <a:ea typeface="나눔스퀘어" panose="020B0600000101010101" pitchFamily="50" charset="-127"/>
-              </a:rPr>
-              <a:t>(</a:t>
-            </a:r>
-            <a:r>
-              <a:rPr lang="en-US" altLang="ko-KR" sz="2000" b="1" err="1">
-                <a:latin typeface="나눔스퀘어" panose="020B0600000101010101" pitchFamily="50" charset="-127"/>
-                <a:ea typeface="나눔스퀘어" panose="020B0600000101010101" pitchFamily="50" charset="-127"/>
-              </a:rPr>
-              <a:t>x,y</a:t>
-            </a:r>
-            <a:r>
-              <a:rPr lang="en-US" altLang="ko-KR" sz="2000" b="1">
-                <a:latin typeface="나눔스퀘어" panose="020B0600000101010101" pitchFamily="50" charset="-127"/>
-                <a:ea typeface="나눔스퀘어" panose="020B0600000101010101" pitchFamily="50" charset="-127"/>
-              </a:rPr>
-              <a:t>)</a:t>
-            </a:r>
-            <a:r>
-              <a:rPr lang="en-US" altLang="ko-KR" sz="2000">
-                <a:latin typeface="나눔스퀘어" panose="020B0600000101010101" pitchFamily="50" charset="-127"/>
-                <a:ea typeface="나눔스퀘어" panose="020B0600000101010101" pitchFamily="50" charset="-127"/>
-              </a:rPr>
-              <a:t> </a:t>
-            </a:r>
-            <a:r>
-              <a:rPr lang="en-US" altLang="ko-KR" sz="1400">
-                <a:latin typeface="나눔스퀘어" panose="020B0600000101010101" pitchFamily="50" charset="-127"/>
-                <a:ea typeface="나눔스퀘어" panose="020B0600000101010101" pitchFamily="50" charset="-127"/>
-              </a:rPr>
-              <a:t>// </a:t>
-            </a:r>
-            <a:r>
-              <a:rPr lang="ko-KR" altLang="en-US" sz="1400">
+              <a:rPr lang="ko-KR" altLang="en-US" sz="1400" dirty="0">
                 <a:latin typeface="나눔스퀘어" panose="020B0600000101010101" pitchFamily="50" charset="-127"/>
                 <a:ea typeface="나눔스퀘어" panose="020B0600000101010101" pitchFamily="50" charset="-127"/>
               </a:rPr>
               <a:t>윈도우 스크롤의 </a:t>
             </a:r>
             <a:r>
-              <a:rPr lang="en-US" altLang="ko-KR" sz="1400">
+              <a:rPr lang="en-US" altLang="ko-KR" sz="1400" dirty="0">
                 <a:latin typeface="나눔스퀘어" panose="020B0600000101010101" pitchFamily="50" charset="-127"/>
                 <a:ea typeface="나눔스퀘어" panose="020B0600000101010101" pitchFamily="50" charset="-127"/>
               </a:rPr>
               <a:t>x</a:t>
             </a:r>
             <a:r>
-              <a:rPr lang="ko-KR" altLang="en-US" sz="1400">
+              <a:rPr lang="ko-KR" altLang="en-US" sz="1400" dirty="0">
                 <a:latin typeface="나눔스퀘어" panose="020B0600000101010101" pitchFamily="50" charset="-127"/>
                 <a:ea typeface="나눔스퀘어" panose="020B0600000101010101" pitchFamily="50" charset="-127"/>
               </a:rPr>
               <a:t>축을 </a:t>
             </a:r>
             <a:r>
-              <a:rPr lang="en-US" altLang="ko-KR" sz="1400">
+              <a:rPr lang="en-US" altLang="ko-KR" sz="1400" dirty="0">
                 <a:latin typeface="나눔스퀘어" panose="020B0600000101010101" pitchFamily="50" charset="-127"/>
                 <a:ea typeface="나눔스퀘어" panose="020B0600000101010101" pitchFamily="50" charset="-127"/>
               </a:rPr>
               <a:t>x</a:t>
             </a:r>
             <a:r>
-              <a:rPr lang="ko-KR" altLang="en-US" sz="1400">
+              <a:rPr lang="ko-KR" altLang="en-US" sz="1400" dirty="0">
                 <a:latin typeface="나눔스퀘어" panose="020B0600000101010101" pitchFamily="50" charset="-127"/>
                 <a:ea typeface="나눔스퀘어" panose="020B0600000101010101" pitchFamily="50" charset="-127"/>
               </a:rPr>
               <a:t>만큼</a:t>
             </a:r>
             <a:r>
-              <a:rPr lang="en-US" altLang="ko-KR" sz="1400">
+              <a:rPr lang="en-US" altLang="ko-KR" sz="1400" dirty="0">
                 <a:latin typeface="나눔스퀘어" panose="020B0600000101010101" pitchFamily="50" charset="-127"/>
                 <a:ea typeface="나눔스퀘어" panose="020B0600000101010101" pitchFamily="50" charset="-127"/>
               </a:rPr>
               <a:t>, y</a:t>
             </a:r>
             <a:r>
-              <a:rPr lang="ko-KR" altLang="en-US" sz="1400">
+              <a:rPr lang="ko-KR" altLang="en-US" sz="1400" dirty="0">
                 <a:latin typeface="나눔스퀘어" panose="020B0600000101010101" pitchFamily="50" charset="-127"/>
                 <a:ea typeface="나눔스퀘어" panose="020B0600000101010101" pitchFamily="50" charset="-127"/>
               </a:rPr>
               <a:t>축을 </a:t>
             </a:r>
             <a:r>
-              <a:rPr lang="en-US" altLang="ko-KR" sz="1400">
+              <a:rPr lang="en-US" altLang="ko-KR" sz="1400" dirty="0">
                 <a:latin typeface="나눔스퀘어" panose="020B0600000101010101" pitchFamily="50" charset="-127"/>
                 <a:ea typeface="나눔스퀘어" panose="020B0600000101010101" pitchFamily="50" charset="-127"/>
               </a:rPr>
               <a:t>y</a:t>
             </a:r>
             <a:r>
-              <a:rPr lang="ko-KR" altLang="en-US" sz="1400">
+              <a:rPr lang="ko-KR" altLang="en-US" sz="1400" dirty="0">
                 <a:latin typeface="나눔스퀘어" panose="020B0600000101010101" pitchFamily="50" charset="-127"/>
                 <a:ea typeface="나눔스퀘어" panose="020B0600000101010101" pitchFamily="50" charset="-127"/>
               </a:rPr>
               <a:t>만큼 움직인다</a:t>
             </a:r>
             <a:r>
-              <a:rPr lang="en-US" altLang="ko-KR" sz="1400">
+              <a:rPr lang="en-US" altLang="ko-KR" sz="1400" dirty="0">
                 <a:latin typeface="나눔스퀘어" panose="020B0600000101010101" pitchFamily="50" charset="-127"/>
                 <a:ea typeface="나눔스퀘어" panose="020B0600000101010101" pitchFamily="50" charset="-127"/>
               </a:rPr>
@@ -4981,7 +5088,7 @@
     </p:spTree>
     <p:extLst>
       <p:ext uri="{BB962C8B-B14F-4D97-AF65-F5344CB8AC3E}">
-        <p14:creationId xmlns:p14="http://schemas.microsoft.com/office/powerpoint/2010/main" val="3695588798"/>
+        <p14:creationId xmlns:p14="http://schemas.microsoft.com/office/powerpoint/2010/main" val="657123025"/>
       </p:ext>
     </p:extLst>
   </p:cSld>
